--- a/Introduction to Spring Batch.pptx
+++ b/Introduction to Spring Batch.pptx
@@ -5,10 +5,10 @@
     <p:sldMasterId id="2147483962" r:id="rId1"/>
   </p:sldMasterIdLst>
   <p:notesMasterIdLst>
-    <p:notesMasterId r:id="rId17"/>
+    <p:notesMasterId r:id="rId21"/>
   </p:notesMasterIdLst>
   <p:handoutMasterIdLst>
-    <p:handoutMasterId r:id="rId18"/>
+    <p:handoutMasterId r:id="rId22"/>
   </p:handoutMasterIdLst>
   <p:sldIdLst>
     <p:sldId id="474" r:id="rId2"/>
@@ -20,41 +20,45 @@
     <p:sldId id="481" r:id="rId8"/>
     <p:sldId id="479" r:id="rId9"/>
     <p:sldId id="480" r:id="rId10"/>
-    <p:sldId id="488" r:id="rId11"/>
-    <p:sldId id="482" r:id="rId12"/>
-    <p:sldId id="483" r:id="rId13"/>
-    <p:sldId id="484" r:id="rId14"/>
-    <p:sldId id="486" r:id="rId15"/>
-    <p:sldId id="487" r:id="rId16"/>
+    <p:sldId id="489" r:id="rId11"/>
+    <p:sldId id="488" r:id="rId12"/>
+    <p:sldId id="482" r:id="rId13"/>
+    <p:sldId id="483" r:id="rId14"/>
+    <p:sldId id="484" r:id="rId15"/>
+    <p:sldId id="490" r:id="rId16"/>
+    <p:sldId id="491" r:id="rId17"/>
+    <p:sldId id="486" r:id="rId18"/>
+    <p:sldId id="487" r:id="rId19"/>
+    <p:sldId id="492" r:id="rId20"/>
   </p:sldIdLst>
   <p:sldSz cx="24387175" cy="13716000"/>
   <p:notesSz cx="6858000" cy="9144000"/>
   <p:embeddedFontLst>
     <p:embeddedFont>
       <p:font typeface="IBM Plex Sans" panose="020B0503050203000203" pitchFamily="34" charset="0"/>
-      <p:regular r:id="rId19"/>
-      <p:bold r:id="rId20"/>
-      <p:italic r:id="rId21"/>
-      <p:boldItalic r:id="rId22"/>
+      <p:regular r:id="rId23"/>
+      <p:bold r:id="rId24"/>
+      <p:italic r:id="rId25"/>
+      <p:boldItalic r:id="rId26"/>
     </p:embeddedFont>
     <p:embeddedFont>
-      <p:font typeface="IBM Plex Sans ExtLt" panose="020B0303050203000203" pitchFamily="34" charset="0"/>
-      <p:regular r:id="rId23"/>
-      <p:italic r:id="rId24"/>
-    </p:embeddedFont>
-    <p:embeddedFont>
-      <p:font typeface="IBM Plex Sans Light" panose="020B0403050203000203" pitchFamily="34" charset="0"/>
-      <p:regular r:id="rId25"/>
-      <p:italic r:id="rId26"/>
-    </p:embeddedFont>
-    <p:embeddedFont>
-      <p:font typeface="IBM Plex Sans Medm" panose="020B0603050203000203" pitchFamily="34" charset="0"/>
+      <p:font typeface="IBM Plex Sans ExtLt"/>
       <p:regular r:id="rId27"/>
       <p:italic r:id="rId28"/>
     </p:embeddedFont>
     <p:embeddedFont>
+      <p:font typeface="IBM Plex Sans Light" panose="020B0403050203000203" pitchFamily="34" charset="0"/>
+      <p:regular r:id="rId29"/>
+      <p:italic r:id="rId30"/>
+    </p:embeddedFont>
+    <p:embeddedFont>
+      <p:font typeface="IBM Plex Sans Medm" panose="020B0503050203000203"/>
+      <p:regular r:id="rId31"/>
+      <p:italic r:id="rId32"/>
+    </p:embeddedFont>
+    <p:embeddedFont>
       <p:font typeface="JetBrains Mono NL" panose="02000009000000000000" pitchFamily="49" charset="0"/>
-      <p:regular r:id="rId29"/>
+      <p:regular r:id="rId33"/>
     </p:embeddedFont>
   </p:embeddedFontLst>
   <p:defaultTextStyle>
@@ -878,7 +882,7 @@
     </p:spTree>
     <p:extLst>
       <p:ext uri="{BB962C8B-B14F-4D97-AF65-F5344CB8AC3E}">
-        <p14:creationId xmlns:p14="http://schemas.microsoft.com/office/powerpoint/2010/main" val="1987794692"/>
+        <p14:creationId xmlns:p14="http://schemas.microsoft.com/office/powerpoint/2010/main" val="3470241514"/>
       </p:ext>
     </p:extLst>
   </p:cSld>
@@ -990,7 +994,7 @@
     </p:spTree>
     <p:extLst>
       <p:ext uri="{BB962C8B-B14F-4D97-AF65-F5344CB8AC3E}">
-        <p14:creationId xmlns:p14="http://schemas.microsoft.com/office/powerpoint/2010/main" val="324172808"/>
+        <p14:creationId xmlns:p14="http://schemas.microsoft.com/office/powerpoint/2010/main" val="1987794692"/>
       </p:ext>
     </p:extLst>
   </p:cSld>
@@ -1102,7 +1106,7 @@
     </p:spTree>
     <p:extLst>
       <p:ext uri="{BB962C8B-B14F-4D97-AF65-F5344CB8AC3E}">
-        <p14:creationId xmlns:p14="http://schemas.microsoft.com/office/powerpoint/2010/main" val="1004533374"/>
+        <p14:creationId xmlns:p14="http://schemas.microsoft.com/office/powerpoint/2010/main" val="324172808"/>
       </p:ext>
     </p:extLst>
   </p:cSld>
@@ -1141,8 +1145,8 @@
         </p:nvSpPr>
         <p:spPr>
           <a:xfrm>
-            <a:off x="192088" y="228600"/>
-            <a:ext cx="6473825" cy="3641725"/>
+            <a:off x="206375" y="228600"/>
+            <a:ext cx="6419850" cy="3611563"/>
           </a:xfrm>
         </p:spPr>
       </p:sp>
@@ -1161,7 +1165,7 @@
           <a:bodyPr/>
           <a:lstStyle/>
           <a:p>
-            <a:endParaRPr lang="en-US"/>
+            <a:endParaRPr lang="en-BR"/>
           </a:p>
         </p:txBody>
       </p:sp>
@@ -1214,7 +1218,7 @@
     </p:spTree>
     <p:extLst>
       <p:ext uri="{BB962C8B-B14F-4D97-AF65-F5344CB8AC3E}">
-        <p14:creationId xmlns:p14="http://schemas.microsoft.com/office/powerpoint/2010/main" val="1617851093"/>
+        <p14:creationId xmlns:p14="http://schemas.microsoft.com/office/powerpoint/2010/main" val="1004533374"/>
       </p:ext>
     </p:extLst>
   </p:cSld>
@@ -1225,6 +1229,290 @@
 </file>
 
 <file path=ppt/notesSlides/notesSlide14.xml><?xml version="1.0" encoding="utf-8"?>
+<p:notes xmlns:a="http://schemas.openxmlformats.org/drawingml/2006/main" xmlns:r="http://schemas.openxmlformats.org/officeDocument/2006/relationships" xmlns:p="http://schemas.openxmlformats.org/presentationml/2006/main">
+  <p:cSld>
+    <p:spTree>
+      <p:nvGrpSpPr>
+        <p:cNvPr id="1" name="">
+          <a:extLst>
+            <a:ext uri="{FF2B5EF4-FFF2-40B4-BE49-F238E27FC236}">
+              <a16:creationId xmlns:a16="http://schemas.microsoft.com/office/drawing/2014/main" id="{3D38EE14-5A16-43CE-C399-C874E5A209A0}"/>
+            </a:ext>
+          </a:extLst>
+        </p:cNvPr>
+        <p:cNvGrpSpPr/>
+        <p:nvPr/>
+      </p:nvGrpSpPr>
+      <p:grpSpPr>
+        <a:xfrm>
+          <a:off x="0" y="0"/>
+          <a:ext cx="0" cy="0"/>
+          <a:chOff x="0" y="0"/>
+          <a:chExt cx="0" cy="0"/>
+        </a:xfrm>
+      </p:grpSpPr>
+      <p:sp>
+        <p:nvSpPr>
+          <p:cNvPr id="2" name="Slide Image Placeholder 1">
+            <a:extLst>
+              <a:ext uri="{FF2B5EF4-FFF2-40B4-BE49-F238E27FC236}">
+                <a16:creationId xmlns:a16="http://schemas.microsoft.com/office/drawing/2014/main" id="{D0F660CD-E120-A1B6-28C3-23B3DD8874A2}"/>
+              </a:ext>
+            </a:extLst>
+          </p:cNvPr>
+          <p:cNvSpPr>
+            <a:spLocks noGrp="1" noRot="1" noChangeAspect="1"/>
+          </p:cNvSpPr>
+          <p:nvPr>
+            <p:ph type="sldImg"/>
+          </p:nvPr>
+        </p:nvSpPr>
+        <p:spPr>
+          <a:xfrm>
+            <a:off x="206375" y="228600"/>
+            <a:ext cx="6419850" cy="3611563"/>
+          </a:xfrm>
+        </p:spPr>
+      </p:sp>
+      <p:sp>
+        <p:nvSpPr>
+          <p:cNvPr id="3" name="Notes Placeholder 2">
+            <a:extLst>
+              <a:ext uri="{FF2B5EF4-FFF2-40B4-BE49-F238E27FC236}">
+                <a16:creationId xmlns:a16="http://schemas.microsoft.com/office/drawing/2014/main" id="{1936EA6A-6019-67A8-3D60-51BABFA96F3E}"/>
+              </a:ext>
+            </a:extLst>
+          </p:cNvPr>
+          <p:cNvSpPr>
+            <a:spLocks noGrp="1"/>
+          </p:cNvSpPr>
+          <p:nvPr>
+            <p:ph type="body" idx="1"/>
+          </p:nvPr>
+        </p:nvSpPr>
+        <p:spPr/>
+        <p:txBody>
+          <a:bodyPr/>
+          <a:lstStyle/>
+          <a:p>
+            <a:endParaRPr lang="en-BR"/>
+          </a:p>
+        </p:txBody>
+      </p:sp>
+      <p:sp>
+        <p:nvSpPr>
+          <p:cNvPr id="4" name="Slide Number Placeholder 3">
+            <a:extLst>
+              <a:ext uri="{FF2B5EF4-FFF2-40B4-BE49-F238E27FC236}">
+                <a16:creationId xmlns:a16="http://schemas.microsoft.com/office/drawing/2014/main" id="{C41E868B-3E23-7DD9-79A0-EAACA12FD16F}"/>
+              </a:ext>
+            </a:extLst>
+          </p:cNvPr>
+          <p:cNvSpPr>
+            <a:spLocks noGrp="1"/>
+          </p:cNvSpPr>
+          <p:nvPr>
+            <p:ph type="sldNum" sz="quarter" idx="5"/>
+          </p:nvPr>
+        </p:nvSpPr>
+        <p:spPr/>
+        <p:txBody>
+          <a:bodyPr/>
+          <a:lstStyle/>
+          <a:p>
+            <a:fld id="{6E2E38B8-B0B4-AD41-AC6E-B781F46A9FD3}" type="slidenum">
+              <a:rPr lang="en-US" smtClean="0"/>
+              <a:pPr/>
+              <a:t>15</a:t>
+            </a:fld>
+            <a:endParaRPr lang="en-US"/>
+          </a:p>
+        </p:txBody>
+      </p:sp>
+      <p:sp>
+        <p:nvSpPr>
+          <p:cNvPr id="5" name="Footer Placeholder 4">
+            <a:extLst>
+              <a:ext uri="{FF2B5EF4-FFF2-40B4-BE49-F238E27FC236}">
+                <a16:creationId xmlns:a16="http://schemas.microsoft.com/office/drawing/2014/main" id="{3F00C0B6-EADF-BC2D-1D60-E28412A1FD50}"/>
+              </a:ext>
+            </a:extLst>
+          </p:cNvPr>
+          <p:cNvSpPr>
+            <a:spLocks noGrp="1"/>
+          </p:cNvSpPr>
+          <p:nvPr>
+            <p:ph type="ftr" sz="quarter" idx="4"/>
+          </p:nvPr>
+        </p:nvSpPr>
+        <p:spPr/>
+        <p:txBody>
+          <a:bodyPr/>
+          <a:lstStyle/>
+          <a:p>
+            <a:r>
+              <a:rPr lang="en-US"/>
+              <a:t>Footer</a:t>
+            </a:r>
+          </a:p>
+        </p:txBody>
+      </p:sp>
+    </p:spTree>
+    <p:extLst>
+      <p:ext uri="{BB962C8B-B14F-4D97-AF65-F5344CB8AC3E}">
+        <p14:creationId xmlns:p14="http://schemas.microsoft.com/office/powerpoint/2010/main" val="3808347077"/>
+      </p:ext>
+    </p:extLst>
+  </p:cSld>
+  <p:clrMapOvr>
+    <a:masterClrMapping/>
+  </p:clrMapOvr>
+</p:notes>
+</file>
+
+<file path=ppt/notesSlides/notesSlide15.xml><?xml version="1.0" encoding="utf-8"?>
+<p:notes xmlns:a="http://schemas.openxmlformats.org/drawingml/2006/main" xmlns:r="http://schemas.openxmlformats.org/officeDocument/2006/relationships" xmlns:p="http://schemas.openxmlformats.org/presentationml/2006/main">
+  <p:cSld>
+    <p:spTree>
+      <p:nvGrpSpPr>
+        <p:cNvPr id="1" name="">
+          <a:extLst>
+            <a:ext uri="{FF2B5EF4-FFF2-40B4-BE49-F238E27FC236}">
+              <a16:creationId xmlns:a16="http://schemas.microsoft.com/office/drawing/2014/main" id="{33945A2C-43D2-3A46-F9A8-9E565554858F}"/>
+            </a:ext>
+          </a:extLst>
+        </p:cNvPr>
+        <p:cNvGrpSpPr/>
+        <p:nvPr/>
+      </p:nvGrpSpPr>
+      <p:grpSpPr>
+        <a:xfrm>
+          <a:off x="0" y="0"/>
+          <a:ext cx="0" cy="0"/>
+          <a:chOff x="0" y="0"/>
+          <a:chExt cx="0" cy="0"/>
+        </a:xfrm>
+      </p:grpSpPr>
+      <p:sp>
+        <p:nvSpPr>
+          <p:cNvPr id="2" name="Slide Image Placeholder 1">
+            <a:extLst>
+              <a:ext uri="{FF2B5EF4-FFF2-40B4-BE49-F238E27FC236}">
+                <a16:creationId xmlns:a16="http://schemas.microsoft.com/office/drawing/2014/main" id="{AA3159DC-4B0C-427F-CE2D-D72B41A5F17F}"/>
+              </a:ext>
+            </a:extLst>
+          </p:cNvPr>
+          <p:cNvSpPr>
+            <a:spLocks noGrp="1" noRot="1" noChangeAspect="1"/>
+          </p:cNvSpPr>
+          <p:nvPr>
+            <p:ph type="sldImg"/>
+          </p:nvPr>
+        </p:nvSpPr>
+        <p:spPr>
+          <a:xfrm>
+            <a:off x="206375" y="228600"/>
+            <a:ext cx="6419850" cy="3611563"/>
+          </a:xfrm>
+        </p:spPr>
+      </p:sp>
+      <p:sp>
+        <p:nvSpPr>
+          <p:cNvPr id="3" name="Notes Placeholder 2">
+            <a:extLst>
+              <a:ext uri="{FF2B5EF4-FFF2-40B4-BE49-F238E27FC236}">
+                <a16:creationId xmlns:a16="http://schemas.microsoft.com/office/drawing/2014/main" id="{A1D28065-A48D-D481-838A-1CFA25F1C67C}"/>
+              </a:ext>
+            </a:extLst>
+          </p:cNvPr>
+          <p:cNvSpPr>
+            <a:spLocks noGrp="1"/>
+          </p:cNvSpPr>
+          <p:nvPr>
+            <p:ph type="body" idx="1"/>
+          </p:nvPr>
+        </p:nvSpPr>
+        <p:spPr/>
+        <p:txBody>
+          <a:bodyPr/>
+          <a:lstStyle/>
+          <a:p>
+            <a:endParaRPr lang="en-BR"/>
+          </a:p>
+        </p:txBody>
+      </p:sp>
+      <p:sp>
+        <p:nvSpPr>
+          <p:cNvPr id="4" name="Slide Number Placeholder 3">
+            <a:extLst>
+              <a:ext uri="{FF2B5EF4-FFF2-40B4-BE49-F238E27FC236}">
+                <a16:creationId xmlns:a16="http://schemas.microsoft.com/office/drawing/2014/main" id="{4C787336-D559-72A3-24F9-310FEC934B14}"/>
+              </a:ext>
+            </a:extLst>
+          </p:cNvPr>
+          <p:cNvSpPr>
+            <a:spLocks noGrp="1"/>
+          </p:cNvSpPr>
+          <p:nvPr>
+            <p:ph type="sldNum" sz="quarter" idx="5"/>
+          </p:nvPr>
+        </p:nvSpPr>
+        <p:spPr/>
+        <p:txBody>
+          <a:bodyPr/>
+          <a:lstStyle/>
+          <a:p>
+            <a:fld id="{6E2E38B8-B0B4-AD41-AC6E-B781F46A9FD3}" type="slidenum">
+              <a:rPr lang="en-US" smtClean="0"/>
+              <a:pPr/>
+              <a:t>16</a:t>
+            </a:fld>
+            <a:endParaRPr lang="en-US"/>
+          </a:p>
+        </p:txBody>
+      </p:sp>
+      <p:sp>
+        <p:nvSpPr>
+          <p:cNvPr id="5" name="Footer Placeholder 4">
+            <a:extLst>
+              <a:ext uri="{FF2B5EF4-FFF2-40B4-BE49-F238E27FC236}">
+                <a16:creationId xmlns:a16="http://schemas.microsoft.com/office/drawing/2014/main" id="{E53222FA-A0E2-F86E-9B41-5661FCF0CB22}"/>
+              </a:ext>
+            </a:extLst>
+          </p:cNvPr>
+          <p:cNvSpPr>
+            <a:spLocks noGrp="1"/>
+          </p:cNvSpPr>
+          <p:nvPr>
+            <p:ph type="ftr" sz="quarter" idx="4"/>
+          </p:nvPr>
+        </p:nvSpPr>
+        <p:spPr/>
+        <p:txBody>
+          <a:bodyPr/>
+          <a:lstStyle/>
+          <a:p>
+            <a:r>
+              <a:rPr lang="en-US"/>
+              <a:t>Footer</a:t>
+            </a:r>
+          </a:p>
+        </p:txBody>
+      </p:sp>
+    </p:spTree>
+    <p:extLst>
+      <p:ext uri="{BB962C8B-B14F-4D97-AF65-F5344CB8AC3E}">
+        <p14:creationId xmlns:p14="http://schemas.microsoft.com/office/powerpoint/2010/main" val="3503182755"/>
+      </p:ext>
+    </p:extLst>
+  </p:cSld>
+  <p:clrMapOvr>
+    <a:masterClrMapping/>
+  </p:clrMapOvr>
+</p:notes>
+</file>
+
+<file path=ppt/notesSlides/notesSlide16.xml><?xml version="1.0" encoding="utf-8"?>
 <p:notes xmlns:a="http://schemas.openxmlformats.org/drawingml/2006/main" xmlns:r="http://schemas.openxmlformats.org/officeDocument/2006/relationships" xmlns:p="http://schemas.openxmlformats.org/presentationml/2006/main">
   <p:cSld>
     <p:spTree>
@@ -1295,7 +1583,7 @@
             <a:fld id="{6E2E38B8-B0B4-AD41-AC6E-B781F46A9FD3}" type="slidenum">
               <a:rPr lang="en-US" smtClean="0"/>
               <a:pPr/>
-              <a:t>15</a:t>
+              <a:t>17</a:t>
             </a:fld>
             <a:endParaRPr lang="en-US"/>
           </a:p>
@@ -1326,7 +1614,261 @@
     </p:spTree>
     <p:extLst>
       <p:ext uri="{BB962C8B-B14F-4D97-AF65-F5344CB8AC3E}">
+        <p14:creationId xmlns:p14="http://schemas.microsoft.com/office/powerpoint/2010/main" val="1617851093"/>
+      </p:ext>
+    </p:extLst>
+  </p:cSld>
+  <p:clrMapOvr>
+    <a:masterClrMapping/>
+  </p:clrMapOvr>
+</p:notes>
+</file>
+
+<file path=ppt/notesSlides/notesSlide17.xml><?xml version="1.0" encoding="utf-8"?>
+<p:notes xmlns:a="http://schemas.openxmlformats.org/drawingml/2006/main" xmlns:r="http://schemas.openxmlformats.org/officeDocument/2006/relationships" xmlns:p="http://schemas.openxmlformats.org/presentationml/2006/main">
+  <p:cSld>
+    <p:spTree>
+      <p:nvGrpSpPr>
+        <p:cNvPr id="1" name=""/>
+        <p:cNvGrpSpPr/>
+        <p:nvPr/>
+      </p:nvGrpSpPr>
+      <p:grpSpPr>
+        <a:xfrm>
+          <a:off x="0" y="0"/>
+          <a:ext cx="0" cy="0"/>
+          <a:chOff x="0" y="0"/>
+          <a:chExt cx="0" cy="0"/>
+        </a:xfrm>
+      </p:grpSpPr>
+      <p:sp>
+        <p:nvSpPr>
+          <p:cNvPr id="2" name="Slide Image Placeholder 1"/>
+          <p:cNvSpPr>
+            <a:spLocks noGrp="1" noRot="1" noChangeAspect="1"/>
+          </p:cNvSpPr>
+          <p:nvPr>
+            <p:ph type="sldImg"/>
+          </p:nvPr>
+        </p:nvSpPr>
+        <p:spPr>
+          <a:xfrm>
+            <a:off x="192088" y="228600"/>
+            <a:ext cx="6473825" cy="3641725"/>
+          </a:xfrm>
+        </p:spPr>
+      </p:sp>
+      <p:sp>
+        <p:nvSpPr>
+          <p:cNvPr id="3" name="Notes Placeholder 2"/>
+          <p:cNvSpPr>
+            <a:spLocks noGrp="1"/>
+          </p:cNvSpPr>
+          <p:nvPr>
+            <p:ph type="body" idx="1"/>
+          </p:nvPr>
+        </p:nvSpPr>
+        <p:spPr/>
+        <p:txBody>
+          <a:bodyPr/>
+          <a:lstStyle/>
+          <a:p>
+            <a:endParaRPr lang="en-US"/>
+          </a:p>
+        </p:txBody>
+      </p:sp>
+      <p:sp>
+        <p:nvSpPr>
+          <p:cNvPr id="4" name="Slide Number Placeholder 3"/>
+          <p:cNvSpPr>
+            <a:spLocks noGrp="1"/>
+          </p:cNvSpPr>
+          <p:nvPr>
+            <p:ph type="sldNum" sz="quarter" idx="5"/>
+          </p:nvPr>
+        </p:nvSpPr>
+        <p:spPr/>
+        <p:txBody>
+          <a:bodyPr/>
+          <a:lstStyle/>
+          <a:p>
+            <a:fld id="{6E2E38B8-B0B4-AD41-AC6E-B781F46A9FD3}" type="slidenum">
+              <a:rPr lang="en-US" smtClean="0"/>
+              <a:pPr/>
+              <a:t>18</a:t>
+            </a:fld>
+            <a:endParaRPr lang="en-US"/>
+          </a:p>
+        </p:txBody>
+      </p:sp>
+      <p:sp>
+        <p:nvSpPr>
+          <p:cNvPr id="5" name="Footer Placeholder 4"/>
+          <p:cNvSpPr>
+            <a:spLocks noGrp="1"/>
+          </p:cNvSpPr>
+          <p:nvPr>
+            <p:ph type="ftr" sz="quarter" idx="4"/>
+          </p:nvPr>
+        </p:nvSpPr>
+        <p:spPr/>
+        <p:txBody>
+          <a:bodyPr/>
+          <a:lstStyle/>
+          <a:p>
+            <a:r>
+              <a:rPr lang="en-US"/>
+              <a:t>Footer</a:t>
+            </a:r>
+          </a:p>
+        </p:txBody>
+      </p:sp>
+    </p:spTree>
+    <p:extLst>
+      <p:ext uri="{BB962C8B-B14F-4D97-AF65-F5344CB8AC3E}">
         <p14:creationId xmlns:p14="http://schemas.microsoft.com/office/powerpoint/2010/main" val="3249515156"/>
+      </p:ext>
+    </p:extLst>
+  </p:cSld>
+  <p:clrMapOvr>
+    <a:masterClrMapping/>
+  </p:clrMapOvr>
+</p:notes>
+</file>
+
+<file path=ppt/notesSlides/notesSlide18.xml><?xml version="1.0" encoding="utf-8"?>
+<p:notes xmlns:a="http://schemas.openxmlformats.org/drawingml/2006/main" xmlns:r="http://schemas.openxmlformats.org/officeDocument/2006/relationships" xmlns:p="http://schemas.openxmlformats.org/presentationml/2006/main">
+  <p:cSld>
+    <p:spTree>
+      <p:nvGrpSpPr>
+        <p:cNvPr id="1" name="">
+          <a:extLst>
+            <a:ext uri="{FF2B5EF4-FFF2-40B4-BE49-F238E27FC236}">
+              <a16:creationId xmlns:a16="http://schemas.microsoft.com/office/drawing/2014/main" id="{C14D8FDD-239F-2412-FAB0-28F719469873}"/>
+            </a:ext>
+          </a:extLst>
+        </p:cNvPr>
+        <p:cNvGrpSpPr/>
+        <p:nvPr/>
+      </p:nvGrpSpPr>
+      <p:grpSpPr>
+        <a:xfrm>
+          <a:off x="0" y="0"/>
+          <a:ext cx="0" cy="0"/>
+          <a:chOff x="0" y="0"/>
+          <a:chExt cx="0" cy="0"/>
+        </a:xfrm>
+      </p:grpSpPr>
+      <p:sp>
+        <p:nvSpPr>
+          <p:cNvPr id="2" name="Slide Image Placeholder 1">
+            <a:extLst>
+              <a:ext uri="{FF2B5EF4-FFF2-40B4-BE49-F238E27FC236}">
+                <a16:creationId xmlns:a16="http://schemas.microsoft.com/office/drawing/2014/main" id="{975B909C-139F-2D49-3B6E-53707F4D64D0}"/>
+              </a:ext>
+            </a:extLst>
+          </p:cNvPr>
+          <p:cNvSpPr>
+            <a:spLocks noGrp="1" noRot="1" noChangeAspect="1"/>
+          </p:cNvSpPr>
+          <p:nvPr>
+            <p:ph type="sldImg"/>
+          </p:nvPr>
+        </p:nvSpPr>
+        <p:spPr>
+          <a:xfrm>
+            <a:off x="206375" y="228600"/>
+            <a:ext cx="6419850" cy="3611563"/>
+          </a:xfrm>
+        </p:spPr>
+      </p:sp>
+      <p:sp>
+        <p:nvSpPr>
+          <p:cNvPr id="3" name="Notes Placeholder 2">
+            <a:extLst>
+              <a:ext uri="{FF2B5EF4-FFF2-40B4-BE49-F238E27FC236}">
+                <a16:creationId xmlns:a16="http://schemas.microsoft.com/office/drawing/2014/main" id="{CBFC9AAB-E246-D3DC-25AA-B5070A2B3255}"/>
+              </a:ext>
+            </a:extLst>
+          </p:cNvPr>
+          <p:cNvSpPr>
+            <a:spLocks noGrp="1"/>
+          </p:cNvSpPr>
+          <p:nvPr>
+            <p:ph type="body" idx="1"/>
+          </p:nvPr>
+        </p:nvSpPr>
+        <p:spPr/>
+        <p:txBody>
+          <a:bodyPr/>
+          <a:lstStyle/>
+          <a:p>
+            <a:endParaRPr lang="en-BR"/>
+          </a:p>
+        </p:txBody>
+      </p:sp>
+      <p:sp>
+        <p:nvSpPr>
+          <p:cNvPr id="4" name="Slide Number Placeholder 3">
+            <a:extLst>
+              <a:ext uri="{FF2B5EF4-FFF2-40B4-BE49-F238E27FC236}">
+                <a16:creationId xmlns:a16="http://schemas.microsoft.com/office/drawing/2014/main" id="{65843A02-8BD8-56D3-0D70-F0CD20FBEFB6}"/>
+              </a:ext>
+            </a:extLst>
+          </p:cNvPr>
+          <p:cNvSpPr>
+            <a:spLocks noGrp="1"/>
+          </p:cNvSpPr>
+          <p:nvPr>
+            <p:ph type="sldNum" sz="quarter" idx="5"/>
+          </p:nvPr>
+        </p:nvSpPr>
+        <p:spPr/>
+        <p:txBody>
+          <a:bodyPr/>
+          <a:lstStyle/>
+          <a:p>
+            <a:fld id="{6E2E38B8-B0B4-AD41-AC6E-B781F46A9FD3}" type="slidenum">
+              <a:rPr lang="en-US" smtClean="0"/>
+              <a:pPr/>
+              <a:t>19</a:t>
+            </a:fld>
+            <a:endParaRPr lang="en-US"/>
+          </a:p>
+        </p:txBody>
+      </p:sp>
+      <p:sp>
+        <p:nvSpPr>
+          <p:cNvPr id="5" name="Footer Placeholder 4">
+            <a:extLst>
+              <a:ext uri="{FF2B5EF4-FFF2-40B4-BE49-F238E27FC236}">
+                <a16:creationId xmlns:a16="http://schemas.microsoft.com/office/drawing/2014/main" id="{D63308EA-8CBE-A4F9-3AD4-1BF1532305C8}"/>
+              </a:ext>
+            </a:extLst>
+          </p:cNvPr>
+          <p:cNvSpPr>
+            <a:spLocks noGrp="1"/>
+          </p:cNvSpPr>
+          <p:nvPr>
+            <p:ph type="ftr" sz="quarter" idx="4"/>
+          </p:nvPr>
+        </p:nvSpPr>
+        <p:spPr/>
+        <p:txBody>
+          <a:bodyPr/>
+          <a:lstStyle/>
+          <a:p>
+            <a:r>
+              <a:rPr lang="en-US"/>
+              <a:t>Footer</a:t>
+            </a:r>
+          </a:p>
+        </p:txBody>
+      </p:sp>
+    </p:spTree>
+    <p:extLst>
+      <p:ext uri="{BB962C8B-B14F-4D97-AF65-F5344CB8AC3E}">
+        <p14:creationId xmlns:p14="http://schemas.microsoft.com/office/powerpoint/2010/main" val="1569732804"/>
       </p:ext>
     </p:extLst>
   </p:cSld>
@@ -2125,7 +2667,13 @@
   <p:cSld>
     <p:spTree>
       <p:nvGrpSpPr>
-        <p:cNvPr id="1" name=""/>
+        <p:cNvPr id="1" name="">
+          <a:extLst>
+            <a:ext uri="{FF2B5EF4-FFF2-40B4-BE49-F238E27FC236}">
+              <a16:creationId xmlns:a16="http://schemas.microsoft.com/office/drawing/2014/main" id="{B6EDFBB6-D069-9462-F956-E45F88E57837}"/>
+            </a:ext>
+          </a:extLst>
+        </p:cNvPr>
         <p:cNvGrpSpPr/>
         <p:nvPr/>
       </p:nvGrpSpPr>
@@ -2139,7 +2687,13 @@
       </p:grpSpPr>
       <p:sp>
         <p:nvSpPr>
-          <p:cNvPr id="2" name="Slide Image Placeholder 1"/>
+          <p:cNvPr id="2" name="Slide Image Placeholder 1">
+            <a:extLst>
+              <a:ext uri="{FF2B5EF4-FFF2-40B4-BE49-F238E27FC236}">
+                <a16:creationId xmlns:a16="http://schemas.microsoft.com/office/drawing/2014/main" id="{AA92189E-EF55-13C5-3BC6-078C6E0C1E95}"/>
+              </a:ext>
+            </a:extLst>
+          </p:cNvPr>
           <p:cNvSpPr>
             <a:spLocks noGrp="1" noRot="1" noChangeAspect="1"/>
           </p:cNvSpPr>
@@ -2156,7 +2710,13 @@
       </p:sp>
       <p:sp>
         <p:nvSpPr>
-          <p:cNvPr id="3" name="Notes Placeholder 2"/>
+          <p:cNvPr id="3" name="Notes Placeholder 2">
+            <a:extLst>
+              <a:ext uri="{FF2B5EF4-FFF2-40B4-BE49-F238E27FC236}">
+                <a16:creationId xmlns:a16="http://schemas.microsoft.com/office/drawing/2014/main" id="{C78A9621-39CD-B7C2-FF16-8083B7A56EF7}"/>
+              </a:ext>
+            </a:extLst>
+          </p:cNvPr>
           <p:cNvSpPr>
             <a:spLocks noGrp="1"/>
           </p:cNvSpPr>
@@ -2175,7 +2735,13 @@
       </p:sp>
       <p:sp>
         <p:nvSpPr>
-          <p:cNvPr id="4" name="Slide Number Placeholder 3"/>
+          <p:cNvPr id="4" name="Slide Number Placeholder 3">
+            <a:extLst>
+              <a:ext uri="{FF2B5EF4-FFF2-40B4-BE49-F238E27FC236}">
+                <a16:creationId xmlns:a16="http://schemas.microsoft.com/office/drawing/2014/main" id="{0AF02C75-1026-A3EA-47ED-6D9557E517E8}"/>
+              </a:ext>
+            </a:extLst>
+          </p:cNvPr>
           <p:cNvSpPr>
             <a:spLocks noGrp="1"/>
           </p:cNvSpPr>
@@ -2199,7 +2765,13 @@
       </p:sp>
       <p:sp>
         <p:nvSpPr>
-          <p:cNvPr id="5" name="Footer Placeholder 4"/>
+          <p:cNvPr id="5" name="Footer Placeholder 4">
+            <a:extLst>
+              <a:ext uri="{FF2B5EF4-FFF2-40B4-BE49-F238E27FC236}">
+                <a16:creationId xmlns:a16="http://schemas.microsoft.com/office/drawing/2014/main" id="{B2DA8762-5705-4C08-1359-D785BB7BD3D5}"/>
+              </a:ext>
+            </a:extLst>
+          </p:cNvPr>
           <p:cNvSpPr>
             <a:spLocks noGrp="1"/>
           </p:cNvSpPr>
@@ -2222,7 +2794,7 @@
     </p:spTree>
     <p:extLst>
       <p:ext uri="{BB962C8B-B14F-4D97-AF65-F5344CB8AC3E}">
-        <p14:creationId xmlns:p14="http://schemas.microsoft.com/office/powerpoint/2010/main" val="3470241514"/>
+        <p14:creationId xmlns:p14="http://schemas.microsoft.com/office/powerpoint/2010/main" val="2827632605"/>
       </p:ext>
     </p:extLst>
   </p:cSld>
@@ -27293,7 +27865,13 @@
   <p:cSld>
     <p:spTree>
       <p:nvGrpSpPr>
-        <p:cNvPr id="1" name=""/>
+        <p:cNvPr id="1" name="">
+          <a:extLst>
+            <a:ext uri="{FF2B5EF4-FFF2-40B4-BE49-F238E27FC236}">
+              <a16:creationId xmlns:a16="http://schemas.microsoft.com/office/drawing/2014/main" id="{E8ED7BA2-1840-19B4-ADDD-B09C322D9375}"/>
+            </a:ext>
+          </a:extLst>
+        </p:cNvPr>
         <p:cNvGrpSpPr/>
         <p:nvPr/>
       </p:nvGrpSpPr>
@@ -27310,7 +27888,7 @@
           <p:cNvPr id="6" name="Title 1">
             <a:extLst>
               <a:ext uri="{FF2B5EF4-FFF2-40B4-BE49-F238E27FC236}">
-                <a16:creationId xmlns:a16="http://schemas.microsoft.com/office/drawing/2014/main" id="{275F670A-8CB6-DEC3-FC1D-8BD9A5903CE3}"/>
+                <a16:creationId xmlns:a16="http://schemas.microsoft.com/office/drawing/2014/main" id="{597E735C-FAAD-2215-5641-37EADC05C679}"/>
               </a:ext>
             </a:extLst>
           </p:cNvPr>
@@ -27332,161 +27910,32 @@
           <a:lstStyle/>
           <a:p>
             <a:r>
-              <a:rPr lang="en-US" sz="7200" dirty="0">
+              <a:rPr lang="en-US" dirty="0">
                 <a:solidFill>
                   <a:srgbClr val="0F62FE"/>
                 </a:solidFill>
               </a:rPr>
-              <a:t>Basic Setup</a:t>
-            </a:r>
-          </a:p>
-        </p:txBody>
-      </p:sp>
-      <p:sp>
-        <p:nvSpPr>
-          <p:cNvPr id="3" name="Footer Placeholder 4">
-            <a:extLst>
-              <a:ext uri="{FF2B5EF4-FFF2-40B4-BE49-F238E27FC236}">
-                <a16:creationId xmlns:a16="http://schemas.microsoft.com/office/drawing/2014/main" id="{22A31621-091B-D2F0-B5AC-85DE6A38CA7C}"/>
-              </a:ext>
-            </a:extLst>
-          </p:cNvPr>
-          <p:cNvSpPr txBox="1">
-            <a:spLocks/>
-          </p:cNvSpPr>
+              <a:t>Spring Boot</a:t>
+            </a:r>
+          </a:p>
+        </p:txBody>
+      </p:sp>
+      <p:sp>
+        <p:nvSpPr>
+          <p:cNvPr id="2" name="TextBox 1">
+            <a:extLst>
+              <a:ext uri="{FF2B5EF4-FFF2-40B4-BE49-F238E27FC236}">
+                <a16:creationId xmlns:a16="http://schemas.microsoft.com/office/drawing/2014/main" id="{8822B754-50D9-5EA7-FCC6-853FEDD9FD5E}"/>
+              </a:ext>
+            </a:extLst>
+          </p:cNvPr>
+          <p:cNvSpPr txBox="1"/>
           <p:nvPr/>
         </p:nvSpPr>
         <p:spPr>
           <a:xfrm>
-            <a:off x="20730172" y="12801599"/>
-            <a:ext cx="2950899" cy="690465"/>
-          </a:xfrm>
-          <a:prstGeom prst="rect">
-            <a:avLst/>
-          </a:prstGeom>
-        </p:spPr>
-        <p:txBody>
-          <a:bodyPr anchor="ctr"/>
-          <a:lstStyle>
-            <a:defPPr>
-              <a:defRPr lang="en-US"/>
-            </a:defPPr>
-            <a:lvl1pPr marL="0" algn="l" defTabSz="1829379" rtl="0" eaLnBrk="1" latinLnBrk="0" hangingPunct="1">
-              <a:defRPr sz="3600" kern="1200">
-                <a:solidFill>
-                  <a:schemeClr val="tx1"/>
-                </a:solidFill>
-                <a:latin typeface="+mn-lt"/>
-                <a:ea typeface="+mn-ea"/>
-                <a:cs typeface="+mn-cs"/>
-              </a:defRPr>
-            </a:lvl1pPr>
-            <a:lvl2pPr marL="914688" algn="l" defTabSz="1829379" rtl="0" eaLnBrk="1" latinLnBrk="0" hangingPunct="1">
-              <a:defRPr sz="3600" kern="1200">
-                <a:solidFill>
-                  <a:schemeClr val="tx1"/>
-                </a:solidFill>
-                <a:latin typeface="+mn-lt"/>
-                <a:ea typeface="+mn-ea"/>
-                <a:cs typeface="+mn-cs"/>
-              </a:defRPr>
-            </a:lvl2pPr>
-            <a:lvl3pPr marL="1829379" algn="l" defTabSz="1829379" rtl="0" eaLnBrk="1" latinLnBrk="0" hangingPunct="1">
-              <a:defRPr sz="3600" kern="1200">
-                <a:solidFill>
-                  <a:schemeClr val="tx1"/>
-                </a:solidFill>
-                <a:latin typeface="+mn-lt"/>
-                <a:ea typeface="+mn-ea"/>
-                <a:cs typeface="+mn-cs"/>
-              </a:defRPr>
-            </a:lvl3pPr>
-            <a:lvl4pPr marL="2744068" algn="l" defTabSz="1829379" rtl="0" eaLnBrk="1" latinLnBrk="0" hangingPunct="1">
-              <a:defRPr sz="3600" kern="1200">
-                <a:solidFill>
-                  <a:schemeClr val="tx1"/>
-                </a:solidFill>
-                <a:latin typeface="+mn-lt"/>
-                <a:ea typeface="+mn-ea"/>
-                <a:cs typeface="+mn-cs"/>
-              </a:defRPr>
-            </a:lvl4pPr>
-            <a:lvl5pPr marL="3658759" algn="l" defTabSz="1829379" rtl="0" eaLnBrk="1" latinLnBrk="0" hangingPunct="1">
-              <a:defRPr sz="3600" kern="1200">
-                <a:solidFill>
-                  <a:schemeClr val="tx1"/>
-                </a:solidFill>
-                <a:latin typeface="+mn-lt"/>
-                <a:ea typeface="+mn-ea"/>
-                <a:cs typeface="+mn-cs"/>
-              </a:defRPr>
-            </a:lvl5pPr>
-            <a:lvl6pPr marL="4573447" algn="l" defTabSz="1829379" rtl="0" eaLnBrk="1" latinLnBrk="0" hangingPunct="1">
-              <a:defRPr sz="3600" kern="1200">
-                <a:solidFill>
-                  <a:schemeClr val="tx1"/>
-                </a:solidFill>
-                <a:latin typeface="+mn-lt"/>
-                <a:ea typeface="+mn-ea"/>
-                <a:cs typeface="+mn-cs"/>
-              </a:defRPr>
-            </a:lvl6pPr>
-            <a:lvl7pPr marL="5488138" algn="l" defTabSz="1829379" rtl="0" eaLnBrk="1" latinLnBrk="0" hangingPunct="1">
-              <a:defRPr sz="3600" kern="1200">
-                <a:solidFill>
-                  <a:schemeClr val="tx1"/>
-                </a:solidFill>
-                <a:latin typeface="+mn-lt"/>
-                <a:ea typeface="+mn-ea"/>
-                <a:cs typeface="+mn-cs"/>
-              </a:defRPr>
-            </a:lvl7pPr>
-            <a:lvl8pPr marL="6402827" algn="l" defTabSz="1829379" rtl="0" eaLnBrk="1" latinLnBrk="0" hangingPunct="1">
-              <a:defRPr sz="3600" kern="1200">
-                <a:solidFill>
-                  <a:schemeClr val="tx1"/>
-                </a:solidFill>
-                <a:latin typeface="+mn-lt"/>
-                <a:ea typeface="+mn-ea"/>
-                <a:cs typeface="+mn-cs"/>
-              </a:defRPr>
-            </a:lvl8pPr>
-            <a:lvl9pPr marL="7317518" algn="l" defTabSz="1829379" rtl="0" eaLnBrk="1" latinLnBrk="0" hangingPunct="1">
-              <a:defRPr sz="3600" kern="1200">
-                <a:solidFill>
-                  <a:schemeClr val="tx1"/>
-                </a:solidFill>
-                <a:latin typeface="+mn-lt"/>
-                <a:ea typeface="+mn-ea"/>
-                <a:cs typeface="+mn-cs"/>
-              </a:defRPr>
-            </a:lvl9pPr>
-          </a:lstStyle>
-          <a:p>
-            <a:pPr algn="r"/>
-            <a:r>
-              <a:rPr lang="en-US" sz="1600" dirty="0"/>
-              <a:t>Introduction to Spring Batch</a:t>
-            </a:r>
-          </a:p>
-        </p:txBody>
-      </p:sp>
-      <p:sp>
-        <p:nvSpPr>
-          <p:cNvPr id="9" name="TextBox 8">
-            <a:extLst>
-              <a:ext uri="{FF2B5EF4-FFF2-40B4-BE49-F238E27FC236}">
-                <a16:creationId xmlns:a16="http://schemas.microsoft.com/office/drawing/2014/main" id="{99F56539-A69E-4ACF-960B-DBCC09B450DF}"/>
-              </a:ext>
-            </a:extLst>
-          </p:cNvPr>
-          <p:cNvSpPr txBox="1"/>
-          <p:nvPr/>
-        </p:nvSpPr>
-        <p:spPr>
-          <a:xfrm>
-            <a:off x="576071" y="2493593"/>
-            <a:ext cx="21780075" cy="2677656"/>
+            <a:off x="576072" y="3095716"/>
+            <a:ext cx="19727340" cy="4832092"/>
           </a:xfrm>
           <a:prstGeom prst="rect">
             <a:avLst/>
@@ -27508,251 +27957,382 @@
           <a:lstStyle/>
           <a:p>
             <a:r>
-              <a:rPr lang="en-US" sz="2800" dirty="0">
-                <a:solidFill>
-                  <a:srgbClr val="A8A8A8"/>
-                </a:solidFill>
-                <a:latin typeface="JetBrains Mono NL" panose="02000009000000000000" pitchFamily="49" charset="0"/>
-                <a:ea typeface="JetBrains Mono NL" panose="02000009000000000000" pitchFamily="49" charset="0"/>
-                <a:cs typeface="JetBrains Mono NL" panose="02000009000000000000" pitchFamily="49" charset="0"/>
+              <a:rPr lang="en-US" sz="4400" dirty="0"/>
+              <a:t>In this tutorial, we will use </a:t>
+            </a:r>
+            <a:r>
+              <a:rPr lang="en-US" sz="4400" dirty="0">
+                <a:solidFill>
+                  <a:srgbClr val="0F62FE"/>
+                </a:solidFill>
               </a:rPr>
-              <a:t>&lt;!-- https://mvnrepository.com/artifact/org.springframework.batch/spring-batch-core --&gt;</a:t>
-            </a:r>
-          </a:p>
-          <a:p>
-            <a:r>
-              <a:rPr lang="en-US" sz="2800" dirty="0">
-                <a:solidFill>
-                  <a:srgbClr val="D02670"/>
-                </a:solidFill>
-                <a:latin typeface="JetBrains Mono NL" panose="02000009000000000000" pitchFamily="49" charset="0"/>
-                <a:ea typeface="JetBrains Mono NL" panose="02000009000000000000" pitchFamily="49" charset="0"/>
-                <a:cs typeface="JetBrains Mono NL" panose="02000009000000000000" pitchFamily="49" charset="0"/>
+              <a:t>Spring Boot</a:t>
+            </a:r>
+            <a:r>
+              <a:rPr lang="en-US" sz="4400" dirty="0"/>
+              <a:t> to simplify the entire development process.</a:t>
+            </a:r>
+          </a:p>
+          <a:p>
+            <a:endParaRPr lang="en-US" sz="4400" dirty="0"/>
+          </a:p>
+          <a:p>
+            <a:r>
+              <a:rPr lang="en-US" sz="4400" dirty="0"/>
+              <a:t>Spring Boot offers us several perks such as automatic configuration of </a:t>
+            </a:r>
+            <a:r>
+              <a:rPr lang="en-US" sz="4400" dirty="0" err="1"/>
+              <a:t>datasources</a:t>
+            </a:r>
+            <a:r>
+              <a:rPr lang="en-US" sz="4400" dirty="0"/>
+              <a:t> and the possibility to expose our batch job via a REST API.</a:t>
+            </a:r>
+          </a:p>
+          <a:p>
+            <a:endParaRPr lang="en-US" sz="4400" dirty="0"/>
+          </a:p>
+          <a:p>
+            <a:r>
+              <a:rPr lang="en-US" sz="4400" dirty="0"/>
+              <a:t>Of course, batch jobs can also be implemented using raw Spring.</a:t>
+            </a:r>
+          </a:p>
+        </p:txBody>
+      </p:sp>
+      <p:sp>
+        <p:nvSpPr>
+          <p:cNvPr id="3" name="Footer Placeholder 4">
+            <a:extLst>
+              <a:ext uri="{FF2B5EF4-FFF2-40B4-BE49-F238E27FC236}">
+                <a16:creationId xmlns:a16="http://schemas.microsoft.com/office/drawing/2014/main" id="{267FB170-0A95-CA4E-4209-05FD568A1ACD}"/>
+              </a:ext>
+            </a:extLst>
+          </p:cNvPr>
+          <p:cNvSpPr txBox="1">
+            <a:spLocks/>
+          </p:cNvSpPr>
+          <p:nvPr/>
+        </p:nvSpPr>
+        <p:spPr>
+          <a:xfrm>
+            <a:off x="20730172" y="12801599"/>
+            <a:ext cx="2950899" cy="690465"/>
+          </a:xfrm>
+          <a:prstGeom prst="rect">
+            <a:avLst/>
+          </a:prstGeom>
+        </p:spPr>
+        <p:txBody>
+          <a:bodyPr anchor="ctr"/>
+          <a:lstStyle>
+            <a:defPPr>
+              <a:defRPr lang="en-US"/>
+            </a:defPPr>
+            <a:lvl1pPr marL="0" algn="l" defTabSz="1829379" rtl="0" eaLnBrk="1" latinLnBrk="0" hangingPunct="1">
+              <a:defRPr sz="3600" kern="1200">
+                <a:solidFill>
+                  <a:schemeClr val="tx1"/>
+                </a:solidFill>
+                <a:latin typeface="+mn-lt"/>
+                <a:ea typeface="+mn-ea"/>
+                <a:cs typeface="+mn-cs"/>
+              </a:defRPr>
+            </a:lvl1pPr>
+            <a:lvl2pPr marL="914688" algn="l" defTabSz="1829379" rtl="0" eaLnBrk="1" latinLnBrk="0" hangingPunct="1">
+              <a:defRPr sz="3600" kern="1200">
+                <a:solidFill>
+                  <a:schemeClr val="tx1"/>
+                </a:solidFill>
+                <a:latin typeface="+mn-lt"/>
+                <a:ea typeface="+mn-ea"/>
+                <a:cs typeface="+mn-cs"/>
+              </a:defRPr>
+            </a:lvl2pPr>
+            <a:lvl3pPr marL="1829379" algn="l" defTabSz="1829379" rtl="0" eaLnBrk="1" latinLnBrk="0" hangingPunct="1">
+              <a:defRPr sz="3600" kern="1200">
+                <a:solidFill>
+                  <a:schemeClr val="tx1"/>
+                </a:solidFill>
+                <a:latin typeface="+mn-lt"/>
+                <a:ea typeface="+mn-ea"/>
+                <a:cs typeface="+mn-cs"/>
+              </a:defRPr>
+            </a:lvl3pPr>
+            <a:lvl4pPr marL="2744068" algn="l" defTabSz="1829379" rtl="0" eaLnBrk="1" latinLnBrk="0" hangingPunct="1">
+              <a:defRPr sz="3600" kern="1200">
+                <a:solidFill>
+                  <a:schemeClr val="tx1"/>
+                </a:solidFill>
+                <a:latin typeface="+mn-lt"/>
+                <a:ea typeface="+mn-ea"/>
+                <a:cs typeface="+mn-cs"/>
+              </a:defRPr>
+            </a:lvl4pPr>
+            <a:lvl5pPr marL="3658759" algn="l" defTabSz="1829379" rtl="0" eaLnBrk="1" latinLnBrk="0" hangingPunct="1">
+              <a:defRPr sz="3600" kern="1200">
+                <a:solidFill>
+                  <a:schemeClr val="tx1"/>
+                </a:solidFill>
+                <a:latin typeface="+mn-lt"/>
+                <a:ea typeface="+mn-ea"/>
+                <a:cs typeface="+mn-cs"/>
+              </a:defRPr>
+            </a:lvl5pPr>
+            <a:lvl6pPr marL="4573447" algn="l" defTabSz="1829379" rtl="0" eaLnBrk="1" latinLnBrk="0" hangingPunct="1">
+              <a:defRPr sz="3600" kern="1200">
+                <a:solidFill>
+                  <a:schemeClr val="tx1"/>
+                </a:solidFill>
+                <a:latin typeface="+mn-lt"/>
+                <a:ea typeface="+mn-ea"/>
+                <a:cs typeface="+mn-cs"/>
+              </a:defRPr>
+            </a:lvl6pPr>
+            <a:lvl7pPr marL="5488138" algn="l" defTabSz="1829379" rtl="0" eaLnBrk="1" latinLnBrk="0" hangingPunct="1">
+              <a:defRPr sz="3600" kern="1200">
+                <a:solidFill>
+                  <a:schemeClr val="tx1"/>
+                </a:solidFill>
+                <a:latin typeface="+mn-lt"/>
+                <a:ea typeface="+mn-ea"/>
+                <a:cs typeface="+mn-cs"/>
+              </a:defRPr>
+            </a:lvl7pPr>
+            <a:lvl8pPr marL="6402827" algn="l" defTabSz="1829379" rtl="0" eaLnBrk="1" latinLnBrk="0" hangingPunct="1">
+              <a:defRPr sz="3600" kern="1200">
+                <a:solidFill>
+                  <a:schemeClr val="tx1"/>
+                </a:solidFill>
+                <a:latin typeface="+mn-lt"/>
+                <a:ea typeface="+mn-ea"/>
+                <a:cs typeface="+mn-cs"/>
+              </a:defRPr>
+            </a:lvl8pPr>
+            <a:lvl9pPr marL="7317518" algn="l" defTabSz="1829379" rtl="0" eaLnBrk="1" latinLnBrk="0" hangingPunct="1">
+              <a:defRPr sz="3600" kern="1200">
+                <a:solidFill>
+                  <a:schemeClr val="tx1"/>
+                </a:solidFill>
+                <a:latin typeface="+mn-lt"/>
+                <a:ea typeface="+mn-ea"/>
+                <a:cs typeface="+mn-cs"/>
+              </a:defRPr>
+            </a:lvl9pPr>
+          </a:lstStyle>
+          <a:p>
+            <a:pPr algn="r"/>
+            <a:r>
+              <a:rPr lang="en-US" sz="1600" dirty="0"/>
+              <a:t>Introduction to Spring Batch</a:t>
+            </a:r>
+          </a:p>
+        </p:txBody>
+      </p:sp>
+    </p:spTree>
+    <p:extLst>
+      <p:ext uri="{BB962C8B-B14F-4D97-AF65-F5344CB8AC3E}">
+        <p14:creationId xmlns:p14="http://schemas.microsoft.com/office/powerpoint/2010/main" val="278789088"/>
+      </p:ext>
+    </p:extLst>
+  </p:cSld>
+  <p:clrMapOvr>
+    <a:masterClrMapping/>
+  </p:clrMapOvr>
+  <p:transition spd="med"/>
+</p:sld>
+</file>
+
+<file path=ppt/slides/slide11.xml><?xml version="1.0" encoding="utf-8"?>
+<p:sld xmlns:a="http://schemas.openxmlformats.org/drawingml/2006/main" xmlns:r="http://schemas.openxmlformats.org/officeDocument/2006/relationships" xmlns:p="http://schemas.openxmlformats.org/presentationml/2006/main">
+  <p:cSld>
+    <p:spTree>
+      <p:nvGrpSpPr>
+        <p:cNvPr id="1" name=""/>
+        <p:cNvGrpSpPr/>
+        <p:nvPr/>
+      </p:nvGrpSpPr>
+      <p:grpSpPr>
+        <a:xfrm>
+          <a:off x="0" y="0"/>
+          <a:ext cx="0" cy="0"/>
+          <a:chOff x="0" y="0"/>
+          <a:chExt cx="0" cy="0"/>
+        </a:xfrm>
+      </p:grpSpPr>
+      <p:sp>
+        <p:nvSpPr>
+          <p:cNvPr id="6" name="Title 1">
+            <a:extLst>
+              <a:ext uri="{FF2B5EF4-FFF2-40B4-BE49-F238E27FC236}">
+                <a16:creationId xmlns:a16="http://schemas.microsoft.com/office/drawing/2014/main" id="{275F670A-8CB6-DEC3-FC1D-8BD9A5903CE3}"/>
+              </a:ext>
+            </a:extLst>
+          </p:cNvPr>
+          <p:cNvSpPr>
+            <a:spLocks noGrp="1"/>
+          </p:cNvSpPr>
+          <p:nvPr>
+            <p:ph type="title"/>
+          </p:nvPr>
+        </p:nvSpPr>
+        <p:spPr>
+          <a:xfrm>
+            <a:off x="576072" y="384048"/>
+            <a:ext cx="17040124" cy="4573587"/>
+          </a:xfrm>
+        </p:spPr>
+        <p:txBody>
+          <a:bodyPr/>
+          <a:lstStyle/>
+          <a:p>
+            <a:r>
+              <a:rPr lang="en-US" sz="7200" dirty="0">
+                <a:solidFill>
+                  <a:srgbClr val="0F62FE"/>
+                </a:solidFill>
               </a:rPr>
-              <a:t>&lt;dependency&gt;</a:t>
-            </a:r>
-          </a:p>
-          <a:p>
-            <a:r>
-              <a:rPr lang="en-US" sz="2800" dirty="0">
-                <a:solidFill>
-                  <a:srgbClr val="D02670"/>
-                </a:solidFill>
-                <a:latin typeface="JetBrains Mono NL" panose="02000009000000000000" pitchFamily="49" charset="0"/>
-                <a:ea typeface="JetBrains Mono NL" panose="02000009000000000000" pitchFamily="49" charset="0"/>
-                <a:cs typeface="JetBrains Mono NL" panose="02000009000000000000" pitchFamily="49" charset="0"/>
-              </a:rPr>
-              <a:t>    &lt;</a:t>
-            </a:r>
-            <a:r>
-              <a:rPr lang="en-US" sz="2800" dirty="0" err="1">
-                <a:solidFill>
-                  <a:srgbClr val="D02670"/>
-                </a:solidFill>
-                <a:latin typeface="JetBrains Mono NL" panose="02000009000000000000" pitchFamily="49" charset="0"/>
-                <a:ea typeface="JetBrains Mono NL" panose="02000009000000000000" pitchFamily="49" charset="0"/>
-                <a:cs typeface="JetBrains Mono NL" panose="02000009000000000000" pitchFamily="49" charset="0"/>
-              </a:rPr>
-              <a:t>groupId</a:t>
-            </a:r>
-            <a:r>
-              <a:rPr lang="en-US" sz="2800" dirty="0">
-                <a:solidFill>
-                  <a:srgbClr val="D02670"/>
-                </a:solidFill>
-                <a:latin typeface="JetBrains Mono NL" panose="02000009000000000000" pitchFamily="49" charset="0"/>
-                <a:ea typeface="JetBrains Mono NL" panose="02000009000000000000" pitchFamily="49" charset="0"/>
-                <a:cs typeface="JetBrains Mono NL" panose="02000009000000000000" pitchFamily="49" charset="0"/>
-              </a:rPr>
-              <a:t>&gt;</a:t>
-            </a:r>
-            <a:r>
-              <a:rPr lang="en-US" sz="2800" dirty="0" err="1">
-                <a:latin typeface="JetBrains Mono NL" panose="02000009000000000000" pitchFamily="49" charset="0"/>
-                <a:ea typeface="JetBrains Mono NL" panose="02000009000000000000" pitchFamily="49" charset="0"/>
-                <a:cs typeface="JetBrains Mono NL" panose="02000009000000000000" pitchFamily="49" charset="0"/>
-              </a:rPr>
-              <a:t>org.springframework.batch</a:t>
-            </a:r>
-            <a:r>
-              <a:rPr lang="en-US" sz="2800" dirty="0">
-                <a:solidFill>
-                  <a:srgbClr val="D02670"/>
-                </a:solidFill>
-                <a:latin typeface="JetBrains Mono NL" panose="02000009000000000000" pitchFamily="49" charset="0"/>
-                <a:ea typeface="JetBrains Mono NL" panose="02000009000000000000" pitchFamily="49" charset="0"/>
-                <a:cs typeface="JetBrains Mono NL" panose="02000009000000000000" pitchFamily="49" charset="0"/>
-              </a:rPr>
-              <a:t>&lt;/</a:t>
-            </a:r>
-            <a:r>
-              <a:rPr lang="en-US" sz="2800" dirty="0" err="1">
-                <a:solidFill>
-                  <a:srgbClr val="D02670"/>
-                </a:solidFill>
-                <a:latin typeface="JetBrains Mono NL" panose="02000009000000000000" pitchFamily="49" charset="0"/>
-                <a:ea typeface="JetBrains Mono NL" panose="02000009000000000000" pitchFamily="49" charset="0"/>
-                <a:cs typeface="JetBrains Mono NL" panose="02000009000000000000" pitchFamily="49" charset="0"/>
-              </a:rPr>
-              <a:t>groupId</a:t>
-            </a:r>
-            <a:r>
-              <a:rPr lang="en-US" sz="2800" dirty="0">
-                <a:solidFill>
-                  <a:srgbClr val="D02670"/>
-                </a:solidFill>
-                <a:latin typeface="JetBrains Mono NL" panose="02000009000000000000" pitchFamily="49" charset="0"/>
-                <a:ea typeface="JetBrains Mono NL" panose="02000009000000000000" pitchFamily="49" charset="0"/>
-                <a:cs typeface="JetBrains Mono NL" panose="02000009000000000000" pitchFamily="49" charset="0"/>
-              </a:rPr>
-              <a:t>&gt;</a:t>
-            </a:r>
-          </a:p>
-          <a:p>
-            <a:r>
-              <a:rPr lang="en-US" sz="2800" dirty="0">
-                <a:latin typeface="JetBrains Mono NL" panose="02000009000000000000" pitchFamily="49" charset="0"/>
-                <a:ea typeface="JetBrains Mono NL" panose="02000009000000000000" pitchFamily="49" charset="0"/>
-                <a:cs typeface="JetBrains Mono NL" panose="02000009000000000000" pitchFamily="49" charset="0"/>
-              </a:rPr>
-              <a:t>    </a:t>
-            </a:r>
-            <a:r>
-              <a:rPr lang="en-US" sz="2800" dirty="0">
-                <a:solidFill>
-                  <a:srgbClr val="D02670"/>
-                </a:solidFill>
-                <a:latin typeface="JetBrains Mono NL" panose="02000009000000000000" pitchFamily="49" charset="0"/>
-                <a:ea typeface="JetBrains Mono NL" panose="02000009000000000000" pitchFamily="49" charset="0"/>
-                <a:cs typeface="JetBrains Mono NL" panose="02000009000000000000" pitchFamily="49" charset="0"/>
-              </a:rPr>
-              <a:t>&lt;</a:t>
-            </a:r>
-            <a:r>
-              <a:rPr lang="en-US" sz="2800" dirty="0" err="1">
-                <a:solidFill>
-                  <a:srgbClr val="D02670"/>
-                </a:solidFill>
-                <a:latin typeface="JetBrains Mono NL" panose="02000009000000000000" pitchFamily="49" charset="0"/>
-                <a:ea typeface="JetBrains Mono NL" panose="02000009000000000000" pitchFamily="49" charset="0"/>
-                <a:cs typeface="JetBrains Mono NL" panose="02000009000000000000" pitchFamily="49" charset="0"/>
-              </a:rPr>
-              <a:t>artifactId</a:t>
-            </a:r>
-            <a:r>
-              <a:rPr lang="en-US" sz="2800" dirty="0">
-                <a:solidFill>
-                  <a:srgbClr val="D02670"/>
-                </a:solidFill>
-                <a:latin typeface="JetBrains Mono NL" panose="02000009000000000000" pitchFamily="49" charset="0"/>
-                <a:ea typeface="JetBrains Mono NL" panose="02000009000000000000" pitchFamily="49" charset="0"/>
-                <a:cs typeface="JetBrains Mono NL" panose="02000009000000000000" pitchFamily="49" charset="0"/>
-              </a:rPr>
-              <a:t>&gt;</a:t>
-            </a:r>
-            <a:r>
-              <a:rPr lang="en-US" sz="2800" dirty="0">
-                <a:latin typeface="JetBrains Mono NL" panose="02000009000000000000" pitchFamily="49" charset="0"/>
-                <a:ea typeface="JetBrains Mono NL" panose="02000009000000000000" pitchFamily="49" charset="0"/>
-                <a:cs typeface="JetBrains Mono NL" panose="02000009000000000000" pitchFamily="49" charset="0"/>
-              </a:rPr>
-              <a:t>spring-batch-core</a:t>
-            </a:r>
-            <a:r>
-              <a:rPr lang="en-US" sz="2800" dirty="0">
-                <a:solidFill>
-                  <a:srgbClr val="D02670"/>
-                </a:solidFill>
-                <a:latin typeface="JetBrains Mono NL" panose="02000009000000000000" pitchFamily="49" charset="0"/>
-                <a:ea typeface="JetBrains Mono NL" panose="02000009000000000000" pitchFamily="49" charset="0"/>
-                <a:cs typeface="JetBrains Mono NL" panose="02000009000000000000" pitchFamily="49" charset="0"/>
-              </a:rPr>
-              <a:t>&lt;/</a:t>
-            </a:r>
-            <a:r>
-              <a:rPr lang="en-US" sz="2800" dirty="0" err="1">
-                <a:solidFill>
-                  <a:srgbClr val="D02670"/>
-                </a:solidFill>
-                <a:latin typeface="JetBrains Mono NL" panose="02000009000000000000" pitchFamily="49" charset="0"/>
-                <a:ea typeface="JetBrains Mono NL" panose="02000009000000000000" pitchFamily="49" charset="0"/>
-                <a:cs typeface="JetBrains Mono NL" panose="02000009000000000000" pitchFamily="49" charset="0"/>
-              </a:rPr>
-              <a:t>artifactId</a:t>
-            </a:r>
-            <a:r>
-              <a:rPr lang="en-US" sz="2800" dirty="0">
-                <a:solidFill>
-                  <a:srgbClr val="D02670"/>
-                </a:solidFill>
-                <a:latin typeface="JetBrains Mono NL" panose="02000009000000000000" pitchFamily="49" charset="0"/>
-                <a:ea typeface="JetBrains Mono NL" panose="02000009000000000000" pitchFamily="49" charset="0"/>
-                <a:cs typeface="JetBrains Mono NL" panose="02000009000000000000" pitchFamily="49" charset="0"/>
-              </a:rPr>
-              <a:t>&gt;</a:t>
-            </a:r>
-          </a:p>
-          <a:p>
-            <a:r>
-              <a:rPr lang="en-US" sz="2800" dirty="0">
-                <a:latin typeface="JetBrains Mono NL" panose="02000009000000000000" pitchFamily="49" charset="0"/>
-                <a:ea typeface="JetBrains Mono NL" panose="02000009000000000000" pitchFamily="49" charset="0"/>
-                <a:cs typeface="JetBrains Mono NL" panose="02000009000000000000" pitchFamily="49" charset="0"/>
-              </a:rPr>
-              <a:t>    </a:t>
-            </a:r>
-            <a:r>
-              <a:rPr lang="en-US" sz="2800" dirty="0">
-                <a:solidFill>
-                  <a:srgbClr val="D02670"/>
-                </a:solidFill>
-                <a:latin typeface="JetBrains Mono NL" panose="02000009000000000000" pitchFamily="49" charset="0"/>
-                <a:ea typeface="JetBrains Mono NL" panose="02000009000000000000" pitchFamily="49" charset="0"/>
-                <a:cs typeface="JetBrains Mono NL" panose="02000009000000000000" pitchFamily="49" charset="0"/>
-              </a:rPr>
-              <a:t>&lt;version&gt;</a:t>
-            </a:r>
-            <a:r>
-              <a:rPr lang="en-US" sz="2800" dirty="0">
-                <a:latin typeface="JetBrains Mono NL" panose="02000009000000000000" pitchFamily="49" charset="0"/>
-                <a:ea typeface="JetBrains Mono NL" panose="02000009000000000000" pitchFamily="49" charset="0"/>
-                <a:cs typeface="JetBrains Mono NL" panose="02000009000000000000" pitchFamily="49" charset="0"/>
-              </a:rPr>
-              <a:t>5.1.2</a:t>
-            </a:r>
-            <a:r>
-              <a:rPr lang="en-US" sz="2800" dirty="0">
-                <a:solidFill>
-                  <a:srgbClr val="D02670"/>
-                </a:solidFill>
-                <a:latin typeface="JetBrains Mono NL" panose="02000009000000000000" pitchFamily="49" charset="0"/>
-                <a:ea typeface="JetBrains Mono NL" panose="02000009000000000000" pitchFamily="49" charset="0"/>
-                <a:cs typeface="JetBrains Mono NL" panose="02000009000000000000" pitchFamily="49" charset="0"/>
-              </a:rPr>
-              <a:t>&lt;/version&gt;</a:t>
-            </a:r>
-          </a:p>
-          <a:p>
-            <a:r>
-              <a:rPr lang="en-US" sz="2800" dirty="0">
-                <a:solidFill>
-                  <a:srgbClr val="D02670"/>
-                </a:solidFill>
-                <a:latin typeface="JetBrains Mono NL" panose="02000009000000000000" pitchFamily="49" charset="0"/>
-                <a:ea typeface="JetBrains Mono NL" panose="02000009000000000000" pitchFamily="49" charset="0"/>
-                <a:cs typeface="JetBrains Mono NL" panose="02000009000000000000" pitchFamily="49" charset="0"/>
-              </a:rPr>
-              <a:t>&lt;/dependency&gt;</a:t>
-            </a:r>
-          </a:p>
-        </p:txBody>
-      </p:sp>
-      <p:sp>
-        <p:nvSpPr>
-          <p:cNvPr id="2" name="TextBox 1">
-            <a:extLst>
-              <a:ext uri="{FF2B5EF4-FFF2-40B4-BE49-F238E27FC236}">
-                <a16:creationId xmlns:a16="http://schemas.microsoft.com/office/drawing/2014/main" id="{71570892-B2DD-A4C8-5943-3B4793DBB99B}"/>
+              <a:t>Basic Setup</a:t>
+            </a:r>
+          </a:p>
+        </p:txBody>
+      </p:sp>
+      <p:sp>
+        <p:nvSpPr>
+          <p:cNvPr id="3" name="Footer Placeholder 4">
+            <a:extLst>
+              <a:ext uri="{FF2B5EF4-FFF2-40B4-BE49-F238E27FC236}">
+                <a16:creationId xmlns:a16="http://schemas.microsoft.com/office/drawing/2014/main" id="{22A31621-091B-D2F0-B5AC-85DE6A38CA7C}"/>
+              </a:ext>
+            </a:extLst>
+          </p:cNvPr>
+          <p:cNvSpPr txBox="1">
+            <a:spLocks/>
+          </p:cNvSpPr>
+          <p:nvPr/>
+        </p:nvSpPr>
+        <p:spPr>
+          <a:xfrm>
+            <a:off x="20730172" y="12801599"/>
+            <a:ext cx="2950899" cy="690465"/>
+          </a:xfrm>
+          <a:prstGeom prst="rect">
+            <a:avLst/>
+          </a:prstGeom>
+        </p:spPr>
+        <p:txBody>
+          <a:bodyPr anchor="ctr"/>
+          <a:lstStyle>
+            <a:defPPr>
+              <a:defRPr lang="en-US"/>
+            </a:defPPr>
+            <a:lvl1pPr marL="0" algn="l" defTabSz="1829379" rtl="0" eaLnBrk="1" latinLnBrk="0" hangingPunct="1">
+              <a:defRPr sz="3600" kern="1200">
+                <a:solidFill>
+                  <a:schemeClr val="tx1"/>
+                </a:solidFill>
+                <a:latin typeface="+mn-lt"/>
+                <a:ea typeface="+mn-ea"/>
+                <a:cs typeface="+mn-cs"/>
+              </a:defRPr>
+            </a:lvl1pPr>
+            <a:lvl2pPr marL="914688" algn="l" defTabSz="1829379" rtl="0" eaLnBrk="1" latinLnBrk="0" hangingPunct="1">
+              <a:defRPr sz="3600" kern="1200">
+                <a:solidFill>
+                  <a:schemeClr val="tx1"/>
+                </a:solidFill>
+                <a:latin typeface="+mn-lt"/>
+                <a:ea typeface="+mn-ea"/>
+                <a:cs typeface="+mn-cs"/>
+              </a:defRPr>
+            </a:lvl2pPr>
+            <a:lvl3pPr marL="1829379" algn="l" defTabSz="1829379" rtl="0" eaLnBrk="1" latinLnBrk="0" hangingPunct="1">
+              <a:defRPr sz="3600" kern="1200">
+                <a:solidFill>
+                  <a:schemeClr val="tx1"/>
+                </a:solidFill>
+                <a:latin typeface="+mn-lt"/>
+                <a:ea typeface="+mn-ea"/>
+                <a:cs typeface="+mn-cs"/>
+              </a:defRPr>
+            </a:lvl3pPr>
+            <a:lvl4pPr marL="2744068" algn="l" defTabSz="1829379" rtl="0" eaLnBrk="1" latinLnBrk="0" hangingPunct="1">
+              <a:defRPr sz="3600" kern="1200">
+                <a:solidFill>
+                  <a:schemeClr val="tx1"/>
+                </a:solidFill>
+                <a:latin typeface="+mn-lt"/>
+                <a:ea typeface="+mn-ea"/>
+                <a:cs typeface="+mn-cs"/>
+              </a:defRPr>
+            </a:lvl4pPr>
+            <a:lvl5pPr marL="3658759" algn="l" defTabSz="1829379" rtl="0" eaLnBrk="1" latinLnBrk="0" hangingPunct="1">
+              <a:defRPr sz="3600" kern="1200">
+                <a:solidFill>
+                  <a:schemeClr val="tx1"/>
+                </a:solidFill>
+                <a:latin typeface="+mn-lt"/>
+                <a:ea typeface="+mn-ea"/>
+                <a:cs typeface="+mn-cs"/>
+              </a:defRPr>
+            </a:lvl5pPr>
+            <a:lvl6pPr marL="4573447" algn="l" defTabSz="1829379" rtl="0" eaLnBrk="1" latinLnBrk="0" hangingPunct="1">
+              <a:defRPr sz="3600" kern="1200">
+                <a:solidFill>
+                  <a:schemeClr val="tx1"/>
+                </a:solidFill>
+                <a:latin typeface="+mn-lt"/>
+                <a:ea typeface="+mn-ea"/>
+                <a:cs typeface="+mn-cs"/>
+              </a:defRPr>
+            </a:lvl6pPr>
+            <a:lvl7pPr marL="5488138" algn="l" defTabSz="1829379" rtl="0" eaLnBrk="1" latinLnBrk="0" hangingPunct="1">
+              <a:defRPr sz="3600" kern="1200">
+                <a:solidFill>
+                  <a:schemeClr val="tx1"/>
+                </a:solidFill>
+                <a:latin typeface="+mn-lt"/>
+                <a:ea typeface="+mn-ea"/>
+                <a:cs typeface="+mn-cs"/>
+              </a:defRPr>
+            </a:lvl7pPr>
+            <a:lvl8pPr marL="6402827" algn="l" defTabSz="1829379" rtl="0" eaLnBrk="1" latinLnBrk="0" hangingPunct="1">
+              <a:defRPr sz="3600" kern="1200">
+                <a:solidFill>
+                  <a:schemeClr val="tx1"/>
+                </a:solidFill>
+                <a:latin typeface="+mn-lt"/>
+                <a:ea typeface="+mn-ea"/>
+                <a:cs typeface="+mn-cs"/>
+              </a:defRPr>
+            </a:lvl8pPr>
+            <a:lvl9pPr marL="7317518" algn="l" defTabSz="1829379" rtl="0" eaLnBrk="1" latinLnBrk="0" hangingPunct="1">
+              <a:defRPr sz="3600" kern="1200">
+                <a:solidFill>
+                  <a:schemeClr val="tx1"/>
+                </a:solidFill>
+                <a:latin typeface="+mn-lt"/>
+                <a:ea typeface="+mn-ea"/>
+                <a:cs typeface="+mn-cs"/>
+              </a:defRPr>
+            </a:lvl9pPr>
+          </a:lstStyle>
+          <a:p>
+            <a:pPr algn="r"/>
+            <a:r>
+              <a:rPr lang="en-US" sz="1600" dirty="0"/>
+              <a:t>Introduction to Spring Batch</a:t>
+            </a:r>
+          </a:p>
+        </p:txBody>
+      </p:sp>
+      <p:sp>
+        <p:nvSpPr>
+          <p:cNvPr id="9" name="TextBox 8">
+            <a:extLst>
+              <a:ext uri="{FF2B5EF4-FFF2-40B4-BE49-F238E27FC236}">
+                <a16:creationId xmlns:a16="http://schemas.microsoft.com/office/drawing/2014/main" id="{99F56539-A69E-4ACF-960B-DBCC09B450DF}"/>
               </a:ext>
             </a:extLst>
           </p:cNvPr>
@@ -27761,8 +28341,8 @@
         </p:nvSpPr>
         <p:spPr>
           <a:xfrm>
-            <a:off x="576071" y="6858000"/>
-            <a:ext cx="8849720" cy="3108543"/>
+            <a:off x="576071" y="2493593"/>
+            <a:ext cx="21780075" cy="1815882"/>
           </a:xfrm>
           <a:prstGeom prst="rect">
             <a:avLst/>
@@ -27786,6 +28366,229 @@
             <a:r>
               <a:rPr lang="en-US" sz="2800" dirty="0">
                 <a:solidFill>
+                  <a:srgbClr val="D02670"/>
+                </a:solidFill>
+                <a:latin typeface="JetBrains Mono NL" panose="02000009000000000000" pitchFamily="49" charset="0"/>
+                <a:ea typeface="JetBrains Mono NL" panose="02000009000000000000" pitchFamily="49" charset="0"/>
+                <a:cs typeface="JetBrains Mono NL" panose="02000009000000000000" pitchFamily="49" charset="0"/>
+              </a:rPr>
+              <a:t>&lt;dependency&gt;</a:t>
+            </a:r>
+          </a:p>
+          <a:p>
+            <a:r>
+              <a:rPr lang="en-US" sz="2800" dirty="0">
+                <a:solidFill>
+                  <a:srgbClr val="D02670"/>
+                </a:solidFill>
+                <a:latin typeface="JetBrains Mono NL" panose="02000009000000000000" pitchFamily="49" charset="0"/>
+                <a:ea typeface="JetBrains Mono NL" panose="02000009000000000000" pitchFamily="49" charset="0"/>
+                <a:cs typeface="JetBrains Mono NL" panose="02000009000000000000" pitchFamily="49" charset="0"/>
+              </a:rPr>
+              <a:t>    &lt;</a:t>
+            </a:r>
+            <a:r>
+              <a:rPr lang="en-US" sz="2800" dirty="0" err="1">
+                <a:solidFill>
+                  <a:srgbClr val="D02670"/>
+                </a:solidFill>
+                <a:latin typeface="JetBrains Mono NL" panose="02000009000000000000" pitchFamily="49" charset="0"/>
+                <a:ea typeface="JetBrains Mono NL" panose="02000009000000000000" pitchFamily="49" charset="0"/>
+                <a:cs typeface="JetBrains Mono NL" panose="02000009000000000000" pitchFamily="49" charset="0"/>
+              </a:rPr>
+              <a:t>groupId</a:t>
+            </a:r>
+            <a:r>
+              <a:rPr lang="en-US" sz="2800" dirty="0">
+                <a:solidFill>
+                  <a:srgbClr val="D02670"/>
+                </a:solidFill>
+                <a:latin typeface="JetBrains Mono NL" panose="02000009000000000000" pitchFamily="49" charset="0"/>
+                <a:ea typeface="JetBrains Mono NL" panose="02000009000000000000" pitchFamily="49" charset="0"/>
+                <a:cs typeface="JetBrains Mono NL" panose="02000009000000000000" pitchFamily="49" charset="0"/>
+              </a:rPr>
+              <a:t>&gt;</a:t>
+            </a:r>
+            <a:r>
+              <a:rPr lang="en-US" sz="2800" dirty="0" err="1">
+                <a:latin typeface="JetBrains Mono NL" panose="02000009000000000000" pitchFamily="49" charset="0"/>
+                <a:ea typeface="JetBrains Mono NL" panose="02000009000000000000" pitchFamily="49" charset="0"/>
+                <a:cs typeface="JetBrains Mono NL" panose="02000009000000000000" pitchFamily="49" charset="0"/>
+              </a:rPr>
+              <a:t>org.springframework.boot</a:t>
+            </a:r>
+            <a:r>
+              <a:rPr lang="en-US" sz="2800" dirty="0">
+                <a:solidFill>
+                  <a:srgbClr val="D02670"/>
+                </a:solidFill>
+                <a:latin typeface="JetBrains Mono NL" panose="02000009000000000000" pitchFamily="49" charset="0"/>
+                <a:ea typeface="JetBrains Mono NL" panose="02000009000000000000" pitchFamily="49" charset="0"/>
+                <a:cs typeface="JetBrains Mono NL" panose="02000009000000000000" pitchFamily="49" charset="0"/>
+              </a:rPr>
+              <a:t>&lt;/</a:t>
+            </a:r>
+            <a:r>
+              <a:rPr lang="en-US" sz="2800" dirty="0" err="1">
+                <a:solidFill>
+                  <a:srgbClr val="D02670"/>
+                </a:solidFill>
+                <a:latin typeface="JetBrains Mono NL" panose="02000009000000000000" pitchFamily="49" charset="0"/>
+                <a:ea typeface="JetBrains Mono NL" panose="02000009000000000000" pitchFamily="49" charset="0"/>
+                <a:cs typeface="JetBrains Mono NL" panose="02000009000000000000" pitchFamily="49" charset="0"/>
+              </a:rPr>
+              <a:t>groupId</a:t>
+            </a:r>
+            <a:r>
+              <a:rPr lang="en-US" sz="2800" dirty="0">
+                <a:solidFill>
+                  <a:srgbClr val="D02670"/>
+                </a:solidFill>
+                <a:latin typeface="JetBrains Mono NL" panose="02000009000000000000" pitchFamily="49" charset="0"/>
+                <a:ea typeface="JetBrains Mono NL" panose="02000009000000000000" pitchFamily="49" charset="0"/>
+                <a:cs typeface="JetBrains Mono NL" panose="02000009000000000000" pitchFamily="49" charset="0"/>
+              </a:rPr>
+              <a:t>&gt;</a:t>
+            </a:r>
+          </a:p>
+          <a:p>
+            <a:r>
+              <a:rPr lang="en-US" sz="2800" dirty="0">
+                <a:latin typeface="JetBrains Mono NL" panose="02000009000000000000" pitchFamily="49" charset="0"/>
+                <a:ea typeface="JetBrains Mono NL" panose="02000009000000000000" pitchFamily="49" charset="0"/>
+                <a:cs typeface="JetBrains Mono NL" panose="02000009000000000000" pitchFamily="49" charset="0"/>
+              </a:rPr>
+              <a:t>    </a:t>
+            </a:r>
+            <a:r>
+              <a:rPr lang="en-US" sz="2800" dirty="0">
+                <a:solidFill>
+                  <a:srgbClr val="D02670"/>
+                </a:solidFill>
+                <a:latin typeface="JetBrains Mono NL" panose="02000009000000000000" pitchFamily="49" charset="0"/>
+                <a:ea typeface="JetBrains Mono NL" panose="02000009000000000000" pitchFamily="49" charset="0"/>
+                <a:cs typeface="JetBrains Mono NL" panose="02000009000000000000" pitchFamily="49" charset="0"/>
+              </a:rPr>
+              <a:t>&lt;</a:t>
+            </a:r>
+            <a:r>
+              <a:rPr lang="en-US" sz="2800" dirty="0" err="1">
+                <a:solidFill>
+                  <a:srgbClr val="D02670"/>
+                </a:solidFill>
+                <a:latin typeface="JetBrains Mono NL" panose="02000009000000000000" pitchFamily="49" charset="0"/>
+                <a:ea typeface="JetBrains Mono NL" panose="02000009000000000000" pitchFamily="49" charset="0"/>
+                <a:cs typeface="JetBrains Mono NL" panose="02000009000000000000" pitchFamily="49" charset="0"/>
+              </a:rPr>
+              <a:t>artifactId</a:t>
+            </a:r>
+            <a:r>
+              <a:rPr lang="en-US" sz="2800" dirty="0">
+                <a:solidFill>
+                  <a:srgbClr val="D02670"/>
+                </a:solidFill>
+                <a:latin typeface="JetBrains Mono NL" panose="02000009000000000000" pitchFamily="49" charset="0"/>
+                <a:ea typeface="JetBrains Mono NL" panose="02000009000000000000" pitchFamily="49" charset="0"/>
+                <a:cs typeface="JetBrains Mono NL" panose="02000009000000000000" pitchFamily="49" charset="0"/>
+              </a:rPr>
+              <a:t>&gt;</a:t>
+            </a:r>
+            <a:r>
+              <a:rPr lang="en-US" sz="2800" dirty="0">
+                <a:latin typeface="JetBrains Mono NL" panose="02000009000000000000" pitchFamily="49" charset="0"/>
+                <a:ea typeface="JetBrains Mono NL" panose="02000009000000000000" pitchFamily="49" charset="0"/>
+                <a:cs typeface="JetBrains Mono NL" panose="02000009000000000000" pitchFamily="49" charset="0"/>
+              </a:rPr>
+              <a:t>spring-boot-starter-batch</a:t>
+            </a:r>
+            <a:r>
+              <a:rPr lang="en-US" sz="2800" dirty="0">
+                <a:solidFill>
+                  <a:srgbClr val="D02670"/>
+                </a:solidFill>
+                <a:latin typeface="JetBrains Mono NL" panose="02000009000000000000" pitchFamily="49" charset="0"/>
+                <a:ea typeface="JetBrains Mono NL" panose="02000009000000000000" pitchFamily="49" charset="0"/>
+                <a:cs typeface="JetBrains Mono NL" panose="02000009000000000000" pitchFamily="49" charset="0"/>
+              </a:rPr>
+              <a:t>&lt;/</a:t>
+            </a:r>
+            <a:r>
+              <a:rPr lang="en-US" sz="2800" dirty="0" err="1">
+                <a:solidFill>
+                  <a:srgbClr val="D02670"/>
+                </a:solidFill>
+                <a:latin typeface="JetBrains Mono NL" panose="02000009000000000000" pitchFamily="49" charset="0"/>
+                <a:ea typeface="JetBrains Mono NL" panose="02000009000000000000" pitchFamily="49" charset="0"/>
+                <a:cs typeface="JetBrains Mono NL" panose="02000009000000000000" pitchFamily="49" charset="0"/>
+              </a:rPr>
+              <a:t>artifactId</a:t>
+            </a:r>
+            <a:r>
+              <a:rPr lang="en-US" sz="2800" dirty="0">
+                <a:solidFill>
+                  <a:srgbClr val="D02670"/>
+                </a:solidFill>
+                <a:latin typeface="JetBrains Mono NL" panose="02000009000000000000" pitchFamily="49" charset="0"/>
+                <a:ea typeface="JetBrains Mono NL" panose="02000009000000000000" pitchFamily="49" charset="0"/>
+                <a:cs typeface="JetBrains Mono NL" panose="02000009000000000000" pitchFamily="49" charset="0"/>
+              </a:rPr>
+              <a:t>&gt;</a:t>
+            </a:r>
+          </a:p>
+          <a:p>
+            <a:r>
+              <a:rPr lang="en-US" sz="2800" dirty="0">
+                <a:solidFill>
+                  <a:srgbClr val="D02670"/>
+                </a:solidFill>
+                <a:latin typeface="JetBrains Mono NL" panose="02000009000000000000" pitchFamily="49" charset="0"/>
+                <a:ea typeface="JetBrains Mono NL" panose="02000009000000000000" pitchFamily="49" charset="0"/>
+                <a:cs typeface="JetBrains Mono NL" panose="02000009000000000000" pitchFamily="49" charset="0"/>
+              </a:rPr>
+              <a:t>&lt;/dependency&gt;</a:t>
+            </a:r>
+          </a:p>
+        </p:txBody>
+      </p:sp>
+      <p:sp>
+        <p:nvSpPr>
+          <p:cNvPr id="2" name="TextBox 1">
+            <a:extLst>
+              <a:ext uri="{FF2B5EF4-FFF2-40B4-BE49-F238E27FC236}">
+                <a16:creationId xmlns:a16="http://schemas.microsoft.com/office/drawing/2014/main" id="{71570892-B2DD-A4C8-5943-3B4793DBB99B}"/>
+              </a:ext>
+            </a:extLst>
+          </p:cNvPr>
+          <p:cNvSpPr txBox="1"/>
+          <p:nvPr/>
+        </p:nvSpPr>
+        <p:spPr>
+          <a:xfrm>
+            <a:off x="576071" y="6858000"/>
+            <a:ext cx="8849720" cy="2677656"/>
+          </a:xfrm>
+          <a:prstGeom prst="rect">
+            <a:avLst/>
+          </a:prstGeom>
+          <a:noFill/>
+          <a:ln w="12700">
+            <a:miter lim="400000"/>
+          </a:ln>
+          <a:extLst>
+            <a:ext uri="{C572A759-6A51-4108-AA02-DFA0A04FC94B}">
+              <ma14:wrappingTextBoxFlag xmlns="" xmlns:m="http://schemas.openxmlformats.org/officeDocument/2006/math" xmlns:a14="http://schemas.microsoft.com/office/drawing/2010/main" xmlns:ma14="http://schemas.microsoft.com/office/mac/drawingml/2011/main" val="1"/>
+            </a:ext>
+          </a:extLst>
+        </p:spPr>
+        <p:txBody>
+          <a:bodyPr wrap="square">
+            <a:spAutoFit/>
+          </a:bodyPr>
+          <a:lstStyle/>
+          <a:p>
+            <a:r>
+              <a:rPr lang="en-US" sz="2800" dirty="0">
+                <a:solidFill>
                   <a:srgbClr val="A8A8A8"/>
                 </a:solidFill>
                 <a:latin typeface="JetBrains Mono NL" panose="02000009000000000000" pitchFamily="49" charset="0"/>
@@ -27793,19 +28596,6 @@
                 <a:cs typeface="JetBrains Mono NL" panose="02000009000000000000" pitchFamily="49" charset="0"/>
               </a:rPr>
               <a:t>@Configuration</a:t>
-            </a:r>
-          </a:p>
-          <a:p>
-            <a:r>
-              <a:rPr lang="en-US" sz="2800" dirty="0">
-                <a:solidFill>
-                  <a:srgbClr val="A8A8A8"/>
-                </a:solidFill>
-                <a:latin typeface="JetBrains Mono NL" panose="02000009000000000000" pitchFamily="49" charset="0"/>
-                <a:ea typeface="JetBrains Mono NL" panose="02000009000000000000" pitchFamily="49" charset="0"/>
-                <a:cs typeface="JetBrains Mono NL" panose="02000009000000000000" pitchFamily="49" charset="0"/>
-              </a:rPr>
-              <a:t>@EnableBatchProcessing</a:t>
             </a:r>
           </a:p>
           <a:p>
@@ -27993,7 +28783,7 @@
         </p:nvSpPr>
         <p:spPr bwMode="auto">
           <a:xfrm>
-            <a:off x="6551961" y="6824584"/>
+            <a:off x="6551961" y="6501857"/>
             <a:ext cx="2873829" cy="485192"/>
           </a:xfrm>
           <a:prstGeom prst="rect">
@@ -28079,8 +28869,8 @@
         </p:nvSpPr>
         <p:spPr>
           <a:xfrm>
-            <a:off x="11280693" y="6824584"/>
-            <a:ext cx="12671005" cy="1938992"/>
+            <a:off x="11280693" y="6358412"/>
+            <a:ext cx="12671005" cy="3170099"/>
           </a:xfrm>
           <a:prstGeom prst="rect">
             <a:avLst/>
@@ -28102,16 +28892,20 @@
           <a:lstStyle/>
           <a:p>
             <a:r>
-              <a:rPr lang="en-US" sz="4000" dirty="0" err="1">
+              <a:rPr lang="en-US" sz="4000" dirty="0"/>
+              <a:t>For raw Spring applications, the batch configuration class can also be annotated with </a:t>
+            </a:r>
+            <a:r>
+              <a:rPr lang="en-US" sz="4000" dirty="0">
                 <a:solidFill>
                   <a:srgbClr val="0F62FE"/>
                 </a:solidFill>
               </a:rPr>
-              <a:t>EnableBatchProcessing</a:t>
+              <a:t>@EnableBatchProcessing</a:t>
             </a:r>
             <a:r>
               <a:rPr lang="en-US" sz="4000" dirty="0"/>
-              <a:t> automatically configures the beans required for running jobs inside a Spring applications (e.g. the </a:t>
+              <a:t>, which automatically configures the beans required for running jobs inside a Spring application (e.g. the </a:t>
             </a:r>
             <a:r>
               <a:rPr lang="en-US" sz="4000" dirty="0" err="1">
@@ -28129,219 +28923,22 @@
           </a:p>
         </p:txBody>
       </p:sp>
-    </p:spTree>
-    <p:extLst>
-      <p:ext uri="{BB962C8B-B14F-4D97-AF65-F5344CB8AC3E}">
-        <p14:creationId xmlns:p14="http://schemas.microsoft.com/office/powerpoint/2010/main" val="3559502214"/>
-      </p:ext>
-    </p:extLst>
-  </p:cSld>
-  <p:clrMapOvr>
-    <a:masterClrMapping/>
-  </p:clrMapOvr>
-  <p:transition spd="med"/>
-</p:sld>
-</file>
-
-<file path=ppt/slides/slide11.xml><?xml version="1.0" encoding="utf-8"?>
-<p:sld xmlns:a="http://schemas.openxmlformats.org/drawingml/2006/main" xmlns:r="http://schemas.openxmlformats.org/officeDocument/2006/relationships" xmlns:p="http://schemas.openxmlformats.org/presentationml/2006/main">
-  <p:cSld>
-    <p:spTree>
-      <p:nvGrpSpPr>
-        <p:cNvPr id="1" name=""/>
-        <p:cNvGrpSpPr/>
-        <p:nvPr/>
-      </p:nvGrpSpPr>
-      <p:grpSpPr>
-        <a:xfrm>
-          <a:off x="0" y="0"/>
-          <a:ext cx="0" cy="0"/>
-          <a:chOff x="0" y="0"/>
-          <a:chExt cx="0" cy="0"/>
-        </a:xfrm>
-      </p:grpSpPr>
-      <p:sp>
-        <p:nvSpPr>
-          <p:cNvPr id="6" name="Title 1">
-            <a:extLst>
-              <a:ext uri="{FF2B5EF4-FFF2-40B4-BE49-F238E27FC236}">
-                <a16:creationId xmlns:a16="http://schemas.microsoft.com/office/drawing/2014/main" id="{275F670A-8CB6-DEC3-FC1D-8BD9A5903CE3}"/>
-              </a:ext>
-            </a:extLst>
-          </p:cNvPr>
-          <p:cNvSpPr>
-            <a:spLocks noGrp="1"/>
-          </p:cNvSpPr>
-          <p:nvPr>
-            <p:ph type="title"/>
-          </p:nvPr>
+      <p:sp>
+        <p:nvSpPr>
+          <p:cNvPr id="10" name="TextBox 9">
+            <a:extLst>
+              <a:ext uri="{FF2B5EF4-FFF2-40B4-BE49-F238E27FC236}">
+                <a16:creationId xmlns:a16="http://schemas.microsoft.com/office/drawing/2014/main" id="{C4BF5545-2C57-FB86-A47F-1A7D864647DE}"/>
+              </a:ext>
+            </a:extLst>
+          </p:cNvPr>
+          <p:cNvSpPr txBox="1"/>
+          <p:nvPr/>
         </p:nvSpPr>
         <p:spPr>
           <a:xfrm>
-            <a:off x="576072" y="384048"/>
-            <a:ext cx="17040124" cy="4573587"/>
-          </a:xfrm>
-        </p:spPr>
-        <p:txBody>
-          <a:bodyPr/>
-          <a:lstStyle/>
-          <a:p>
-            <a:r>
-              <a:rPr lang="en-US" sz="7200" dirty="0">
-                <a:solidFill>
-                  <a:srgbClr val="0F62FE"/>
-                </a:solidFill>
-              </a:rPr>
-              <a:t>Implementing a chunk-oriented job</a:t>
-            </a:r>
-          </a:p>
-        </p:txBody>
-      </p:sp>
-      <p:sp>
-        <p:nvSpPr>
-          <p:cNvPr id="3" name="Footer Placeholder 4">
-            <a:extLst>
-              <a:ext uri="{FF2B5EF4-FFF2-40B4-BE49-F238E27FC236}">
-                <a16:creationId xmlns:a16="http://schemas.microsoft.com/office/drawing/2014/main" id="{22A31621-091B-D2F0-B5AC-85DE6A38CA7C}"/>
-              </a:ext>
-            </a:extLst>
-          </p:cNvPr>
-          <p:cNvSpPr txBox="1">
-            <a:spLocks/>
-          </p:cNvSpPr>
-          <p:nvPr/>
-        </p:nvSpPr>
-        <p:spPr>
-          <a:xfrm>
-            <a:off x="20730172" y="12801599"/>
-            <a:ext cx="2950899" cy="690465"/>
-          </a:xfrm>
-          <a:prstGeom prst="rect">
-            <a:avLst/>
-          </a:prstGeom>
-        </p:spPr>
-        <p:txBody>
-          <a:bodyPr anchor="ctr"/>
-          <a:lstStyle>
-            <a:defPPr>
-              <a:defRPr lang="en-US"/>
-            </a:defPPr>
-            <a:lvl1pPr marL="0" algn="l" defTabSz="1829379" rtl="0" eaLnBrk="1" latinLnBrk="0" hangingPunct="1">
-              <a:defRPr sz="3600" kern="1200">
-                <a:solidFill>
-                  <a:schemeClr val="tx1"/>
-                </a:solidFill>
-                <a:latin typeface="+mn-lt"/>
-                <a:ea typeface="+mn-ea"/>
-                <a:cs typeface="+mn-cs"/>
-              </a:defRPr>
-            </a:lvl1pPr>
-            <a:lvl2pPr marL="914688" algn="l" defTabSz="1829379" rtl="0" eaLnBrk="1" latinLnBrk="0" hangingPunct="1">
-              <a:defRPr sz="3600" kern="1200">
-                <a:solidFill>
-                  <a:schemeClr val="tx1"/>
-                </a:solidFill>
-                <a:latin typeface="+mn-lt"/>
-                <a:ea typeface="+mn-ea"/>
-                <a:cs typeface="+mn-cs"/>
-              </a:defRPr>
-            </a:lvl2pPr>
-            <a:lvl3pPr marL="1829379" algn="l" defTabSz="1829379" rtl="0" eaLnBrk="1" latinLnBrk="0" hangingPunct="1">
-              <a:defRPr sz="3600" kern="1200">
-                <a:solidFill>
-                  <a:schemeClr val="tx1"/>
-                </a:solidFill>
-                <a:latin typeface="+mn-lt"/>
-                <a:ea typeface="+mn-ea"/>
-                <a:cs typeface="+mn-cs"/>
-              </a:defRPr>
-            </a:lvl3pPr>
-            <a:lvl4pPr marL="2744068" algn="l" defTabSz="1829379" rtl="0" eaLnBrk="1" latinLnBrk="0" hangingPunct="1">
-              <a:defRPr sz="3600" kern="1200">
-                <a:solidFill>
-                  <a:schemeClr val="tx1"/>
-                </a:solidFill>
-                <a:latin typeface="+mn-lt"/>
-                <a:ea typeface="+mn-ea"/>
-                <a:cs typeface="+mn-cs"/>
-              </a:defRPr>
-            </a:lvl4pPr>
-            <a:lvl5pPr marL="3658759" algn="l" defTabSz="1829379" rtl="0" eaLnBrk="1" latinLnBrk="0" hangingPunct="1">
-              <a:defRPr sz="3600" kern="1200">
-                <a:solidFill>
-                  <a:schemeClr val="tx1"/>
-                </a:solidFill>
-                <a:latin typeface="+mn-lt"/>
-                <a:ea typeface="+mn-ea"/>
-                <a:cs typeface="+mn-cs"/>
-              </a:defRPr>
-            </a:lvl5pPr>
-            <a:lvl6pPr marL="4573447" algn="l" defTabSz="1829379" rtl="0" eaLnBrk="1" latinLnBrk="0" hangingPunct="1">
-              <a:defRPr sz="3600" kern="1200">
-                <a:solidFill>
-                  <a:schemeClr val="tx1"/>
-                </a:solidFill>
-                <a:latin typeface="+mn-lt"/>
-                <a:ea typeface="+mn-ea"/>
-                <a:cs typeface="+mn-cs"/>
-              </a:defRPr>
-            </a:lvl6pPr>
-            <a:lvl7pPr marL="5488138" algn="l" defTabSz="1829379" rtl="0" eaLnBrk="1" latinLnBrk="0" hangingPunct="1">
-              <a:defRPr sz="3600" kern="1200">
-                <a:solidFill>
-                  <a:schemeClr val="tx1"/>
-                </a:solidFill>
-                <a:latin typeface="+mn-lt"/>
-                <a:ea typeface="+mn-ea"/>
-                <a:cs typeface="+mn-cs"/>
-              </a:defRPr>
-            </a:lvl7pPr>
-            <a:lvl8pPr marL="6402827" algn="l" defTabSz="1829379" rtl="0" eaLnBrk="1" latinLnBrk="0" hangingPunct="1">
-              <a:defRPr sz="3600" kern="1200">
-                <a:solidFill>
-                  <a:schemeClr val="tx1"/>
-                </a:solidFill>
-                <a:latin typeface="+mn-lt"/>
-                <a:ea typeface="+mn-ea"/>
-                <a:cs typeface="+mn-cs"/>
-              </a:defRPr>
-            </a:lvl8pPr>
-            <a:lvl9pPr marL="7317518" algn="l" defTabSz="1829379" rtl="0" eaLnBrk="1" latinLnBrk="0" hangingPunct="1">
-              <a:defRPr sz="3600" kern="1200">
-                <a:solidFill>
-                  <a:schemeClr val="tx1"/>
-                </a:solidFill>
-                <a:latin typeface="+mn-lt"/>
-                <a:ea typeface="+mn-ea"/>
-                <a:cs typeface="+mn-cs"/>
-              </a:defRPr>
-            </a:lvl9pPr>
-          </a:lstStyle>
-          <a:p>
-            <a:pPr algn="r"/>
-            <a:r>
-              <a:rPr lang="en-US" sz="1600" dirty="0"/>
-              <a:t>Introduction to Spring Batch</a:t>
-            </a:r>
-          </a:p>
-        </p:txBody>
-      </p:sp>
-      <p:sp>
-        <p:nvSpPr>
-          <p:cNvPr id="9" name="TextBox 8">
-            <a:extLst>
-              <a:ext uri="{FF2B5EF4-FFF2-40B4-BE49-F238E27FC236}">
-                <a16:creationId xmlns:a16="http://schemas.microsoft.com/office/drawing/2014/main" id="{99F56539-A69E-4ACF-960B-DBCC09B450DF}"/>
-              </a:ext>
-            </a:extLst>
-          </p:cNvPr>
-          <p:cNvSpPr txBox="1"/>
-          <p:nvPr/>
-        </p:nvSpPr>
-        <p:spPr>
-          <a:xfrm>
-            <a:off x="576071" y="2493593"/>
-            <a:ext cx="21780075" cy="7848302"/>
+            <a:off x="571641" y="4777869"/>
+            <a:ext cx="20158531" cy="461665"/>
           </a:xfrm>
           <a:prstGeom prst="rect">
             <a:avLst/>
@@ -28352,7 +28949,7 @@
           </a:ln>
           <a:extLst>
             <a:ext uri="{C572A759-6A51-4108-AA02-DFA0A04FC94B}">
-              <ma14:wrappingTextBoxFlag xmlns="" xmlns:m="http://schemas.openxmlformats.org/officeDocument/2006/math" xmlns:a14="http://schemas.microsoft.com/office/drawing/2010/main" xmlns:ma14="http://schemas.microsoft.com/office/mac/drawingml/2011/main" val="1"/>
+              <ma14:wrappingTextBoxFlag xmlns:ma14="http://schemas.microsoft.com/office/mac/drawingml/2011/main" xmlns:a14="http://schemas.microsoft.com/office/drawing/2010/main" xmlns:m="http://schemas.openxmlformats.org/officeDocument/2006/math" xmlns="" val="1"/>
             </a:ext>
           </a:extLst>
         </p:spPr>
@@ -28363,569 +28960,41 @@
           <a:lstStyle/>
           <a:p>
             <a:r>
-              <a:rPr lang="en-US" sz="2800" dirty="0">
-                <a:solidFill>
-                  <a:srgbClr val="A8A8A8"/>
-                </a:solidFill>
-                <a:latin typeface="JetBrains Mono NL" panose="02000009000000000000" pitchFamily="49" charset="0"/>
-                <a:ea typeface="JetBrains Mono NL" panose="02000009000000000000" pitchFamily="49" charset="0"/>
-                <a:cs typeface="JetBrains Mono NL" panose="02000009000000000000" pitchFamily="49" charset="0"/>
+              <a:rPr lang="en-US" sz="2400" dirty="0"/>
+              <a:t>You will also need to configure a </a:t>
+            </a:r>
+            <a:r>
+              <a:rPr lang="en-US" sz="2400" dirty="0" err="1">
+                <a:solidFill>
+                  <a:srgbClr val="0F62FE"/>
+                </a:solidFill>
               </a:rPr>
-              <a:t>@Bean</a:t>
-            </a:r>
-          </a:p>
-          <a:p>
-            <a:r>
-              <a:rPr lang="en-US" sz="2800" dirty="0">
-                <a:solidFill>
-                  <a:srgbClr val="D02670"/>
-                </a:solidFill>
-                <a:latin typeface="JetBrains Mono NL" panose="02000009000000000000" pitchFamily="49" charset="0"/>
-                <a:ea typeface="JetBrains Mono NL" panose="02000009000000000000" pitchFamily="49" charset="0"/>
-                <a:cs typeface="JetBrains Mono NL" panose="02000009000000000000" pitchFamily="49" charset="0"/>
-              </a:rPr>
-              <a:t>public</a:t>
-            </a:r>
-            <a:r>
-              <a:rPr lang="en-US" sz="2800" dirty="0">
-                <a:latin typeface="JetBrains Mono NL" panose="02000009000000000000" pitchFamily="49" charset="0"/>
-                <a:ea typeface="JetBrains Mono NL" panose="02000009000000000000" pitchFamily="49" charset="0"/>
-                <a:cs typeface="JetBrains Mono NL" panose="02000009000000000000" pitchFamily="49" charset="0"/>
-              </a:rPr>
-              <a:t> Job </a:t>
-            </a:r>
-            <a:r>
-              <a:rPr lang="en-US" sz="2800" dirty="0" err="1">
-                <a:solidFill>
-                  <a:srgbClr val="D02670"/>
-                </a:solidFill>
-                <a:latin typeface="JetBrains Mono NL" panose="02000009000000000000" pitchFamily="49" charset="0"/>
-                <a:ea typeface="JetBrains Mono NL" panose="02000009000000000000" pitchFamily="49" charset="0"/>
-                <a:cs typeface="JetBrains Mono NL" panose="02000009000000000000" pitchFamily="49" charset="0"/>
-              </a:rPr>
-              <a:t>customJob</a:t>
-            </a:r>
-            <a:r>
-              <a:rPr lang="en-US" sz="2800" dirty="0">
-                <a:latin typeface="JetBrains Mono NL" panose="02000009000000000000" pitchFamily="49" charset="0"/>
-                <a:ea typeface="JetBrains Mono NL" panose="02000009000000000000" pitchFamily="49" charset="0"/>
-                <a:cs typeface="JetBrains Mono NL" panose="02000009000000000000" pitchFamily="49" charset="0"/>
-              </a:rPr>
-              <a:t>(</a:t>
-            </a:r>
-            <a:r>
-              <a:rPr lang="en-US" sz="2800" dirty="0" err="1">
-                <a:latin typeface="JetBrains Mono NL" panose="02000009000000000000" pitchFamily="49" charset="0"/>
-                <a:ea typeface="JetBrains Mono NL" panose="02000009000000000000" pitchFamily="49" charset="0"/>
-                <a:cs typeface="JetBrains Mono NL" panose="02000009000000000000" pitchFamily="49" charset="0"/>
+              <a:t>DataSource</a:t>
+            </a:r>
+            <a:r>
+              <a:rPr lang="en-US" sz="2400" dirty="0"/>
+              <a:t> (for the </a:t>
+            </a:r>
+            <a:r>
+              <a:rPr lang="en-US" sz="2400" dirty="0" err="1">
+                <a:solidFill>
+                  <a:srgbClr val="0F62FE"/>
+                </a:solidFill>
               </a:rPr>
               <a:t>JobRepository</a:t>
             </a:r>
             <a:r>
-              <a:rPr lang="en-US" sz="2800" dirty="0">
-                <a:latin typeface="JetBrains Mono NL" panose="02000009000000000000" pitchFamily="49" charset="0"/>
-                <a:ea typeface="JetBrains Mono NL" panose="02000009000000000000" pitchFamily="49" charset="0"/>
-                <a:cs typeface="JetBrains Mono NL" panose="02000009000000000000" pitchFamily="49" charset="0"/>
-              </a:rPr>
-              <a:t> </a:t>
-            </a:r>
-            <a:r>
-              <a:rPr lang="en-US" sz="2800" dirty="0" err="1">
-                <a:latin typeface="JetBrains Mono NL" panose="02000009000000000000" pitchFamily="49" charset="0"/>
-                <a:ea typeface="JetBrains Mono NL" panose="02000009000000000000" pitchFamily="49" charset="0"/>
-                <a:cs typeface="JetBrains Mono NL" panose="02000009000000000000" pitchFamily="49" charset="0"/>
-              </a:rPr>
-              <a:t>jobRepository</a:t>
-            </a:r>
-            <a:r>
-              <a:rPr lang="en-US" sz="2800" dirty="0">
-                <a:latin typeface="JetBrains Mono NL" panose="02000009000000000000" pitchFamily="49" charset="0"/>
-                <a:ea typeface="JetBrains Mono NL" panose="02000009000000000000" pitchFamily="49" charset="0"/>
-                <a:cs typeface="JetBrains Mono NL" panose="02000009000000000000" pitchFamily="49" charset="0"/>
-              </a:rPr>
-              <a:t>, Step </a:t>
-            </a:r>
-            <a:r>
-              <a:rPr lang="en-US" sz="2800" dirty="0" err="1">
-                <a:latin typeface="JetBrains Mono NL" panose="02000009000000000000" pitchFamily="49" charset="0"/>
-                <a:ea typeface="JetBrains Mono NL" panose="02000009000000000000" pitchFamily="49" charset="0"/>
-                <a:cs typeface="JetBrains Mono NL" panose="02000009000000000000" pitchFamily="49" charset="0"/>
-              </a:rPr>
-              <a:t>customStep</a:t>
-            </a:r>
-            <a:r>
-              <a:rPr lang="en-US" sz="2800" dirty="0">
-                <a:latin typeface="JetBrains Mono NL" panose="02000009000000000000" pitchFamily="49" charset="0"/>
-                <a:ea typeface="JetBrains Mono NL" panose="02000009000000000000" pitchFamily="49" charset="0"/>
-                <a:cs typeface="JetBrains Mono NL" panose="02000009000000000000" pitchFamily="49" charset="0"/>
-              </a:rPr>
-              <a:t>, </a:t>
-            </a:r>
-            <a:r>
-              <a:rPr lang="en-US" sz="2800" dirty="0" err="1">
-                <a:latin typeface="JetBrains Mono NL" panose="02000009000000000000" pitchFamily="49" charset="0"/>
-                <a:ea typeface="JetBrains Mono NL" panose="02000009000000000000" pitchFamily="49" charset="0"/>
-                <a:cs typeface="JetBrains Mono NL" panose="02000009000000000000" pitchFamily="49" charset="0"/>
-              </a:rPr>
-              <a:t>JobCompletionNotificationListener</a:t>
-            </a:r>
-            <a:r>
-              <a:rPr lang="en-US" sz="2800" dirty="0">
-                <a:latin typeface="JetBrains Mono NL" panose="02000009000000000000" pitchFamily="49" charset="0"/>
-                <a:ea typeface="JetBrains Mono NL" panose="02000009000000000000" pitchFamily="49" charset="0"/>
-                <a:cs typeface="JetBrains Mono NL" panose="02000009000000000000" pitchFamily="49" charset="0"/>
-              </a:rPr>
-              <a:t> listener) {</a:t>
-            </a:r>
-          </a:p>
-          <a:p>
-            <a:r>
-              <a:rPr lang="en-US" sz="2800" dirty="0">
-                <a:latin typeface="JetBrains Mono NL" panose="02000009000000000000" pitchFamily="49" charset="0"/>
-                <a:ea typeface="JetBrains Mono NL" panose="02000009000000000000" pitchFamily="49" charset="0"/>
-                <a:cs typeface="JetBrains Mono NL" panose="02000009000000000000" pitchFamily="49" charset="0"/>
-              </a:rPr>
-              <a:t>  </a:t>
-            </a:r>
-            <a:r>
-              <a:rPr lang="en-US" sz="2800" dirty="0">
-                <a:solidFill>
-                  <a:srgbClr val="D02670"/>
-                </a:solidFill>
-                <a:latin typeface="JetBrains Mono NL" panose="02000009000000000000" pitchFamily="49" charset="0"/>
-                <a:ea typeface="JetBrains Mono NL" panose="02000009000000000000" pitchFamily="49" charset="0"/>
-                <a:cs typeface="JetBrains Mono NL" panose="02000009000000000000" pitchFamily="49" charset="0"/>
-              </a:rPr>
-              <a:t>return new </a:t>
-            </a:r>
-            <a:r>
-              <a:rPr lang="en-US" sz="2800" dirty="0" err="1">
-                <a:latin typeface="JetBrains Mono NL" panose="02000009000000000000" pitchFamily="49" charset="0"/>
-                <a:ea typeface="JetBrains Mono NL" panose="02000009000000000000" pitchFamily="49" charset="0"/>
-                <a:cs typeface="JetBrains Mono NL" panose="02000009000000000000" pitchFamily="49" charset="0"/>
-              </a:rPr>
-              <a:t>JobBuilder</a:t>
-            </a:r>
-            <a:r>
-              <a:rPr lang="en-US" sz="2800" dirty="0">
-                <a:latin typeface="JetBrains Mono NL" panose="02000009000000000000" pitchFamily="49" charset="0"/>
-                <a:ea typeface="JetBrains Mono NL" panose="02000009000000000000" pitchFamily="49" charset="0"/>
-                <a:cs typeface="JetBrains Mono NL" panose="02000009000000000000" pitchFamily="49" charset="0"/>
-              </a:rPr>
-              <a:t>(“</a:t>
-            </a:r>
-            <a:r>
-              <a:rPr lang="en-US" sz="2800" dirty="0" err="1">
-                <a:latin typeface="JetBrains Mono NL" panose="02000009000000000000" pitchFamily="49" charset="0"/>
-                <a:ea typeface="JetBrains Mono NL" panose="02000009000000000000" pitchFamily="49" charset="0"/>
-                <a:cs typeface="JetBrains Mono NL" panose="02000009000000000000" pitchFamily="49" charset="0"/>
-              </a:rPr>
-              <a:t>customJob</a:t>
-            </a:r>
-            <a:r>
-              <a:rPr lang="en-US" sz="2800" dirty="0">
-                <a:latin typeface="JetBrains Mono NL" panose="02000009000000000000" pitchFamily="49" charset="0"/>
-                <a:ea typeface="JetBrains Mono NL" panose="02000009000000000000" pitchFamily="49" charset="0"/>
-                <a:cs typeface="JetBrains Mono NL" panose="02000009000000000000" pitchFamily="49" charset="0"/>
-              </a:rPr>
-              <a:t>", </a:t>
-            </a:r>
-            <a:r>
-              <a:rPr lang="en-US" sz="2800" dirty="0" err="1">
-                <a:latin typeface="JetBrains Mono NL" panose="02000009000000000000" pitchFamily="49" charset="0"/>
-                <a:ea typeface="JetBrains Mono NL" panose="02000009000000000000" pitchFamily="49" charset="0"/>
-                <a:cs typeface="JetBrains Mono NL" panose="02000009000000000000" pitchFamily="49" charset="0"/>
-              </a:rPr>
-              <a:t>jobRepository</a:t>
-            </a:r>
-            <a:r>
-              <a:rPr lang="en-US" sz="2800" dirty="0">
-                <a:latin typeface="JetBrains Mono NL" panose="02000009000000000000" pitchFamily="49" charset="0"/>
-                <a:ea typeface="JetBrains Mono NL" panose="02000009000000000000" pitchFamily="49" charset="0"/>
-                <a:cs typeface="JetBrains Mono NL" panose="02000009000000000000" pitchFamily="49" charset="0"/>
-              </a:rPr>
-              <a:t>)</a:t>
-            </a:r>
-          </a:p>
-          <a:p>
-            <a:r>
-              <a:rPr lang="en-US" sz="2800" dirty="0">
-                <a:latin typeface="JetBrains Mono NL" panose="02000009000000000000" pitchFamily="49" charset="0"/>
-                <a:ea typeface="JetBrains Mono NL" panose="02000009000000000000" pitchFamily="49" charset="0"/>
-                <a:cs typeface="JetBrains Mono NL" panose="02000009000000000000" pitchFamily="49" charset="0"/>
-              </a:rPr>
-              <a:t>    .listener(listener)</a:t>
-            </a:r>
-          </a:p>
-          <a:p>
-            <a:r>
-              <a:rPr lang="en-US" sz="2800" dirty="0">
-                <a:latin typeface="JetBrains Mono NL" panose="02000009000000000000" pitchFamily="49" charset="0"/>
-                <a:ea typeface="JetBrains Mono NL" panose="02000009000000000000" pitchFamily="49" charset="0"/>
-                <a:cs typeface="JetBrains Mono NL" panose="02000009000000000000" pitchFamily="49" charset="0"/>
-              </a:rPr>
-              <a:t>    .start(</a:t>
-            </a:r>
-            <a:r>
-              <a:rPr lang="en-US" sz="2800" dirty="0" err="1">
-                <a:latin typeface="JetBrains Mono NL" panose="02000009000000000000" pitchFamily="49" charset="0"/>
-                <a:ea typeface="JetBrains Mono NL" panose="02000009000000000000" pitchFamily="49" charset="0"/>
-                <a:cs typeface="JetBrains Mono NL" panose="02000009000000000000" pitchFamily="49" charset="0"/>
-              </a:rPr>
-              <a:t>customStep</a:t>
-            </a:r>
-            <a:r>
-              <a:rPr lang="en-US" sz="2800" dirty="0">
-                <a:latin typeface="JetBrains Mono NL" panose="02000009000000000000" pitchFamily="49" charset="0"/>
-                <a:ea typeface="JetBrains Mono NL" panose="02000009000000000000" pitchFamily="49" charset="0"/>
-                <a:cs typeface="JetBrains Mono NL" panose="02000009000000000000" pitchFamily="49" charset="0"/>
-              </a:rPr>
-              <a:t>)</a:t>
-            </a:r>
-          </a:p>
-          <a:p>
-            <a:r>
-              <a:rPr lang="en-US" sz="2800" dirty="0">
-                <a:latin typeface="JetBrains Mono NL" panose="02000009000000000000" pitchFamily="49" charset="0"/>
-                <a:ea typeface="JetBrains Mono NL" panose="02000009000000000000" pitchFamily="49" charset="0"/>
-                <a:cs typeface="JetBrains Mono NL" panose="02000009000000000000" pitchFamily="49" charset="0"/>
-              </a:rPr>
-              <a:t>    .build();</a:t>
-            </a:r>
-          </a:p>
-          <a:p>
-            <a:r>
-              <a:rPr lang="en-US" sz="2800" dirty="0">
-                <a:latin typeface="JetBrains Mono NL" panose="02000009000000000000" pitchFamily="49" charset="0"/>
-                <a:ea typeface="JetBrains Mono NL" panose="02000009000000000000" pitchFamily="49" charset="0"/>
-                <a:cs typeface="JetBrains Mono NL" panose="02000009000000000000" pitchFamily="49" charset="0"/>
-              </a:rPr>
-              <a:t>}</a:t>
-            </a:r>
-          </a:p>
-          <a:p>
-            <a:endParaRPr lang="en-US" sz="2800" dirty="0">
-              <a:latin typeface="JetBrains Mono NL" panose="02000009000000000000" pitchFamily="49" charset="0"/>
-              <a:ea typeface="JetBrains Mono NL" panose="02000009000000000000" pitchFamily="49" charset="0"/>
-              <a:cs typeface="JetBrains Mono NL" panose="02000009000000000000" pitchFamily="49" charset="0"/>
-            </a:endParaRPr>
-          </a:p>
-          <a:p>
-            <a:r>
-              <a:rPr lang="en-US" sz="2800" dirty="0">
-                <a:solidFill>
-                  <a:srgbClr val="A8A8A8"/>
-                </a:solidFill>
-                <a:latin typeface="JetBrains Mono NL" panose="02000009000000000000" pitchFamily="49" charset="0"/>
-                <a:ea typeface="JetBrains Mono NL" panose="02000009000000000000" pitchFamily="49" charset="0"/>
-                <a:cs typeface="JetBrains Mono NL" panose="02000009000000000000" pitchFamily="49" charset="0"/>
-              </a:rPr>
-              <a:t>@Bean</a:t>
-            </a:r>
-          </a:p>
-          <a:p>
-            <a:r>
-              <a:rPr lang="en-US" sz="2800" dirty="0">
-                <a:solidFill>
-                  <a:srgbClr val="D02670"/>
-                </a:solidFill>
-                <a:latin typeface="JetBrains Mono NL" panose="02000009000000000000" pitchFamily="49" charset="0"/>
-                <a:ea typeface="JetBrains Mono NL" panose="02000009000000000000" pitchFamily="49" charset="0"/>
-                <a:cs typeface="JetBrains Mono NL" panose="02000009000000000000" pitchFamily="49" charset="0"/>
-              </a:rPr>
-              <a:t>public</a:t>
-            </a:r>
-            <a:r>
-              <a:rPr lang="en-US" sz="2800" dirty="0">
-                <a:latin typeface="JetBrains Mono NL" panose="02000009000000000000" pitchFamily="49" charset="0"/>
-                <a:ea typeface="JetBrains Mono NL" panose="02000009000000000000" pitchFamily="49" charset="0"/>
-                <a:cs typeface="JetBrains Mono NL" panose="02000009000000000000" pitchFamily="49" charset="0"/>
-              </a:rPr>
-              <a:t> Step </a:t>
-            </a:r>
-            <a:r>
-              <a:rPr lang="en-US" sz="2800" dirty="0" err="1">
-                <a:solidFill>
-                  <a:srgbClr val="D02670"/>
-                </a:solidFill>
-                <a:latin typeface="JetBrains Mono NL" panose="02000009000000000000" pitchFamily="49" charset="0"/>
-                <a:ea typeface="JetBrains Mono NL" panose="02000009000000000000" pitchFamily="49" charset="0"/>
-                <a:cs typeface="JetBrains Mono NL" panose="02000009000000000000" pitchFamily="49" charset="0"/>
-              </a:rPr>
-              <a:t>customStep</a:t>
-            </a:r>
-            <a:r>
-              <a:rPr lang="en-US" sz="2800" dirty="0">
-                <a:latin typeface="JetBrains Mono NL" panose="02000009000000000000" pitchFamily="49" charset="0"/>
-                <a:ea typeface="JetBrains Mono NL" panose="02000009000000000000" pitchFamily="49" charset="0"/>
-                <a:cs typeface="JetBrains Mono NL" panose="02000009000000000000" pitchFamily="49" charset="0"/>
-              </a:rPr>
-              <a:t>(</a:t>
-            </a:r>
-            <a:r>
-              <a:rPr lang="en-US" sz="2800" dirty="0" err="1">
-                <a:latin typeface="JetBrains Mono NL" panose="02000009000000000000" pitchFamily="49" charset="0"/>
-                <a:ea typeface="JetBrains Mono NL" panose="02000009000000000000" pitchFamily="49" charset="0"/>
-                <a:cs typeface="JetBrains Mono NL" panose="02000009000000000000" pitchFamily="49" charset="0"/>
-              </a:rPr>
-              <a:t>JobRepository</a:t>
-            </a:r>
-            <a:r>
-              <a:rPr lang="en-US" sz="2800" dirty="0">
-                <a:latin typeface="JetBrains Mono NL" panose="02000009000000000000" pitchFamily="49" charset="0"/>
-                <a:ea typeface="JetBrains Mono NL" panose="02000009000000000000" pitchFamily="49" charset="0"/>
-                <a:cs typeface="JetBrains Mono NL" panose="02000009000000000000" pitchFamily="49" charset="0"/>
-              </a:rPr>
-              <a:t> </a:t>
-            </a:r>
-            <a:r>
-              <a:rPr lang="en-US" sz="2800" dirty="0" err="1">
-                <a:latin typeface="JetBrains Mono NL" panose="02000009000000000000" pitchFamily="49" charset="0"/>
-                <a:ea typeface="JetBrains Mono NL" panose="02000009000000000000" pitchFamily="49" charset="0"/>
-                <a:cs typeface="JetBrains Mono NL" panose="02000009000000000000" pitchFamily="49" charset="0"/>
-              </a:rPr>
-              <a:t>jobRepository</a:t>
-            </a:r>
-            <a:r>
-              <a:rPr lang="en-US" sz="2800" dirty="0">
-                <a:latin typeface="JetBrains Mono NL" panose="02000009000000000000" pitchFamily="49" charset="0"/>
-                <a:ea typeface="JetBrains Mono NL" panose="02000009000000000000" pitchFamily="49" charset="0"/>
-                <a:cs typeface="JetBrains Mono NL" panose="02000009000000000000" pitchFamily="49" charset="0"/>
-              </a:rPr>
-              <a:t>, </a:t>
-            </a:r>
-            <a:r>
-              <a:rPr lang="en-US" sz="2800" dirty="0" err="1">
-                <a:latin typeface="JetBrains Mono NL" panose="02000009000000000000" pitchFamily="49" charset="0"/>
-                <a:ea typeface="JetBrains Mono NL" panose="02000009000000000000" pitchFamily="49" charset="0"/>
-                <a:cs typeface="JetBrains Mono NL" panose="02000009000000000000" pitchFamily="49" charset="0"/>
-              </a:rPr>
-              <a:t>PlatformTransactionManager</a:t>
-            </a:r>
-            <a:r>
-              <a:rPr lang="en-US" sz="2800" dirty="0">
-                <a:latin typeface="JetBrains Mono NL" panose="02000009000000000000" pitchFamily="49" charset="0"/>
-                <a:ea typeface="JetBrains Mono NL" panose="02000009000000000000" pitchFamily="49" charset="0"/>
-                <a:cs typeface="JetBrains Mono NL" panose="02000009000000000000" pitchFamily="49" charset="0"/>
-              </a:rPr>
-              <a:t> </a:t>
-            </a:r>
-            <a:r>
-              <a:rPr lang="en-US" sz="2800" dirty="0" err="1">
-                <a:latin typeface="JetBrains Mono NL" panose="02000009000000000000" pitchFamily="49" charset="0"/>
-                <a:ea typeface="JetBrains Mono NL" panose="02000009000000000000" pitchFamily="49" charset="0"/>
-                <a:cs typeface="JetBrains Mono NL" panose="02000009000000000000" pitchFamily="49" charset="0"/>
-              </a:rPr>
-              <a:t>transactionManager</a:t>
-            </a:r>
-            <a:r>
-              <a:rPr lang="en-US" sz="2800" dirty="0">
-                <a:latin typeface="JetBrains Mono NL" panose="02000009000000000000" pitchFamily="49" charset="0"/>
-                <a:ea typeface="JetBrains Mono NL" panose="02000009000000000000" pitchFamily="49" charset="0"/>
-                <a:cs typeface="JetBrains Mono NL" panose="02000009000000000000" pitchFamily="49" charset="0"/>
-              </a:rPr>
-              <a:t>) {</a:t>
-            </a:r>
-          </a:p>
-          <a:p>
-            <a:r>
-              <a:rPr lang="en-US" sz="2800" dirty="0">
-                <a:latin typeface="JetBrains Mono NL" panose="02000009000000000000" pitchFamily="49" charset="0"/>
-                <a:ea typeface="JetBrains Mono NL" panose="02000009000000000000" pitchFamily="49" charset="0"/>
-                <a:cs typeface="JetBrains Mono NL" panose="02000009000000000000" pitchFamily="49" charset="0"/>
-              </a:rPr>
-              <a:t>  </a:t>
-            </a:r>
-            <a:r>
-              <a:rPr lang="en-US" sz="2800" dirty="0">
-                <a:solidFill>
-                  <a:srgbClr val="D02670"/>
-                </a:solidFill>
-                <a:latin typeface="JetBrains Mono NL" panose="02000009000000000000" pitchFamily="49" charset="0"/>
-                <a:ea typeface="JetBrains Mono NL" panose="02000009000000000000" pitchFamily="49" charset="0"/>
-                <a:cs typeface="JetBrains Mono NL" panose="02000009000000000000" pitchFamily="49" charset="0"/>
-              </a:rPr>
-              <a:t>return new </a:t>
-            </a:r>
-            <a:r>
-              <a:rPr lang="en-US" sz="2800" dirty="0" err="1">
-                <a:latin typeface="JetBrains Mono NL" panose="02000009000000000000" pitchFamily="49" charset="0"/>
-                <a:ea typeface="JetBrains Mono NL" panose="02000009000000000000" pitchFamily="49" charset="0"/>
-                <a:cs typeface="JetBrains Mono NL" panose="02000009000000000000" pitchFamily="49" charset="0"/>
-              </a:rPr>
-              <a:t>StepBuilder</a:t>
-            </a:r>
-            <a:r>
-              <a:rPr lang="en-US" sz="2800" dirty="0">
-                <a:latin typeface="JetBrains Mono NL" panose="02000009000000000000" pitchFamily="49" charset="0"/>
-                <a:ea typeface="JetBrains Mono NL" panose="02000009000000000000" pitchFamily="49" charset="0"/>
-                <a:cs typeface="JetBrains Mono NL" panose="02000009000000000000" pitchFamily="49" charset="0"/>
-              </a:rPr>
-              <a:t>(“</a:t>
-            </a:r>
-            <a:r>
-              <a:rPr lang="en-US" sz="2800" dirty="0" err="1">
-                <a:latin typeface="JetBrains Mono NL" panose="02000009000000000000" pitchFamily="49" charset="0"/>
-                <a:ea typeface="JetBrains Mono NL" panose="02000009000000000000" pitchFamily="49" charset="0"/>
-                <a:cs typeface="JetBrains Mono NL" panose="02000009000000000000" pitchFamily="49" charset="0"/>
-              </a:rPr>
-              <a:t>customStep</a:t>
-            </a:r>
-            <a:r>
-              <a:rPr lang="en-US" sz="2800" dirty="0">
-                <a:latin typeface="JetBrains Mono NL" panose="02000009000000000000" pitchFamily="49" charset="0"/>
-                <a:ea typeface="JetBrains Mono NL" panose="02000009000000000000" pitchFamily="49" charset="0"/>
-                <a:cs typeface="JetBrains Mono NL" panose="02000009000000000000" pitchFamily="49" charset="0"/>
-              </a:rPr>
-              <a:t>", </a:t>
-            </a:r>
-            <a:r>
-              <a:rPr lang="en-US" sz="2800" dirty="0" err="1">
-                <a:latin typeface="JetBrains Mono NL" panose="02000009000000000000" pitchFamily="49" charset="0"/>
-                <a:ea typeface="JetBrains Mono NL" panose="02000009000000000000" pitchFamily="49" charset="0"/>
-                <a:cs typeface="JetBrains Mono NL" panose="02000009000000000000" pitchFamily="49" charset="0"/>
-              </a:rPr>
-              <a:t>jobRepository</a:t>
-            </a:r>
-            <a:r>
-              <a:rPr lang="en-US" sz="2800" dirty="0">
-                <a:latin typeface="JetBrains Mono NL" panose="02000009000000000000" pitchFamily="49" charset="0"/>
-                <a:ea typeface="JetBrains Mono NL" panose="02000009000000000000" pitchFamily="49" charset="0"/>
-                <a:cs typeface="JetBrains Mono NL" panose="02000009000000000000" pitchFamily="49" charset="0"/>
-              </a:rPr>
-              <a:t>)</a:t>
-            </a:r>
-          </a:p>
-          <a:p>
-            <a:r>
-              <a:rPr lang="en-US" sz="2800" dirty="0">
-                <a:latin typeface="JetBrains Mono NL" panose="02000009000000000000" pitchFamily="49" charset="0"/>
-                <a:ea typeface="JetBrains Mono NL" panose="02000009000000000000" pitchFamily="49" charset="0"/>
-                <a:cs typeface="JetBrains Mono NL" panose="02000009000000000000" pitchFamily="49" charset="0"/>
-              </a:rPr>
-              <a:t>    .&lt;Person, Person&gt; chunk(3, </a:t>
-            </a:r>
-            <a:r>
-              <a:rPr lang="en-US" sz="2800" dirty="0" err="1">
-                <a:latin typeface="JetBrains Mono NL" panose="02000009000000000000" pitchFamily="49" charset="0"/>
-                <a:ea typeface="JetBrains Mono NL" panose="02000009000000000000" pitchFamily="49" charset="0"/>
-                <a:cs typeface="JetBrains Mono NL" panose="02000009000000000000" pitchFamily="49" charset="0"/>
-              </a:rPr>
-              <a:t>transactionManager</a:t>
-            </a:r>
-            <a:r>
-              <a:rPr lang="en-US" sz="2800" dirty="0">
-                <a:latin typeface="JetBrains Mono NL" panose="02000009000000000000" pitchFamily="49" charset="0"/>
-                <a:ea typeface="JetBrains Mono NL" panose="02000009000000000000" pitchFamily="49" charset="0"/>
-                <a:cs typeface="JetBrains Mono NL" panose="02000009000000000000" pitchFamily="49" charset="0"/>
-              </a:rPr>
-              <a:t>)</a:t>
-            </a:r>
-          </a:p>
-          <a:p>
-            <a:r>
-              <a:rPr lang="en-US" sz="2800" dirty="0">
-                <a:latin typeface="JetBrains Mono NL" panose="02000009000000000000" pitchFamily="49" charset="0"/>
-                <a:ea typeface="JetBrains Mono NL" panose="02000009000000000000" pitchFamily="49" charset="0"/>
-                <a:cs typeface="JetBrains Mono NL" panose="02000009000000000000" pitchFamily="49" charset="0"/>
-              </a:rPr>
-              <a:t>    .reader(</a:t>
-            </a:r>
-            <a:r>
-              <a:rPr lang="en-US" sz="2800" dirty="0" err="1">
-                <a:latin typeface="JetBrains Mono NL" panose="02000009000000000000" pitchFamily="49" charset="0"/>
-                <a:ea typeface="JetBrains Mono NL" panose="02000009000000000000" pitchFamily="49" charset="0"/>
-                <a:cs typeface="JetBrains Mono NL" panose="02000009000000000000" pitchFamily="49" charset="0"/>
-              </a:rPr>
-              <a:t>itemReader</a:t>
-            </a:r>
-            <a:r>
-              <a:rPr lang="en-US" sz="2800" dirty="0">
-                <a:latin typeface="JetBrains Mono NL" panose="02000009000000000000" pitchFamily="49" charset="0"/>
-                <a:ea typeface="JetBrains Mono NL" panose="02000009000000000000" pitchFamily="49" charset="0"/>
-                <a:cs typeface="JetBrains Mono NL" panose="02000009000000000000" pitchFamily="49" charset="0"/>
-              </a:rPr>
-              <a:t>())</a:t>
-            </a:r>
-          </a:p>
-          <a:p>
-            <a:r>
-              <a:rPr lang="en-US" sz="2800" dirty="0">
-                <a:latin typeface="JetBrains Mono NL" panose="02000009000000000000" pitchFamily="49" charset="0"/>
-                <a:ea typeface="JetBrains Mono NL" panose="02000009000000000000" pitchFamily="49" charset="0"/>
-                <a:cs typeface="JetBrains Mono NL" panose="02000009000000000000" pitchFamily="49" charset="0"/>
-              </a:rPr>
-              <a:t>    .processor(</a:t>
-            </a:r>
-            <a:r>
-              <a:rPr lang="en-US" sz="2800" dirty="0" err="1">
-                <a:latin typeface="JetBrains Mono NL" panose="02000009000000000000" pitchFamily="49" charset="0"/>
-                <a:ea typeface="JetBrains Mono NL" panose="02000009000000000000" pitchFamily="49" charset="0"/>
-                <a:cs typeface="JetBrains Mono NL" panose="02000009000000000000" pitchFamily="49" charset="0"/>
-              </a:rPr>
-              <a:t>itemProcessor</a:t>
-            </a:r>
-            <a:r>
-              <a:rPr lang="en-US" sz="2800" dirty="0">
-                <a:latin typeface="JetBrains Mono NL" panose="02000009000000000000" pitchFamily="49" charset="0"/>
-                <a:ea typeface="JetBrains Mono NL" panose="02000009000000000000" pitchFamily="49" charset="0"/>
-                <a:cs typeface="JetBrains Mono NL" panose="02000009000000000000" pitchFamily="49" charset="0"/>
-              </a:rPr>
-              <a:t>())</a:t>
-            </a:r>
-          </a:p>
-          <a:p>
-            <a:r>
-              <a:rPr lang="en-US" sz="2800" dirty="0">
-                <a:latin typeface="JetBrains Mono NL" panose="02000009000000000000" pitchFamily="49" charset="0"/>
-                <a:ea typeface="JetBrains Mono NL" panose="02000009000000000000" pitchFamily="49" charset="0"/>
-                <a:cs typeface="JetBrains Mono NL" panose="02000009000000000000" pitchFamily="49" charset="0"/>
-              </a:rPr>
-              <a:t>    .writer(</a:t>
-            </a:r>
-            <a:r>
-              <a:rPr lang="en-US" sz="2800" dirty="0" err="1">
-                <a:latin typeface="JetBrains Mono NL" panose="02000009000000000000" pitchFamily="49" charset="0"/>
-                <a:ea typeface="JetBrains Mono NL" panose="02000009000000000000" pitchFamily="49" charset="0"/>
-                <a:cs typeface="JetBrains Mono NL" panose="02000009000000000000" pitchFamily="49" charset="0"/>
-              </a:rPr>
-              <a:t>itemWriter</a:t>
-            </a:r>
-            <a:r>
-              <a:rPr lang="en-US" sz="2800" dirty="0">
-                <a:latin typeface="JetBrains Mono NL" panose="02000009000000000000" pitchFamily="49" charset="0"/>
-                <a:ea typeface="JetBrains Mono NL" panose="02000009000000000000" pitchFamily="49" charset="0"/>
-                <a:cs typeface="JetBrains Mono NL" panose="02000009000000000000" pitchFamily="49" charset="0"/>
-              </a:rPr>
-              <a:t>())</a:t>
-            </a:r>
-          </a:p>
-          <a:p>
-            <a:r>
-              <a:rPr lang="en-US" sz="2800" dirty="0">
-                <a:latin typeface="JetBrains Mono NL" panose="02000009000000000000" pitchFamily="49" charset="0"/>
-                <a:ea typeface="JetBrains Mono NL" panose="02000009000000000000" pitchFamily="49" charset="0"/>
-                <a:cs typeface="JetBrains Mono NL" panose="02000009000000000000" pitchFamily="49" charset="0"/>
-              </a:rPr>
-              <a:t>    .build();</a:t>
-            </a:r>
-          </a:p>
-          <a:p>
-            <a:r>
-              <a:rPr lang="en-US" sz="2800" dirty="0">
-                <a:latin typeface="JetBrains Mono NL" panose="02000009000000000000" pitchFamily="49" charset="0"/>
-                <a:ea typeface="JetBrains Mono NL" panose="02000009000000000000" pitchFamily="49" charset="0"/>
-                <a:cs typeface="JetBrains Mono NL" panose="02000009000000000000" pitchFamily="49" charset="0"/>
-              </a:rPr>
-              <a:t>}</a:t>
-            </a:r>
+              <a:rPr lang="en-US" sz="2400" dirty="0"/>
+              <a:t>).</a:t>
+            </a:r>
+            <a:endParaRPr lang="ro-RO" sz="2400" dirty="0"/>
           </a:p>
         </p:txBody>
       </p:sp>
     </p:spTree>
     <p:extLst>
       <p:ext uri="{BB962C8B-B14F-4D97-AF65-F5344CB8AC3E}">
-        <p14:creationId xmlns:p14="http://schemas.microsoft.com/office/powerpoint/2010/main" val="809137058"/>
+        <p14:creationId xmlns:p14="http://schemas.microsoft.com/office/powerpoint/2010/main" val="3559502214"/>
       </p:ext>
     </p:extLst>
   </p:cSld>
@@ -28971,6 +29040,708 @@
         </p:nvSpPr>
         <p:spPr>
           <a:xfrm>
+            <a:off x="576072" y="384048"/>
+            <a:ext cx="17040124" cy="4573587"/>
+          </a:xfrm>
+        </p:spPr>
+        <p:txBody>
+          <a:bodyPr/>
+          <a:lstStyle/>
+          <a:p>
+            <a:r>
+              <a:rPr lang="en-US" sz="7200" dirty="0">
+                <a:solidFill>
+                  <a:srgbClr val="0F62FE"/>
+                </a:solidFill>
+              </a:rPr>
+              <a:t>Implementing a chunk-oriented job</a:t>
+            </a:r>
+          </a:p>
+        </p:txBody>
+      </p:sp>
+      <p:sp>
+        <p:nvSpPr>
+          <p:cNvPr id="3" name="Footer Placeholder 4">
+            <a:extLst>
+              <a:ext uri="{FF2B5EF4-FFF2-40B4-BE49-F238E27FC236}">
+                <a16:creationId xmlns:a16="http://schemas.microsoft.com/office/drawing/2014/main" id="{22A31621-091B-D2F0-B5AC-85DE6A38CA7C}"/>
+              </a:ext>
+            </a:extLst>
+          </p:cNvPr>
+          <p:cNvSpPr txBox="1">
+            <a:spLocks/>
+          </p:cNvSpPr>
+          <p:nvPr/>
+        </p:nvSpPr>
+        <p:spPr>
+          <a:xfrm>
+            <a:off x="20730172" y="12801599"/>
+            <a:ext cx="2950899" cy="690465"/>
+          </a:xfrm>
+          <a:prstGeom prst="rect">
+            <a:avLst/>
+          </a:prstGeom>
+        </p:spPr>
+        <p:txBody>
+          <a:bodyPr anchor="ctr"/>
+          <a:lstStyle>
+            <a:defPPr>
+              <a:defRPr lang="en-US"/>
+            </a:defPPr>
+            <a:lvl1pPr marL="0" algn="l" defTabSz="1829379" rtl="0" eaLnBrk="1" latinLnBrk="0" hangingPunct="1">
+              <a:defRPr sz="3600" kern="1200">
+                <a:solidFill>
+                  <a:schemeClr val="tx1"/>
+                </a:solidFill>
+                <a:latin typeface="+mn-lt"/>
+                <a:ea typeface="+mn-ea"/>
+                <a:cs typeface="+mn-cs"/>
+              </a:defRPr>
+            </a:lvl1pPr>
+            <a:lvl2pPr marL="914688" algn="l" defTabSz="1829379" rtl="0" eaLnBrk="1" latinLnBrk="0" hangingPunct="1">
+              <a:defRPr sz="3600" kern="1200">
+                <a:solidFill>
+                  <a:schemeClr val="tx1"/>
+                </a:solidFill>
+                <a:latin typeface="+mn-lt"/>
+                <a:ea typeface="+mn-ea"/>
+                <a:cs typeface="+mn-cs"/>
+              </a:defRPr>
+            </a:lvl2pPr>
+            <a:lvl3pPr marL="1829379" algn="l" defTabSz="1829379" rtl="0" eaLnBrk="1" latinLnBrk="0" hangingPunct="1">
+              <a:defRPr sz="3600" kern="1200">
+                <a:solidFill>
+                  <a:schemeClr val="tx1"/>
+                </a:solidFill>
+                <a:latin typeface="+mn-lt"/>
+                <a:ea typeface="+mn-ea"/>
+                <a:cs typeface="+mn-cs"/>
+              </a:defRPr>
+            </a:lvl3pPr>
+            <a:lvl4pPr marL="2744068" algn="l" defTabSz="1829379" rtl="0" eaLnBrk="1" latinLnBrk="0" hangingPunct="1">
+              <a:defRPr sz="3600" kern="1200">
+                <a:solidFill>
+                  <a:schemeClr val="tx1"/>
+                </a:solidFill>
+                <a:latin typeface="+mn-lt"/>
+                <a:ea typeface="+mn-ea"/>
+                <a:cs typeface="+mn-cs"/>
+              </a:defRPr>
+            </a:lvl4pPr>
+            <a:lvl5pPr marL="3658759" algn="l" defTabSz="1829379" rtl="0" eaLnBrk="1" latinLnBrk="0" hangingPunct="1">
+              <a:defRPr sz="3600" kern="1200">
+                <a:solidFill>
+                  <a:schemeClr val="tx1"/>
+                </a:solidFill>
+                <a:latin typeface="+mn-lt"/>
+                <a:ea typeface="+mn-ea"/>
+                <a:cs typeface="+mn-cs"/>
+              </a:defRPr>
+            </a:lvl5pPr>
+            <a:lvl6pPr marL="4573447" algn="l" defTabSz="1829379" rtl="0" eaLnBrk="1" latinLnBrk="0" hangingPunct="1">
+              <a:defRPr sz="3600" kern="1200">
+                <a:solidFill>
+                  <a:schemeClr val="tx1"/>
+                </a:solidFill>
+                <a:latin typeface="+mn-lt"/>
+                <a:ea typeface="+mn-ea"/>
+                <a:cs typeface="+mn-cs"/>
+              </a:defRPr>
+            </a:lvl6pPr>
+            <a:lvl7pPr marL="5488138" algn="l" defTabSz="1829379" rtl="0" eaLnBrk="1" latinLnBrk="0" hangingPunct="1">
+              <a:defRPr sz="3600" kern="1200">
+                <a:solidFill>
+                  <a:schemeClr val="tx1"/>
+                </a:solidFill>
+                <a:latin typeface="+mn-lt"/>
+                <a:ea typeface="+mn-ea"/>
+                <a:cs typeface="+mn-cs"/>
+              </a:defRPr>
+            </a:lvl7pPr>
+            <a:lvl8pPr marL="6402827" algn="l" defTabSz="1829379" rtl="0" eaLnBrk="1" latinLnBrk="0" hangingPunct="1">
+              <a:defRPr sz="3600" kern="1200">
+                <a:solidFill>
+                  <a:schemeClr val="tx1"/>
+                </a:solidFill>
+                <a:latin typeface="+mn-lt"/>
+                <a:ea typeface="+mn-ea"/>
+                <a:cs typeface="+mn-cs"/>
+              </a:defRPr>
+            </a:lvl8pPr>
+            <a:lvl9pPr marL="7317518" algn="l" defTabSz="1829379" rtl="0" eaLnBrk="1" latinLnBrk="0" hangingPunct="1">
+              <a:defRPr sz="3600" kern="1200">
+                <a:solidFill>
+                  <a:schemeClr val="tx1"/>
+                </a:solidFill>
+                <a:latin typeface="+mn-lt"/>
+                <a:ea typeface="+mn-ea"/>
+                <a:cs typeface="+mn-cs"/>
+              </a:defRPr>
+            </a:lvl9pPr>
+          </a:lstStyle>
+          <a:p>
+            <a:pPr algn="r"/>
+            <a:r>
+              <a:rPr lang="en-US" sz="1600" dirty="0"/>
+              <a:t>Introduction to Spring Batch</a:t>
+            </a:r>
+          </a:p>
+        </p:txBody>
+      </p:sp>
+      <p:sp>
+        <p:nvSpPr>
+          <p:cNvPr id="9" name="TextBox 8">
+            <a:extLst>
+              <a:ext uri="{FF2B5EF4-FFF2-40B4-BE49-F238E27FC236}">
+                <a16:creationId xmlns:a16="http://schemas.microsoft.com/office/drawing/2014/main" id="{99F56539-A69E-4ACF-960B-DBCC09B450DF}"/>
+              </a:ext>
+            </a:extLst>
+          </p:cNvPr>
+          <p:cNvSpPr txBox="1"/>
+          <p:nvPr/>
+        </p:nvSpPr>
+        <p:spPr>
+          <a:xfrm>
+            <a:off x="576071" y="2493593"/>
+            <a:ext cx="23485200" cy="7417415"/>
+          </a:xfrm>
+          <a:prstGeom prst="rect">
+            <a:avLst/>
+          </a:prstGeom>
+          <a:noFill/>
+          <a:ln w="12700">
+            <a:miter lim="400000"/>
+          </a:ln>
+          <a:extLst>
+            <a:ext uri="{C572A759-6A51-4108-AA02-DFA0A04FC94B}">
+              <ma14:wrappingTextBoxFlag xmlns="" xmlns:m="http://schemas.openxmlformats.org/officeDocument/2006/math" xmlns:a14="http://schemas.microsoft.com/office/drawing/2010/main" xmlns:ma14="http://schemas.microsoft.com/office/mac/drawingml/2011/main" val="1"/>
+            </a:ext>
+          </a:extLst>
+        </p:spPr>
+        <p:txBody>
+          <a:bodyPr wrap="square">
+            <a:spAutoFit/>
+          </a:bodyPr>
+          <a:lstStyle/>
+          <a:p>
+            <a:r>
+              <a:rPr lang="en-US" sz="2800" dirty="0">
+                <a:solidFill>
+                  <a:srgbClr val="A8A8A8"/>
+                </a:solidFill>
+                <a:latin typeface="JetBrains Mono NL" panose="02000009000000000000" pitchFamily="49" charset="0"/>
+                <a:ea typeface="JetBrains Mono NL" panose="02000009000000000000" pitchFamily="49" charset="0"/>
+                <a:cs typeface="JetBrains Mono NL" panose="02000009000000000000" pitchFamily="49" charset="0"/>
+              </a:rPr>
+              <a:t>@Bean</a:t>
+            </a:r>
+          </a:p>
+          <a:p>
+            <a:r>
+              <a:rPr lang="en-US" sz="2800" dirty="0">
+                <a:solidFill>
+                  <a:srgbClr val="D02670"/>
+                </a:solidFill>
+                <a:latin typeface="JetBrains Mono NL" panose="02000009000000000000" pitchFamily="49" charset="0"/>
+                <a:ea typeface="JetBrains Mono NL" panose="02000009000000000000" pitchFamily="49" charset="0"/>
+                <a:cs typeface="JetBrains Mono NL" panose="02000009000000000000" pitchFamily="49" charset="0"/>
+              </a:rPr>
+              <a:t>public</a:t>
+            </a:r>
+            <a:r>
+              <a:rPr lang="en-US" sz="2800" dirty="0">
+                <a:latin typeface="JetBrains Mono NL" panose="02000009000000000000" pitchFamily="49" charset="0"/>
+                <a:ea typeface="JetBrains Mono NL" panose="02000009000000000000" pitchFamily="49" charset="0"/>
+                <a:cs typeface="JetBrains Mono NL" panose="02000009000000000000" pitchFamily="49" charset="0"/>
+              </a:rPr>
+              <a:t> Job </a:t>
+            </a:r>
+            <a:r>
+              <a:rPr lang="en-US" sz="2800" dirty="0" err="1">
+                <a:solidFill>
+                  <a:srgbClr val="D02670"/>
+                </a:solidFill>
+                <a:latin typeface="JetBrains Mono NL" panose="02000009000000000000" pitchFamily="49" charset="0"/>
+                <a:ea typeface="JetBrains Mono NL" panose="02000009000000000000" pitchFamily="49" charset="0"/>
+                <a:cs typeface="JetBrains Mono NL" panose="02000009000000000000" pitchFamily="49" charset="0"/>
+              </a:rPr>
+              <a:t>customJob</a:t>
+            </a:r>
+            <a:r>
+              <a:rPr lang="en-US" sz="2800" dirty="0">
+                <a:latin typeface="JetBrains Mono NL" panose="02000009000000000000" pitchFamily="49" charset="0"/>
+                <a:ea typeface="JetBrains Mono NL" panose="02000009000000000000" pitchFamily="49" charset="0"/>
+                <a:cs typeface="JetBrains Mono NL" panose="02000009000000000000" pitchFamily="49" charset="0"/>
+              </a:rPr>
+              <a:t>() {</a:t>
+            </a:r>
+          </a:p>
+          <a:p>
+            <a:r>
+              <a:rPr lang="en-US" sz="2800" dirty="0">
+                <a:latin typeface="JetBrains Mono NL" panose="02000009000000000000" pitchFamily="49" charset="0"/>
+                <a:ea typeface="JetBrains Mono NL" panose="02000009000000000000" pitchFamily="49" charset="0"/>
+                <a:cs typeface="JetBrains Mono NL" panose="02000009000000000000" pitchFamily="49" charset="0"/>
+              </a:rPr>
+              <a:t>  </a:t>
+            </a:r>
+            <a:r>
+              <a:rPr lang="en-US" sz="2800" dirty="0">
+                <a:solidFill>
+                  <a:srgbClr val="D02670"/>
+                </a:solidFill>
+                <a:latin typeface="JetBrains Mono NL" panose="02000009000000000000" pitchFamily="49" charset="0"/>
+                <a:ea typeface="JetBrains Mono NL" panose="02000009000000000000" pitchFamily="49" charset="0"/>
+                <a:cs typeface="JetBrains Mono NL" panose="02000009000000000000" pitchFamily="49" charset="0"/>
+              </a:rPr>
+              <a:t>return new </a:t>
+            </a:r>
+            <a:r>
+              <a:rPr lang="en-US" sz="2800" dirty="0" err="1">
+                <a:latin typeface="JetBrains Mono NL" panose="02000009000000000000" pitchFamily="49" charset="0"/>
+                <a:ea typeface="JetBrains Mono NL" panose="02000009000000000000" pitchFamily="49" charset="0"/>
+                <a:cs typeface="JetBrains Mono NL" panose="02000009000000000000" pitchFamily="49" charset="0"/>
+              </a:rPr>
+              <a:t>JobBuilder</a:t>
+            </a:r>
+            <a:r>
+              <a:rPr lang="en-US" sz="2800" dirty="0">
+                <a:latin typeface="JetBrains Mono NL" panose="02000009000000000000" pitchFamily="49" charset="0"/>
+                <a:ea typeface="JetBrains Mono NL" panose="02000009000000000000" pitchFamily="49" charset="0"/>
+                <a:cs typeface="JetBrains Mono NL" panose="02000009000000000000" pitchFamily="49" charset="0"/>
+              </a:rPr>
+              <a:t>(“</a:t>
+            </a:r>
+            <a:r>
+              <a:rPr lang="en-US" sz="2800" dirty="0" err="1">
+                <a:latin typeface="JetBrains Mono NL" panose="02000009000000000000" pitchFamily="49" charset="0"/>
+                <a:ea typeface="JetBrains Mono NL" panose="02000009000000000000" pitchFamily="49" charset="0"/>
+                <a:cs typeface="JetBrains Mono NL" panose="02000009000000000000" pitchFamily="49" charset="0"/>
+              </a:rPr>
+              <a:t>customJob</a:t>
+            </a:r>
+            <a:r>
+              <a:rPr lang="en-US" sz="2800" dirty="0">
+                <a:latin typeface="JetBrains Mono NL" panose="02000009000000000000" pitchFamily="49" charset="0"/>
+                <a:ea typeface="JetBrains Mono NL" panose="02000009000000000000" pitchFamily="49" charset="0"/>
+                <a:cs typeface="JetBrains Mono NL" panose="02000009000000000000" pitchFamily="49" charset="0"/>
+              </a:rPr>
+              <a:t>”, </a:t>
+            </a:r>
+            <a:r>
+              <a:rPr lang="en-US" sz="2800" dirty="0" err="1">
+                <a:latin typeface="JetBrains Mono NL" panose="02000009000000000000" pitchFamily="49" charset="0"/>
+                <a:ea typeface="JetBrains Mono NL" panose="02000009000000000000" pitchFamily="49" charset="0"/>
+                <a:cs typeface="JetBrains Mono NL" panose="02000009000000000000" pitchFamily="49" charset="0"/>
+              </a:rPr>
+              <a:t>jobRepository</a:t>
+            </a:r>
+            <a:r>
+              <a:rPr lang="en-US" sz="2800" dirty="0">
+                <a:latin typeface="JetBrains Mono NL" panose="02000009000000000000" pitchFamily="49" charset="0"/>
+                <a:ea typeface="JetBrains Mono NL" panose="02000009000000000000" pitchFamily="49" charset="0"/>
+                <a:cs typeface="JetBrains Mono NL" panose="02000009000000000000" pitchFamily="49" charset="0"/>
+              </a:rPr>
+              <a:t>)</a:t>
+            </a:r>
+          </a:p>
+          <a:p>
+            <a:r>
+              <a:rPr lang="en-US" sz="2800" dirty="0">
+                <a:latin typeface="JetBrains Mono NL" panose="02000009000000000000" pitchFamily="49" charset="0"/>
+                <a:ea typeface="JetBrains Mono NL" panose="02000009000000000000" pitchFamily="49" charset="0"/>
+                <a:cs typeface="JetBrains Mono NL" panose="02000009000000000000" pitchFamily="49" charset="0"/>
+              </a:rPr>
+              <a:t>    .start(</a:t>
+            </a:r>
+            <a:r>
+              <a:rPr lang="en-US" sz="2800" dirty="0" err="1">
+                <a:latin typeface="JetBrains Mono NL" panose="02000009000000000000" pitchFamily="49" charset="0"/>
+                <a:ea typeface="JetBrains Mono NL" panose="02000009000000000000" pitchFamily="49" charset="0"/>
+                <a:cs typeface="JetBrains Mono NL" panose="02000009000000000000" pitchFamily="49" charset="0"/>
+              </a:rPr>
+              <a:t>customStep</a:t>
+            </a:r>
+            <a:r>
+              <a:rPr lang="en-US" sz="2800" dirty="0">
+                <a:latin typeface="JetBrains Mono NL" panose="02000009000000000000" pitchFamily="49" charset="0"/>
+                <a:ea typeface="JetBrains Mono NL" panose="02000009000000000000" pitchFamily="49" charset="0"/>
+                <a:cs typeface="JetBrains Mono NL" panose="02000009000000000000" pitchFamily="49" charset="0"/>
+              </a:rPr>
+              <a:t>())</a:t>
+            </a:r>
+          </a:p>
+          <a:p>
+            <a:r>
+              <a:rPr lang="en-US" sz="2800" dirty="0">
+                <a:solidFill>
+                  <a:schemeClr val="bg1">
+                    <a:lumMod val="65000"/>
+                  </a:schemeClr>
+                </a:solidFill>
+                <a:latin typeface="JetBrains Mono NL" panose="02000009000000000000" pitchFamily="49" charset="0"/>
+                <a:ea typeface="JetBrains Mono NL" panose="02000009000000000000" pitchFamily="49" charset="0"/>
+                <a:cs typeface="JetBrains Mono NL" panose="02000009000000000000" pitchFamily="49" charset="0"/>
+              </a:rPr>
+              <a:t>    .next(…) // …</a:t>
+            </a:r>
+          </a:p>
+          <a:p>
+            <a:r>
+              <a:rPr lang="en-US" sz="2800" dirty="0">
+                <a:latin typeface="JetBrains Mono NL" panose="02000009000000000000" pitchFamily="49" charset="0"/>
+                <a:ea typeface="JetBrains Mono NL" panose="02000009000000000000" pitchFamily="49" charset="0"/>
+                <a:cs typeface="JetBrains Mono NL" panose="02000009000000000000" pitchFamily="49" charset="0"/>
+              </a:rPr>
+              <a:t>    .build();</a:t>
+            </a:r>
+          </a:p>
+          <a:p>
+            <a:r>
+              <a:rPr lang="en-US" sz="2800" dirty="0">
+                <a:latin typeface="JetBrains Mono NL" panose="02000009000000000000" pitchFamily="49" charset="0"/>
+                <a:ea typeface="JetBrains Mono NL" panose="02000009000000000000" pitchFamily="49" charset="0"/>
+                <a:cs typeface="JetBrains Mono NL" panose="02000009000000000000" pitchFamily="49" charset="0"/>
+              </a:rPr>
+              <a:t>}</a:t>
+            </a:r>
+          </a:p>
+          <a:p>
+            <a:endParaRPr lang="en-US" sz="2800" dirty="0">
+              <a:latin typeface="JetBrains Mono NL" panose="02000009000000000000" pitchFamily="49" charset="0"/>
+              <a:ea typeface="JetBrains Mono NL" panose="02000009000000000000" pitchFamily="49" charset="0"/>
+              <a:cs typeface="JetBrains Mono NL" panose="02000009000000000000" pitchFamily="49" charset="0"/>
+            </a:endParaRPr>
+          </a:p>
+          <a:p>
+            <a:r>
+              <a:rPr lang="en-US" sz="2800" dirty="0">
+                <a:solidFill>
+                  <a:srgbClr val="A8A8A8"/>
+                </a:solidFill>
+                <a:latin typeface="JetBrains Mono NL" panose="02000009000000000000" pitchFamily="49" charset="0"/>
+                <a:ea typeface="JetBrains Mono NL" panose="02000009000000000000" pitchFamily="49" charset="0"/>
+                <a:cs typeface="JetBrains Mono NL" panose="02000009000000000000" pitchFamily="49" charset="0"/>
+              </a:rPr>
+              <a:t>@Bean</a:t>
+            </a:r>
+          </a:p>
+          <a:p>
+            <a:r>
+              <a:rPr lang="en-US" sz="2800" dirty="0">
+                <a:solidFill>
+                  <a:srgbClr val="D02670"/>
+                </a:solidFill>
+                <a:latin typeface="JetBrains Mono NL" panose="02000009000000000000" pitchFamily="49" charset="0"/>
+                <a:ea typeface="JetBrains Mono NL" panose="02000009000000000000" pitchFamily="49" charset="0"/>
+                <a:cs typeface="JetBrains Mono NL" panose="02000009000000000000" pitchFamily="49" charset="0"/>
+              </a:rPr>
+              <a:t>public</a:t>
+            </a:r>
+            <a:r>
+              <a:rPr lang="en-US" sz="2800" dirty="0">
+                <a:latin typeface="JetBrains Mono NL" panose="02000009000000000000" pitchFamily="49" charset="0"/>
+                <a:ea typeface="JetBrains Mono NL" panose="02000009000000000000" pitchFamily="49" charset="0"/>
+                <a:cs typeface="JetBrains Mono NL" panose="02000009000000000000" pitchFamily="49" charset="0"/>
+              </a:rPr>
+              <a:t> Step </a:t>
+            </a:r>
+            <a:r>
+              <a:rPr lang="en-US" sz="2800" dirty="0" err="1">
+                <a:solidFill>
+                  <a:srgbClr val="D02670"/>
+                </a:solidFill>
+                <a:latin typeface="JetBrains Mono NL" panose="02000009000000000000" pitchFamily="49" charset="0"/>
+                <a:ea typeface="JetBrains Mono NL" panose="02000009000000000000" pitchFamily="49" charset="0"/>
+                <a:cs typeface="JetBrains Mono NL" panose="02000009000000000000" pitchFamily="49" charset="0"/>
+              </a:rPr>
+              <a:t>customStep</a:t>
+            </a:r>
+            <a:r>
+              <a:rPr lang="en-US" sz="2800" dirty="0">
+                <a:latin typeface="JetBrains Mono NL" panose="02000009000000000000" pitchFamily="49" charset="0"/>
+                <a:ea typeface="JetBrains Mono NL" panose="02000009000000000000" pitchFamily="49" charset="0"/>
+                <a:cs typeface="JetBrains Mono NL" panose="02000009000000000000" pitchFamily="49" charset="0"/>
+              </a:rPr>
+              <a:t>() {</a:t>
+            </a:r>
+          </a:p>
+          <a:p>
+            <a:r>
+              <a:rPr lang="en-US" sz="2800" dirty="0">
+                <a:latin typeface="JetBrains Mono NL" panose="02000009000000000000" pitchFamily="49" charset="0"/>
+                <a:ea typeface="JetBrains Mono NL" panose="02000009000000000000" pitchFamily="49" charset="0"/>
+                <a:cs typeface="JetBrains Mono NL" panose="02000009000000000000" pitchFamily="49" charset="0"/>
+              </a:rPr>
+              <a:t>  </a:t>
+            </a:r>
+            <a:r>
+              <a:rPr lang="en-US" sz="2800" dirty="0">
+                <a:solidFill>
+                  <a:srgbClr val="D02670"/>
+                </a:solidFill>
+                <a:latin typeface="JetBrains Mono NL" panose="02000009000000000000" pitchFamily="49" charset="0"/>
+                <a:ea typeface="JetBrains Mono NL" panose="02000009000000000000" pitchFamily="49" charset="0"/>
+                <a:cs typeface="JetBrains Mono NL" panose="02000009000000000000" pitchFamily="49" charset="0"/>
+              </a:rPr>
+              <a:t>return new </a:t>
+            </a:r>
+            <a:r>
+              <a:rPr lang="en-US" sz="2800" dirty="0" err="1">
+                <a:latin typeface="JetBrains Mono NL" panose="02000009000000000000" pitchFamily="49" charset="0"/>
+                <a:ea typeface="JetBrains Mono NL" panose="02000009000000000000" pitchFamily="49" charset="0"/>
+                <a:cs typeface="JetBrains Mono NL" panose="02000009000000000000" pitchFamily="49" charset="0"/>
+              </a:rPr>
+              <a:t>StepBuilder</a:t>
+            </a:r>
+            <a:r>
+              <a:rPr lang="en-US" sz="2800" dirty="0">
+                <a:latin typeface="JetBrains Mono NL" panose="02000009000000000000" pitchFamily="49" charset="0"/>
+                <a:ea typeface="JetBrains Mono NL" panose="02000009000000000000" pitchFamily="49" charset="0"/>
+                <a:cs typeface="JetBrains Mono NL" panose="02000009000000000000" pitchFamily="49" charset="0"/>
+              </a:rPr>
+              <a:t>(“</a:t>
+            </a:r>
+            <a:r>
+              <a:rPr lang="en-US" sz="2800" dirty="0" err="1">
+                <a:latin typeface="JetBrains Mono NL" panose="02000009000000000000" pitchFamily="49" charset="0"/>
+                <a:ea typeface="JetBrains Mono NL" panose="02000009000000000000" pitchFamily="49" charset="0"/>
+                <a:cs typeface="JetBrains Mono NL" panose="02000009000000000000" pitchFamily="49" charset="0"/>
+              </a:rPr>
+              <a:t>customStep</a:t>
+            </a:r>
+            <a:r>
+              <a:rPr lang="en-US" sz="2800" dirty="0">
+                <a:latin typeface="JetBrains Mono NL" panose="02000009000000000000" pitchFamily="49" charset="0"/>
+                <a:ea typeface="JetBrains Mono NL" panose="02000009000000000000" pitchFamily="49" charset="0"/>
+                <a:cs typeface="JetBrains Mono NL" panose="02000009000000000000" pitchFamily="49" charset="0"/>
+              </a:rPr>
+              <a:t>”, </a:t>
+            </a:r>
+            <a:r>
+              <a:rPr lang="en-US" sz="2800" dirty="0" err="1">
+                <a:latin typeface="JetBrains Mono NL" panose="02000009000000000000" pitchFamily="49" charset="0"/>
+                <a:ea typeface="JetBrains Mono NL" panose="02000009000000000000" pitchFamily="49" charset="0"/>
+                <a:cs typeface="JetBrains Mono NL" panose="02000009000000000000" pitchFamily="49" charset="0"/>
+              </a:rPr>
+              <a:t>jobRepository</a:t>
+            </a:r>
+            <a:r>
+              <a:rPr lang="en-US" sz="2800" dirty="0">
+                <a:latin typeface="JetBrains Mono NL" panose="02000009000000000000" pitchFamily="49" charset="0"/>
+                <a:ea typeface="JetBrains Mono NL" panose="02000009000000000000" pitchFamily="49" charset="0"/>
+                <a:cs typeface="JetBrains Mono NL" panose="02000009000000000000" pitchFamily="49" charset="0"/>
+              </a:rPr>
+              <a:t>)</a:t>
+            </a:r>
+          </a:p>
+          <a:p>
+            <a:r>
+              <a:rPr lang="en-US" sz="2800" dirty="0">
+                <a:latin typeface="JetBrains Mono NL" panose="02000009000000000000" pitchFamily="49" charset="0"/>
+                <a:ea typeface="JetBrains Mono NL" panose="02000009000000000000" pitchFamily="49" charset="0"/>
+                <a:cs typeface="JetBrains Mono NL" panose="02000009000000000000" pitchFamily="49" charset="0"/>
+              </a:rPr>
+              <a:t>    .&lt;</a:t>
+            </a:r>
+            <a:r>
+              <a:rPr lang="en-US" sz="2800" dirty="0" err="1">
+                <a:latin typeface="JetBrains Mono NL" panose="02000009000000000000" pitchFamily="49" charset="0"/>
+                <a:ea typeface="JetBrains Mono NL" panose="02000009000000000000" pitchFamily="49" charset="0"/>
+                <a:cs typeface="JetBrains Mono NL" panose="02000009000000000000" pitchFamily="49" charset="0"/>
+              </a:rPr>
+              <a:t>InputType</a:t>
+            </a:r>
+            <a:r>
+              <a:rPr lang="en-US" sz="2800" dirty="0">
+                <a:latin typeface="JetBrains Mono NL" panose="02000009000000000000" pitchFamily="49" charset="0"/>
+                <a:ea typeface="JetBrains Mono NL" panose="02000009000000000000" pitchFamily="49" charset="0"/>
+                <a:cs typeface="JetBrains Mono NL" panose="02000009000000000000" pitchFamily="49" charset="0"/>
+              </a:rPr>
+              <a:t>, </a:t>
+            </a:r>
+            <a:r>
+              <a:rPr lang="en-US" sz="2800" dirty="0" err="1">
+                <a:latin typeface="JetBrains Mono NL" panose="02000009000000000000" pitchFamily="49" charset="0"/>
+                <a:ea typeface="JetBrains Mono NL" panose="02000009000000000000" pitchFamily="49" charset="0"/>
+                <a:cs typeface="JetBrains Mono NL" panose="02000009000000000000" pitchFamily="49" charset="0"/>
+              </a:rPr>
+              <a:t>OutputType</a:t>
+            </a:r>
+            <a:r>
+              <a:rPr lang="en-US" sz="2800" dirty="0">
+                <a:latin typeface="JetBrains Mono NL" panose="02000009000000000000" pitchFamily="49" charset="0"/>
+                <a:ea typeface="JetBrains Mono NL" panose="02000009000000000000" pitchFamily="49" charset="0"/>
+                <a:cs typeface="JetBrains Mono NL" panose="02000009000000000000" pitchFamily="49" charset="0"/>
+              </a:rPr>
+              <a:t>&gt; chunk(3, </a:t>
+            </a:r>
+            <a:r>
+              <a:rPr lang="en-US" sz="2800" dirty="0" err="1">
+                <a:latin typeface="JetBrains Mono NL" panose="02000009000000000000" pitchFamily="49" charset="0"/>
+                <a:ea typeface="JetBrains Mono NL" panose="02000009000000000000" pitchFamily="49" charset="0"/>
+                <a:cs typeface="JetBrains Mono NL" panose="02000009000000000000" pitchFamily="49" charset="0"/>
+              </a:rPr>
+              <a:t>platformTransactionManager</a:t>
+            </a:r>
+            <a:r>
+              <a:rPr lang="en-US" sz="2800" dirty="0">
+                <a:latin typeface="JetBrains Mono NL" panose="02000009000000000000" pitchFamily="49" charset="0"/>
+                <a:ea typeface="JetBrains Mono NL" panose="02000009000000000000" pitchFamily="49" charset="0"/>
+                <a:cs typeface="JetBrains Mono NL" panose="02000009000000000000" pitchFamily="49" charset="0"/>
+              </a:rPr>
+              <a:t>)</a:t>
+            </a:r>
+          </a:p>
+          <a:p>
+            <a:r>
+              <a:rPr lang="en-US" sz="2800" dirty="0">
+                <a:latin typeface="JetBrains Mono NL" panose="02000009000000000000" pitchFamily="49" charset="0"/>
+                <a:ea typeface="JetBrains Mono NL" panose="02000009000000000000" pitchFamily="49" charset="0"/>
+                <a:cs typeface="JetBrains Mono NL" panose="02000009000000000000" pitchFamily="49" charset="0"/>
+              </a:rPr>
+              <a:t>    .reader(</a:t>
+            </a:r>
+            <a:r>
+              <a:rPr lang="en-US" sz="2800" dirty="0" err="1">
+                <a:latin typeface="JetBrains Mono NL" panose="02000009000000000000" pitchFamily="49" charset="0"/>
+                <a:ea typeface="JetBrains Mono NL" panose="02000009000000000000" pitchFamily="49" charset="0"/>
+                <a:cs typeface="JetBrains Mono NL" panose="02000009000000000000" pitchFamily="49" charset="0"/>
+              </a:rPr>
+              <a:t>itemReader</a:t>
+            </a:r>
+            <a:r>
+              <a:rPr lang="en-US" sz="2800" dirty="0">
+                <a:latin typeface="JetBrains Mono NL" panose="02000009000000000000" pitchFamily="49" charset="0"/>
+                <a:ea typeface="JetBrains Mono NL" panose="02000009000000000000" pitchFamily="49" charset="0"/>
+                <a:cs typeface="JetBrains Mono NL" panose="02000009000000000000" pitchFamily="49" charset="0"/>
+              </a:rPr>
+              <a:t>())</a:t>
+            </a:r>
+          </a:p>
+          <a:p>
+            <a:r>
+              <a:rPr lang="en-US" sz="2800" dirty="0">
+                <a:latin typeface="JetBrains Mono NL" panose="02000009000000000000" pitchFamily="49" charset="0"/>
+                <a:ea typeface="JetBrains Mono NL" panose="02000009000000000000" pitchFamily="49" charset="0"/>
+                <a:cs typeface="JetBrains Mono NL" panose="02000009000000000000" pitchFamily="49" charset="0"/>
+              </a:rPr>
+              <a:t>    .processor(</a:t>
+            </a:r>
+            <a:r>
+              <a:rPr lang="en-US" sz="2800" dirty="0" err="1">
+                <a:latin typeface="JetBrains Mono NL" panose="02000009000000000000" pitchFamily="49" charset="0"/>
+                <a:ea typeface="JetBrains Mono NL" panose="02000009000000000000" pitchFamily="49" charset="0"/>
+                <a:cs typeface="JetBrains Mono NL" panose="02000009000000000000" pitchFamily="49" charset="0"/>
+              </a:rPr>
+              <a:t>itemProcessor</a:t>
+            </a:r>
+            <a:r>
+              <a:rPr lang="en-US" sz="2800" dirty="0">
+                <a:latin typeface="JetBrains Mono NL" panose="02000009000000000000" pitchFamily="49" charset="0"/>
+                <a:ea typeface="JetBrains Mono NL" panose="02000009000000000000" pitchFamily="49" charset="0"/>
+                <a:cs typeface="JetBrains Mono NL" panose="02000009000000000000" pitchFamily="49" charset="0"/>
+              </a:rPr>
+              <a:t>())</a:t>
+            </a:r>
+          </a:p>
+          <a:p>
+            <a:r>
+              <a:rPr lang="en-US" sz="2800" dirty="0">
+                <a:latin typeface="JetBrains Mono NL" panose="02000009000000000000" pitchFamily="49" charset="0"/>
+                <a:ea typeface="JetBrains Mono NL" panose="02000009000000000000" pitchFamily="49" charset="0"/>
+                <a:cs typeface="JetBrains Mono NL" panose="02000009000000000000" pitchFamily="49" charset="0"/>
+              </a:rPr>
+              <a:t>    .writer(</a:t>
+            </a:r>
+            <a:r>
+              <a:rPr lang="en-US" sz="2800" dirty="0" err="1">
+                <a:latin typeface="JetBrains Mono NL" panose="02000009000000000000" pitchFamily="49" charset="0"/>
+                <a:ea typeface="JetBrains Mono NL" panose="02000009000000000000" pitchFamily="49" charset="0"/>
+                <a:cs typeface="JetBrains Mono NL" panose="02000009000000000000" pitchFamily="49" charset="0"/>
+              </a:rPr>
+              <a:t>itemWriter</a:t>
+            </a:r>
+            <a:r>
+              <a:rPr lang="en-US" sz="2800" dirty="0">
+                <a:latin typeface="JetBrains Mono NL" panose="02000009000000000000" pitchFamily="49" charset="0"/>
+                <a:ea typeface="JetBrains Mono NL" panose="02000009000000000000" pitchFamily="49" charset="0"/>
+                <a:cs typeface="JetBrains Mono NL" panose="02000009000000000000" pitchFamily="49" charset="0"/>
+              </a:rPr>
+              <a:t>())</a:t>
+            </a:r>
+          </a:p>
+          <a:p>
+            <a:r>
+              <a:rPr lang="en-US" sz="2800" dirty="0">
+                <a:latin typeface="JetBrains Mono NL" panose="02000009000000000000" pitchFamily="49" charset="0"/>
+                <a:ea typeface="JetBrains Mono NL" panose="02000009000000000000" pitchFamily="49" charset="0"/>
+                <a:cs typeface="JetBrains Mono NL" panose="02000009000000000000" pitchFamily="49" charset="0"/>
+              </a:rPr>
+              <a:t>    .build();</a:t>
+            </a:r>
+          </a:p>
+          <a:p>
+            <a:r>
+              <a:rPr lang="en-US" sz="2800" dirty="0">
+                <a:latin typeface="JetBrains Mono NL" panose="02000009000000000000" pitchFamily="49" charset="0"/>
+                <a:ea typeface="JetBrains Mono NL" panose="02000009000000000000" pitchFamily="49" charset="0"/>
+                <a:cs typeface="JetBrains Mono NL" panose="02000009000000000000" pitchFamily="49" charset="0"/>
+              </a:rPr>
+              <a:t>}</a:t>
+            </a:r>
+          </a:p>
+        </p:txBody>
+      </p:sp>
+    </p:spTree>
+    <p:extLst>
+      <p:ext uri="{BB962C8B-B14F-4D97-AF65-F5344CB8AC3E}">
+        <p14:creationId xmlns:p14="http://schemas.microsoft.com/office/powerpoint/2010/main" val="809137058"/>
+      </p:ext>
+    </p:extLst>
+  </p:cSld>
+  <p:clrMapOvr>
+    <a:masterClrMapping/>
+  </p:clrMapOvr>
+  <p:transition spd="med"/>
+</p:sld>
+</file>
+
+<file path=ppt/slides/slide13.xml><?xml version="1.0" encoding="utf-8"?>
+<p:sld xmlns:a="http://schemas.openxmlformats.org/drawingml/2006/main" xmlns:r="http://schemas.openxmlformats.org/officeDocument/2006/relationships" xmlns:p="http://schemas.openxmlformats.org/presentationml/2006/main">
+  <p:cSld>
+    <p:spTree>
+      <p:nvGrpSpPr>
+        <p:cNvPr id="1" name=""/>
+        <p:cNvGrpSpPr/>
+        <p:nvPr/>
+      </p:nvGrpSpPr>
+      <p:grpSpPr>
+        <a:xfrm>
+          <a:off x="0" y="0"/>
+          <a:ext cx="0" cy="0"/>
+          <a:chOff x="0" y="0"/>
+          <a:chExt cx="0" cy="0"/>
+        </a:xfrm>
+      </p:grpSpPr>
+      <p:sp>
+        <p:nvSpPr>
+          <p:cNvPr id="6" name="Title 1">
+            <a:extLst>
+              <a:ext uri="{FF2B5EF4-FFF2-40B4-BE49-F238E27FC236}">
+                <a16:creationId xmlns:a16="http://schemas.microsoft.com/office/drawing/2014/main" id="{275F670A-8CB6-DEC3-FC1D-8BD9A5903CE3}"/>
+              </a:ext>
+            </a:extLst>
+          </p:cNvPr>
+          <p:cNvSpPr>
+            <a:spLocks noGrp="1"/>
+          </p:cNvSpPr>
+          <p:nvPr>
+            <p:ph type="title"/>
+          </p:nvPr>
+        </p:nvSpPr>
+        <p:spPr>
+          <a:xfrm>
             <a:off x="576071" y="384048"/>
             <a:ext cx="21630785" cy="4573587"/>
           </a:xfrm>
@@ -28985,7 +29756,7 @@
                   <a:srgbClr val="0F62FE"/>
                 </a:solidFill>
               </a:rPr>
-              <a:t>Implementing a chunk-oriented job</a:t>
+              <a:t>Implementing a chunk-oriented job #2</a:t>
             </a:r>
           </a:p>
         </p:txBody>
@@ -29171,19 +29942,6 @@
             <a:r>
               <a:rPr lang="en-US" sz="2800" dirty="0">
                 <a:solidFill>
-                  <a:srgbClr val="A8A8A8"/>
-                </a:solidFill>
-                <a:latin typeface="JetBrains Mono NL" panose="02000009000000000000" pitchFamily="49" charset="0"/>
-                <a:ea typeface="JetBrains Mono NL" panose="02000009000000000000" pitchFamily="49" charset="0"/>
-                <a:cs typeface="JetBrains Mono NL" panose="02000009000000000000" pitchFamily="49" charset="0"/>
-              </a:rPr>
-              <a:t>@StepScope</a:t>
-            </a:r>
-          </a:p>
-          <a:p>
-            <a:r>
-              <a:rPr lang="en-US" sz="2800" dirty="0">
-                <a:solidFill>
                   <a:srgbClr val="D02670"/>
                 </a:solidFill>
                 <a:latin typeface="JetBrains Mono NL" panose="02000009000000000000" pitchFamily="49" charset="0"/>
@@ -29270,7 +30028,121 @@
                 <a:ea typeface="JetBrains Mono NL" panose="02000009000000000000" pitchFamily="49" charset="0"/>
                 <a:cs typeface="JetBrains Mono NL" panose="02000009000000000000" pitchFamily="49" charset="0"/>
               </a:rPr>
-              <a:t>&lt;</a:t>
+              <a:t>&lt;T&gt;()</a:t>
+            </a:r>
+          </a:p>
+          <a:p>
+            <a:r>
+              <a:rPr lang="en-US" sz="2800" dirty="0">
+                <a:latin typeface="JetBrains Mono NL" panose="02000009000000000000" pitchFamily="49" charset="0"/>
+                <a:ea typeface="JetBrains Mono NL" panose="02000009000000000000" pitchFamily="49" charset="0"/>
+                <a:cs typeface="JetBrains Mono NL" panose="02000009000000000000" pitchFamily="49" charset="0"/>
+              </a:rPr>
+              <a:t>	.name(“</a:t>
+            </a:r>
+            <a:r>
+              <a:rPr lang="en-US" sz="2800" dirty="0" err="1">
+                <a:latin typeface="JetBrains Mono NL" panose="02000009000000000000" pitchFamily="49" charset="0"/>
+                <a:ea typeface="JetBrains Mono NL" panose="02000009000000000000" pitchFamily="49" charset="0"/>
+                <a:cs typeface="JetBrains Mono NL" panose="02000009000000000000" pitchFamily="49" charset="0"/>
+              </a:rPr>
+              <a:t>itemReader</a:t>
+            </a:r>
+            <a:r>
+              <a:rPr lang="en-US" sz="2800" dirty="0">
+                <a:latin typeface="JetBrains Mono NL" panose="02000009000000000000" pitchFamily="49" charset="0"/>
+                <a:ea typeface="JetBrains Mono NL" panose="02000009000000000000" pitchFamily="49" charset="0"/>
+                <a:cs typeface="JetBrains Mono NL" panose="02000009000000000000" pitchFamily="49" charset="0"/>
+              </a:rPr>
+              <a:t>”)</a:t>
+            </a:r>
+          </a:p>
+          <a:p>
+            <a:r>
+              <a:rPr lang="en-US" sz="2800" dirty="0">
+                <a:latin typeface="JetBrains Mono NL" panose="02000009000000000000" pitchFamily="49" charset="0"/>
+                <a:ea typeface="JetBrains Mono NL" panose="02000009000000000000" pitchFamily="49" charset="0"/>
+                <a:cs typeface="JetBrains Mono NL" panose="02000009000000000000" pitchFamily="49" charset="0"/>
+              </a:rPr>
+              <a:t>	.delimited()</a:t>
+            </a:r>
+          </a:p>
+          <a:p>
+            <a:r>
+              <a:rPr lang="en-US" sz="2800" dirty="0">
+                <a:latin typeface="JetBrains Mono NL" panose="02000009000000000000" pitchFamily="49" charset="0"/>
+                <a:ea typeface="JetBrains Mono NL" panose="02000009000000000000" pitchFamily="49" charset="0"/>
+                <a:cs typeface="JetBrains Mono NL" panose="02000009000000000000" pitchFamily="49" charset="0"/>
+              </a:rPr>
+              <a:t>	.delimiter(‘,’)</a:t>
+            </a:r>
+          </a:p>
+          <a:p>
+            <a:r>
+              <a:rPr lang="en-US" sz="2800" dirty="0">
+                <a:latin typeface="JetBrains Mono NL" panose="02000009000000000000" pitchFamily="49" charset="0"/>
+                <a:ea typeface="JetBrains Mono NL" panose="02000009000000000000" pitchFamily="49" charset="0"/>
+                <a:cs typeface="JetBrains Mono NL" panose="02000009000000000000" pitchFamily="49" charset="0"/>
+              </a:rPr>
+              <a:t>	.names(“</a:t>
+            </a:r>
+            <a:r>
+              <a:rPr lang="en-US" sz="2800" dirty="0" err="1">
+                <a:latin typeface="JetBrains Mono NL" panose="02000009000000000000" pitchFamily="49" charset="0"/>
+                <a:ea typeface="JetBrains Mono NL" panose="02000009000000000000" pitchFamily="49" charset="0"/>
+                <a:cs typeface="JetBrains Mono NL" panose="02000009000000000000" pitchFamily="49" charset="0"/>
+              </a:rPr>
+              <a:t>firstColumn</a:t>
+            </a:r>
+            <a:r>
+              <a:rPr lang="en-US" sz="2800" dirty="0">
+                <a:latin typeface="JetBrains Mono NL" panose="02000009000000000000" pitchFamily="49" charset="0"/>
+                <a:ea typeface="JetBrains Mono NL" panose="02000009000000000000" pitchFamily="49" charset="0"/>
+                <a:cs typeface="JetBrains Mono NL" panose="02000009000000000000" pitchFamily="49" charset="0"/>
+              </a:rPr>
+              <a:t>”, “</a:t>
+            </a:r>
+            <a:r>
+              <a:rPr lang="en-US" sz="2800" dirty="0" err="1">
+                <a:latin typeface="JetBrains Mono NL" panose="02000009000000000000" pitchFamily="49" charset="0"/>
+                <a:ea typeface="JetBrains Mono NL" panose="02000009000000000000" pitchFamily="49" charset="0"/>
+                <a:cs typeface="JetBrains Mono NL" panose="02000009000000000000" pitchFamily="49" charset="0"/>
+              </a:rPr>
+              <a:t>secondColumn</a:t>
+            </a:r>
+            <a:r>
+              <a:rPr lang="en-US" sz="2800" dirty="0">
+                <a:latin typeface="JetBrains Mono NL" panose="02000009000000000000" pitchFamily="49" charset="0"/>
+                <a:ea typeface="JetBrains Mono NL" panose="02000009000000000000" pitchFamily="49" charset="0"/>
+                <a:cs typeface="JetBrains Mono NL" panose="02000009000000000000" pitchFamily="49" charset="0"/>
+              </a:rPr>
+              <a:t>”)</a:t>
+            </a:r>
+          </a:p>
+          <a:p>
+            <a:r>
+              <a:rPr lang="en-US" sz="2800" dirty="0">
+                <a:latin typeface="JetBrains Mono NL" panose="02000009000000000000" pitchFamily="49" charset="0"/>
+                <a:ea typeface="JetBrains Mono NL" panose="02000009000000000000" pitchFamily="49" charset="0"/>
+                <a:cs typeface="JetBrains Mono NL" panose="02000009000000000000" pitchFamily="49" charset="0"/>
+              </a:rPr>
+              <a:t>	.</a:t>
+            </a:r>
+            <a:r>
+              <a:rPr lang="en-US" sz="2800" dirty="0" err="1">
+                <a:latin typeface="JetBrains Mono NL" panose="02000009000000000000" pitchFamily="49" charset="0"/>
+                <a:ea typeface="JetBrains Mono NL" panose="02000009000000000000" pitchFamily="49" charset="0"/>
+                <a:cs typeface="JetBrains Mono NL" panose="02000009000000000000" pitchFamily="49" charset="0"/>
+              </a:rPr>
+              <a:t>targetType</a:t>
+            </a:r>
+            <a:r>
+              <a:rPr lang="en-US" sz="2800" dirty="0">
+                <a:latin typeface="JetBrains Mono NL" panose="02000009000000000000" pitchFamily="49" charset="0"/>
+                <a:ea typeface="JetBrains Mono NL" panose="02000009000000000000" pitchFamily="49" charset="0"/>
+                <a:cs typeface="JetBrains Mono NL" panose="02000009000000000000" pitchFamily="49" charset="0"/>
+              </a:rPr>
+              <a:t>(</a:t>
             </a:r>
             <a:r>
               <a:rPr lang="en-US" sz="2800" dirty="0" err="1">
@@ -29286,7 +30158,7 @@
                 <a:ea typeface="JetBrains Mono NL" panose="02000009000000000000" pitchFamily="49" charset="0"/>
                 <a:cs typeface="JetBrains Mono NL" panose="02000009000000000000" pitchFamily="49" charset="0"/>
               </a:rPr>
-              <a:t>&gt;</a:t>
+              <a:t>)</a:t>
             </a:r>
           </a:p>
           <a:p>
@@ -29296,7 +30168,7 @@
                 <a:ea typeface="JetBrains Mono NL" panose="02000009000000000000" pitchFamily="49" charset="0"/>
                 <a:cs typeface="JetBrains Mono NL" panose="02000009000000000000" pitchFamily="49" charset="0"/>
               </a:rPr>
-              <a:t>	.name(“</a:t>
+              <a:t>	.resource(</a:t>
             </a:r>
             <a:r>
               <a:rPr lang="en-US" sz="2800" dirty="0" err="1">
@@ -29304,101 +30176,7 @@
                 <a:ea typeface="JetBrains Mono NL" panose="02000009000000000000" pitchFamily="49" charset="0"/>
                 <a:cs typeface="JetBrains Mono NL" panose="02000009000000000000" pitchFamily="49" charset="0"/>
               </a:rPr>
-              <a:t>itemReader</a:t>
-            </a:r>
-            <a:r>
-              <a:rPr lang="en-US" sz="2800" dirty="0">
-                <a:latin typeface="JetBrains Mono NL" panose="02000009000000000000" pitchFamily="49" charset="0"/>
-                <a:ea typeface="JetBrains Mono NL" panose="02000009000000000000" pitchFamily="49" charset="0"/>
-                <a:cs typeface="JetBrains Mono NL" panose="02000009000000000000" pitchFamily="49" charset="0"/>
-              </a:rPr>
-              <a:t>”)</a:t>
-            </a:r>
-          </a:p>
-          <a:p>
-            <a:r>
-              <a:rPr lang="en-US" sz="2800" dirty="0">
-                <a:latin typeface="JetBrains Mono NL" panose="02000009000000000000" pitchFamily="49" charset="0"/>
-                <a:ea typeface="JetBrains Mono NL" panose="02000009000000000000" pitchFamily="49" charset="0"/>
-                <a:cs typeface="JetBrains Mono NL" panose="02000009000000000000" pitchFamily="49" charset="0"/>
-              </a:rPr>
-              <a:t>	.delimited()</a:t>
-            </a:r>
-          </a:p>
-          <a:p>
-            <a:r>
-              <a:rPr lang="en-US" sz="2800" dirty="0">
-                <a:latin typeface="JetBrains Mono NL" panose="02000009000000000000" pitchFamily="49" charset="0"/>
-                <a:ea typeface="JetBrains Mono NL" panose="02000009000000000000" pitchFamily="49" charset="0"/>
-                <a:cs typeface="JetBrains Mono NL" panose="02000009000000000000" pitchFamily="49" charset="0"/>
-              </a:rPr>
-              <a:t>	.names(“</a:t>
-            </a:r>
-            <a:r>
-              <a:rPr lang="en-US" sz="2800" dirty="0" err="1">
-                <a:latin typeface="JetBrains Mono NL" panose="02000009000000000000" pitchFamily="49" charset="0"/>
-                <a:ea typeface="JetBrains Mono NL" panose="02000009000000000000" pitchFamily="49" charset="0"/>
-                <a:cs typeface="JetBrains Mono NL" panose="02000009000000000000" pitchFamily="49" charset="0"/>
-              </a:rPr>
-              <a:t>firstColumn</a:t>
-            </a:r>
-            <a:r>
-              <a:rPr lang="en-US" sz="2800" dirty="0">
-                <a:latin typeface="JetBrains Mono NL" panose="02000009000000000000" pitchFamily="49" charset="0"/>
-                <a:ea typeface="JetBrains Mono NL" panose="02000009000000000000" pitchFamily="49" charset="0"/>
-                <a:cs typeface="JetBrains Mono NL" panose="02000009000000000000" pitchFamily="49" charset="0"/>
-              </a:rPr>
-              <a:t>”, “</a:t>
-            </a:r>
-            <a:r>
-              <a:rPr lang="en-US" sz="2800" dirty="0" err="1">
-                <a:latin typeface="JetBrains Mono NL" panose="02000009000000000000" pitchFamily="49" charset="0"/>
-                <a:ea typeface="JetBrains Mono NL" panose="02000009000000000000" pitchFamily="49" charset="0"/>
-                <a:cs typeface="JetBrains Mono NL" panose="02000009000000000000" pitchFamily="49" charset="0"/>
-              </a:rPr>
-              <a:t>secondColumn</a:t>
-            </a:r>
-            <a:r>
-              <a:rPr lang="en-US" sz="2800" dirty="0">
-                <a:latin typeface="JetBrains Mono NL" panose="02000009000000000000" pitchFamily="49" charset="0"/>
-                <a:ea typeface="JetBrains Mono NL" panose="02000009000000000000" pitchFamily="49" charset="0"/>
-                <a:cs typeface="JetBrains Mono NL" panose="02000009000000000000" pitchFamily="49" charset="0"/>
-              </a:rPr>
-              <a:t>”)</a:t>
-            </a:r>
-          </a:p>
-          <a:p>
-            <a:r>
-              <a:rPr lang="en-US" sz="2800" dirty="0">
-                <a:latin typeface="JetBrains Mono NL" panose="02000009000000000000" pitchFamily="49" charset="0"/>
-                <a:ea typeface="JetBrains Mono NL" panose="02000009000000000000" pitchFamily="49" charset="0"/>
-                <a:cs typeface="JetBrains Mono NL" panose="02000009000000000000" pitchFamily="49" charset="0"/>
-              </a:rPr>
-              <a:t>	.</a:t>
-            </a:r>
-            <a:r>
-              <a:rPr lang="en-US" sz="2800" dirty="0" err="1">
-                <a:latin typeface="JetBrains Mono NL" panose="02000009000000000000" pitchFamily="49" charset="0"/>
-                <a:ea typeface="JetBrains Mono NL" panose="02000009000000000000" pitchFamily="49" charset="0"/>
-                <a:cs typeface="JetBrains Mono NL" panose="02000009000000000000" pitchFamily="49" charset="0"/>
-              </a:rPr>
-              <a:t>targetType</a:t>
-            </a:r>
-            <a:r>
-              <a:rPr lang="en-US" sz="2800" dirty="0">
-                <a:latin typeface="JetBrains Mono NL" panose="02000009000000000000" pitchFamily="49" charset="0"/>
-                <a:ea typeface="JetBrains Mono NL" panose="02000009000000000000" pitchFamily="49" charset="0"/>
-                <a:cs typeface="JetBrains Mono NL" panose="02000009000000000000" pitchFamily="49" charset="0"/>
-              </a:rPr>
-              <a:t>(</a:t>
-            </a:r>
-            <a:r>
-              <a:rPr lang="en-US" sz="2800" dirty="0" err="1">
-                <a:latin typeface="JetBrains Mono NL" panose="02000009000000000000" pitchFamily="49" charset="0"/>
-                <a:ea typeface="JetBrains Mono NL" panose="02000009000000000000" pitchFamily="49" charset="0"/>
-                <a:cs typeface="JetBrains Mono NL" panose="02000009000000000000" pitchFamily="49" charset="0"/>
-              </a:rPr>
-              <a:t>T.class</a:t>
+              <a:t>customFile</a:t>
             </a:r>
             <a:r>
               <a:rPr lang="en-US" sz="2800" dirty="0">
@@ -29416,32 +30194,6 @@
                 <a:ea typeface="JetBrains Mono NL" panose="02000009000000000000" pitchFamily="49" charset="0"/>
                 <a:cs typeface="JetBrains Mono NL" panose="02000009000000000000" pitchFamily="49" charset="0"/>
               </a:rPr>
-              <a:t>	.resource(</a:t>
-            </a:r>
-            <a:r>
-              <a:rPr lang="en-US" sz="2800" dirty="0" err="1">
-                <a:latin typeface="JetBrains Mono NL" panose="02000009000000000000" pitchFamily="49" charset="0"/>
-                <a:ea typeface="JetBrains Mono NL" panose="02000009000000000000" pitchFamily="49" charset="0"/>
-                <a:cs typeface="JetBrains Mono NL" panose="02000009000000000000" pitchFamily="49" charset="0"/>
-              </a:rPr>
-              <a:t>customFile</a:t>
-            </a:r>
-            <a:r>
-              <a:rPr lang="en-US" sz="2800" dirty="0">
-                <a:latin typeface="JetBrains Mono NL" panose="02000009000000000000" pitchFamily="49" charset="0"/>
-                <a:ea typeface="JetBrains Mono NL" panose="02000009000000000000" pitchFamily="49" charset="0"/>
-                <a:cs typeface="JetBrains Mono NL" panose="02000009000000000000" pitchFamily="49" charset="0"/>
-              </a:rPr>
-              <a:t>)</a:t>
-            </a:r>
-          </a:p>
-          <a:p>
-            <a:r>
-              <a:rPr lang="en-US" sz="2800" dirty="0">
-                <a:latin typeface="JetBrains Mono NL" panose="02000009000000000000" pitchFamily="49" charset="0"/>
-                <a:ea typeface="JetBrains Mono NL" panose="02000009000000000000" pitchFamily="49" charset="0"/>
-                <a:cs typeface="JetBrains Mono NL" panose="02000009000000000000" pitchFamily="49" charset="0"/>
-              </a:rPr>
               <a:t>	.build();</a:t>
             </a:r>
           </a:p>
@@ -29472,7 +30224,7 @@
         <p:spPr>
           <a:xfrm>
             <a:off x="12948464" y="2239953"/>
-            <a:ext cx="11049872" cy="4401205"/>
+            <a:ext cx="11049872" cy="3970318"/>
           </a:xfrm>
           <a:prstGeom prst="rect">
             <a:avLst/>
@@ -29509,19 +30261,6 @@
             <a:r>
               <a:rPr lang="en-US" sz="2800" dirty="0">
                 <a:solidFill>
-                  <a:srgbClr val="A8A8A8"/>
-                </a:solidFill>
-                <a:latin typeface="JetBrains Mono NL" panose="02000009000000000000" pitchFamily="49" charset="0"/>
-                <a:ea typeface="JetBrains Mono NL" panose="02000009000000000000" pitchFamily="49" charset="0"/>
-                <a:cs typeface="JetBrains Mono NL" panose="02000009000000000000" pitchFamily="49" charset="0"/>
-              </a:rPr>
-              <a:t>@StepScope</a:t>
-            </a:r>
-          </a:p>
-          <a:p>
-            <a:r>
-              <a:rPr lang="en-US" sz="2800" dirty="0">
-                <a:solidFill>
                   <a:srgbClr val="D02670"/>
                 </a:solidFill>
                 <a:latin typeface="JetBrains Mono NL" panose="02000009000000000000" pitchFamily="49" charset="0"/>
@@ -29724,7 +30463,7 @@
         <p:spPr>
           <a:xfrm>
             <a:off x="1911253" y="7520776"/>
-            <a:ext cx="21907969" cy="4401205"/>
+            <a:ext cx="21907969" cy="3970318"/>
           </a:xfrm>
           <a:prstGeom prst="rect">
             <a:avLst/>
@@ -29761,19 +30500,6 @@
             <a:r>
               <a:rPr lang="en-US" sz="2800" dirty="0">
                 <a:solidFill>
-                  <a:srgbClr val="A8A8A8"/>
-                </a:solidFill>
-                <a:latin typeface="JetBrains Mono NL" panose="02000009000000000000" pitchFamily="49" charset="0"/>
-                <a:ea typeface="JetBrains Mono NL" panose="02000009000000000000" pitchFamily="49" charset="0"/>
-                <a:cs typeface="JetBrains Mono NL" panose="02000009000000000000" pitchFamily="49" charset="0"/>
-              </a:rPr>
-              <a:t>@StepScope</a:t>
-            </a:r>
-          </a:p>
-          <a:p>
-            <a:r>
-              <a:rPr lang="en-US" sz="2800" dirty="0">
-                <a:solidFill>
                   <a:srgbClr val="D02670"/>
                 </a:solidFill>
                 <a:latin typeface="JetBrains Mono NL" panose="02000009000000000000" pitchFamily="49" charset="0"/>
@@ -29933,7 +30659,7 @@
                 <a:ea typeface="JetBrains Mono NL" panose="02000009000000000000" pitchFamily="49" charset="0"/>
                 <a:cs typeface="JetBrains Mono NL" panose="02000009000000000000" pitchFamily="49" charset="0"/>
               </a:rPr>
-              <a:t>("INSERT INTO CUSTOM_TBL VALUES (:id, :</a:t>
+              <a:t>(“INSERT INTO CUSTOM_TBL VALUES (:id, :</a:t>
             </a:r>
             <a:r>
               <a:rPr lang="en-US" sz="2800" dirty="0" err="1">
@@ -29965,7 +30691,7 @@
                 <a:ea typeface="JetBrains Mono NL" panose="02000009000000000000" pitchFamily="49" charset="0"/>
                 <a:cs typeface="JetBrains Mono NL" panose="02000009000000000000" pitchFamily="49" charset="0"/>
               </a:rPr>
-              <a:t>)");</a:t>
+              <a:t>)”);</a:t>
             </a:r>
           </a:p>
           <a:p>
@@ -30349,7 +31075,7 @@
 </p:sld>
 </file>
 
-<file path=ppt/slides/slide13.xml><?xml version="1.0" encoding="utf-8"?>
+<file path=ppt/slides/slide14.xml><?xml version="1.0" encoding="utf-8"?>
 <p:sld xmlns:a="http://schemas.openxmlformats.org/drawingml/2006/main" xmlns:r="http://schemas.openxmlformats.org/officeDocument/2006/relationships" xmlns:p="http://schemas.openxmlformats.org/presentationml/2006/main">
   <p:cSld>
     <p:spTree>
@@ -30385,7 +31111,7 @@
         <p:spPr>
           <a:xfrm>
             <a:off x="576072" y="384048"/>
-            <a:ext cx="17040124" cy="4573587"/>
+            <a:ext cx="21780074" cy="4573587"/>
           </a:xfrm>
         </p:spPr>
         <p:txBody>
@@ -30398,7 +31124,7 @@
                   <a:srgbClr val="0F62FE"/>
                 </a:solidFill>
               </a:rPr>
-              <a:t>XML-based job configuration</a:t>
+              <a:t>XML-based (chunk-oriented) job configuration</a:t>
             </a:r>
           </a:p>
         </p:txBody>
@@ -31382,7 +32108,1254 @@
 </p:sld>
 </file>
 
-<file path=ppt/slides/slide14.xml><?xml version="1.0" encoding="utf-8"?>
+<file path=ppt/slides/slide15.xml><?xml version="1.0" encoding="utf-8"?>
+<p:sld xmlns:a="http://schemas.openxmlformats.org/drawingml/2006/main" xmlns:r="http://schemas.openxmlformats.org/officeDocument/2006/relationships" xmlns:p="http://schemas.openxmlformats.org/presentationml/2006/main">
+  <p:cSld>
+    <p:spTree>
+      <p:nvGrpSpPr>
+        <p:cNvPr id="1" name="">
+          <a:extLst>
+            <a:ext uri="{FF2B5EF4-FFF2-40B4-BE49-F238E27FC236}">
+              <a16:creationId xmlns:a16="http://schemas.microsoft.com/office/drawing/2014/main" id="{5DC174C3-D0EC-EC30-B01C-482BB991A240}"/>
+            </a:ext>
+          </a:extLst>
+        </p:cNvPr>
+        <p:cNvGrpSpPr/>
+        <p:nvPr/>
+      </p:nvGrpSpPr>
+      <p:grpSpPr>
+        <a:xfrm>
+          <a:off x="0" y="0"/>
+          <a:ext cx="0" cy="0"/>
+          <a:chOff x="0" y="0"/>
+          <a:chExt cx="0" cy="0"/>
+        </a:xfrm>
+      </p:grpSpPr>
+      <p:sp>
+        <p:nvSpPr>
+          <p:cNvPr id="6" name="Title 1">
+            <a:extLst>
+              <a:ext uri="{FF2B5EF4-FFF2-40B4-BE49-F238E27FC236}">
+                <a16:creationId xmlns:a16="http://schemas.microsoft.com/office/drawing/2014/main" id="{3125D958-0AE7-805C-FDD4-07807FBE6E0A}"/>
+              </a:ext>
+            </a:extLst>
+          </p:cNvPr>
+          <p:cNvSpPr>
+            <a:spLocks noGrp="1"/>
+          </p:cNvSpPr>
+          <p:nvPr>
+            <p:ph type="title"/>
+          </p:nvPr>
+        </p:nvSpPr>
+        <p:spPr>
+          <a:xfrm>
+            <a:off x="576072" y="384048"/>
+            <a:ext cx="17040124" cy="4573587"/>
+          </a:xfrm>
+        </p:spPr>
+        <p:txBody>
+          <a:bodyPr/>
+          <a:lstStyle/>
+          <a:p>
+            <a:r>
+              <a:rPr lang="en-US" sz="7200" dirty="0">
+                <a:solidFill>
+                  <a:srgbClr val="0F62FE"/>
+                </a:solidFill>
+              </a:rPr>
+              <a:t>Implementing a </a:t>
+            </a:r>
+            <a:r>
+              <a:rPr lang="en-US" sz="7200" dirty="0" err="1">
+                <a:solidFill>
+                  <a:srgbClr val="0F62FE"/>
+                </a:solidFill>
+              </a:rPr>
+              <a:t>tasklet</a:t>
+            </a:r>
+            <a:r>
+              <a:rPr lang="en-US" sz="7200" dirty="0">
+                <a:solidFill>
+                  <a:srgbClr val="0F62FE"/>
+                </a:solidFill>
+              </a:rPr>
+              <a:t>-based job</a:t>
+            </a:r>
+          </a:p>
+        </p:txBody>
+      </p:sp>
+      <p:sp>
+        <p:nvSpPr>
+          <p:cNvPr id="3" name="Footer Placeholder 4">
+            <a:extLst>
+              <a:ext uri="{FF2B5EF4-FFF2-40B4-BE49-F238E27FC236}">
+                <a16:creationId xmlns:a16="http://schemas.microsoft.com/office/drawing/2014/main" id="{E09D93DB-144A-9246-6303-F73325AD66A5}"/>
+              </a:ext>
+            </a:extLst>
+          </p:cNvPr>
+          <p:cNvSpPr txBox="1">
+            <a:spLocks/>
+          </p:cNvSpPr>
+          <p:nvPr/>
+        </p:nvSpPr>
+        <p:spPr>
+          <a:xfrm>
+            <a:off x="20730172" y="12801599"/>
+            <a:ext cx="2950899" cy="690465"/>
+          </a:xfrm>
+          <a:prstGeom prst="rect">
+            <a:avLst/>
+          </a:prstGeom>
+        </p:spPr>
+        <p:txBody>
+          <a:bodyPr anchor="ctr"/>
+          <a:lstStyle>
+            <a:defPPr>
+              <a:defRPr lang="en-US"/>
+            </a:defPPr>
+            <a:lvl1pPr marL="0" algn="l" defTabSz="1829379" rtl="0" eaLnBrk="1" latinLnBrk="0" hangingPunct="1">
+              <a:defRPr sz="3600" kern="1200">
+                <a:solidFill>
+                  <a:schemeClr val="tx1"/>
+                </a:solidFill>
+                <a:latin typeface="+mn-lt"/>
+                <a:ea typeface="+mn-ea"/>
+                <a:cs typeface="+mn-cs"/>
+              </a:defRPr>
+            </a:lvl1pPr>
+            <a:lvl2pPr marL="914688" algn="l" defTabSz="1829379" rtl="0" eaLnBrk="1" latinLnBrk="0" hangingPunct="1">
+              <a:defRPr sz="3600" kern="1200">
+                <a:solidFill>
+                  <a:schemeClr val="tx1"/>
+                </a:solidFill>
+                <a:latin typeface="+mn-lt"/>
+                <a:ea typeface="+mn-ea"/>
+                <a:cs typeface="+mn-cs"/>
+              </a:defRPr>
+            </a:lvl2pPr>
+            <a:lvl3pPr marL="1829379" algn="l" defTabSz="1829379" rtl="0" eaLnBrk="1" latinLnBrk="0" hangingPunct="1">
+              <a:defRPr sz="3600" kern="1200">
+                <a:solidFill>
+                  <a:schemeClr val="tx1"/>
+                </a:solidFill>
+                <a:latin typeface="+mn-lt"/>
+                <a:ea typeface="+mn-ea"/>
+                <a:cs typeface="+mn-cs"/>
+              </a:defRPr>
+            </a:lvl3pPr>
+            <a:lvl4pPr marL="2744068" algn="l" defTabSz="1829379" rtl="0" eaLnBrk="1" latinLnBrk="0" hangingPunct="1">
+              <a:defRPr sz="3600" kern="1200">
+                <a:solidFill>
+                  <a:schemeClr val="tx1"/>
+                </a:solidFill>
+                <a:latin typeface="+mn-lt"/>
+                <a:ea typeface="+mn-ea"/>
+                <a:cs typeface="+mn-cs"/>
+              </a:defRPr>
+            </a:lvl4pPr>
+            <a:lvl5pPr marL="3658759" algn="l" defTabSz="1829379" rtl="0" eaLnBrk="1" latinLnBrk="0" hangingPunct="1">
+              <a:defRPr sz="3600" kern="1200">
+                <a:solidFill>
+                  <a:schemeClr val="tx1"/>
+                </a:solidFill>
+                <a:latin typeface="+mn-lt"/>
+                <a:ea typeface="+mn-ea"/>
+                <a:cs typeface="+mn-cs"/>
+              </a:defRPr>
+            </a:lvl5pPr>
+            <a:lvl6pPr marL="4573447" algn="l" defTabSz="1829379" rtl="0" eaLnBrk="1" latinLnBrk="0" hangingPunct="1">
+              <a:defRPr sz="3600" kern="1200">
+                <a:solidFill>
+                  <a:schemeClr val="tx1"/>
+                </a:solidFill>
+                <a:latin typeface="+mn-lt"/>
+                <a:ea typeface="+mn-ea"/>
+                <a:cs typeface="+mn-cs"/>
+              </a:defRPr>
+            </a:lvl6pPr>
+            <a:lvl7pPr marL="5488138" algn="l" defTabSz="1829379" rtl="0" eaLnBrk="1" latinLnBrk="0" hangingPunct="1">
+              <a:defRPr sz="3600" kern="1200">
+                <a:solidFill>
+                  <a:schemeClr val="tx1"/>
+                </a:solidFill>
+                <a:latin typeface="+mn-lt"/>
+                <a:ea typeface="+mn-ea"/>
+                <a:cs typeface="+mn-cs"/>
+              </a:defRPr>
+            </a:lvl7pPr>
+            <a:lvl8pPr marL="6402827" algn="l" defTabSz="1829379" rtl="0" eaLnBrk="1" latinLnBrk="0" hangingPunct="1">
+              <a:defRPr sz="3600" kern="1200">
+                <a:solidFill>
+                  <a:schemeClr val="tx1"/>
+                </a:solidFill>
+                <a:latin typeface="+mn-lt"/>
+                <a:ea typeface="+mn-ea"/>
+                <a:cs typeface="+mn-cs"/>
+              </a:defRPr>
+            </a:lvl8pPr>
+            <a:lvl9pPr marL="7317518" algn="l" defTabSz="1829379" rtl="0" eaLnBrk="1" latinLnBrk="0" hangingPunct="1">
+              <a:defRPr sz="3600" kern="1200">
+                <a:solidFill>
+                  <a:schemeClr val="tx1"/>
+                </a:solidFill>
+                <a:latin typeface="+mn-lt"/>
+                <a:ea typeface="+mn-ea"/>
+                <a:cs typeface="+mn-cs"/>
+              </a:defRPr>
+            </a:lvl9pPr>
+          </a:lstStyle>
+          <a:p>
+            <a:pPr algn="r"/>
+            <a:r>
+              <a:rPr lang="en-US" sz="1600" dirty="0"/>
+              <a:t>Introduction to Spring Batch</a:t>
+            </a:r>
+          </a:p>
+        </p:txBody>
+      </p:sp>
+      <p:sp>
+        <p:nvSpPr>
+          <p:cNvPr id="9" name="TextBox 8">
+            <a:extLst>
+              <a:ext uri="{FF2B5EF4-FFF2-40B4-BE49-F238E27FC236}">
+                <a16:creationId xmlns:a16="http://schemas.microsoft.com/office/drawing/2014/main" id="{F73FD6B5-BF7A-EA12-976B-51DD784ED0C9}"/>
+              </a:ext>
+            </a:extLst>
+          </p:cNvPr>
+          <p:cNvSpPr txBox="1"/>
+          <p:nvPr/>
+        </p:nvSpPr>
+        <p:spPr>
+          <a:xfrm>
+            <a:off x="576071" y="2493593"/>
+            <a:ext cx="23485200" cy="6124754"/>
+          </a:xfrm>
+          <a:prstGeom prst="rect">
+            <a:avLst/>
+          </a:prstGeom>
+          <a:noFill/>
+          <a:ln w="12700">
+            <a:miter lim="400000"/>
+          </a:ln>
+          <a:extLst>
+            <a:ext uri="{C572A759-6A51-4108-AA02-DFA0A04FC94B}">
+              <ma14:wrappingTextBoxFlag xmlns="" xmlns:m="http://schemas.openxmlformats.org/officeDocument/2006/math" xmlns:a14="http://schemas.microsoft.com/office/drawing/2010/main" xmlns:ma14="http://schemas.microsoft.com/office/mac/drawingml/2011/main" val="1"/>
+            </a:ext>
+          </a:extLst>
+        </p:spPr>
+        <p:txBody>
+          <a:bodyPr wrap="square">
+            <a:spAutoFit/>
+          </a:bodyPr>
+          <a:lstStyle/>
+          <a:p>
+            <a:r>
+              <a:rPr lang="en-US" sz="2800" dirty="0">
+                <a:solidFill>
+                  <a:srgbClr val="A8A8A8"/>
+                </a:solidFill>
+                <a:latin typeface="JetBrains Mono NL" panose="02000009000000000000" pitchFamily="49" charset="0"/>
+                <a:ea typeface="JetBrains Mono NL" panose="02000009000000000000" pitchFamily="49" charset="0"/>
+                <a:cs typeface="JetBrains Mono NL" panose="02000009000000000000" pitchFamily="49" charset="0"/>
+              </a:rPr>
+              <a:t>@Bean</a:t>
+            </a:r>
+          </a:p>
+          <a:p>
+            <a:r>
+              <a:rPr lang="en-US" sz="2800" dirty="0">
+                <a:solidFill>
+                  <a:srgbClr val="D02670"/>
+                </a:solidFill>
+                <a:latin typeface="JetBrains Mono NL" panose="02000009000000000000" pitchFamily="49" charset="0"/>
+                <a:ea typeface="JetBrains Mono NL" panose="02000009000000000000" pitchFamily="49" charset="0"/>
+                <a:cs typeface="JetBrains Mono NL" panose="02000009000000000000" pitchFamily="49" charset="0"/>
+              </a:rPr>
+              <a:t>public</a:t>
+            </a:r>
+            <a:r>
+              <a:rPr lang="en-US" sz="2800" dirty="0">
+                <a:latin typeface="JetBrains Mono NL" panose="02000009000000000000" pitchFamily="49" charset="0"/>
+                <a:ea typeface="JetBrains Mono NL" panose="02000009000000000000" pitchFamily="49" charset="0"/>
+                <a:cs typeface="JetBrains Mono NL" panose="02000009000000000000" pitchFamily="49" charset="0"/>
+              </a:rPr>
+              <a:t> Job </a:t>
+            </a:r>
+            <a:r>
+              <a:rPr lang="en-US" sz="2800" dirty="0" err="1">
+                <a:solidFill>
+                  <a:srgbClr val="D02670"/>
+                </a:solidFill>
+                <a:latin typeface="JetBrains Mono NL" panose="02000009000000000000" pitchFamily="49" charset="0"/>
+                <a:ea typeface="JetBrains Mono NL" panose="02000009000000000000" pitchFamily="49" charset="0"/>
+                <a:cs typeface="JetBrains Mono NL" panose="02000009000000000000" pitchFamily="49" charset="0"/>
+              </a:rPr>
+              <a:t>customJob</a:t>
+            </a:r>
+            <a:r>
+              <a:rPr lang="en-US" sz="2800" dirty="0">
+                <a:latin typeface="JetBrains Mono NL" panose="02000009000000000000" pitchFamily="49" charset="0"/>
+                <a:ea typeface="JetBrains Mono NL" panose="02000009000000000000" pitchFamily="49" charset="0"/>
+                <a:cs typeface="JetBrains Mono NL" panose="02000009000000000000" pitchFamily="49" charset="0"/>
+              </a:rPr>
+              <a:t>() {</a:t>
+            </a:r>
+          </a:p>
+          <a:p>
+            <a:r>
+              <a:rPr lang="en-US" sz="2800" dirty="0">
+                <a:latin typeface="JetBrains Mono NL" panose="02000009000000000000" pitchFamily="49" charset="0"/>
+                <a:ea typeface="JetBrains Mono NL" panose="02000009000000000000" pitchFamily="49" charset="0"/>
+                <a:cs typeface="JetBrains Mono NL" panose="02000009000000000000" pitchFamily="49" charset="0"/>
+              </a:rPr>
+              <a:t>  </a:t>
+            </a:r>
+            <a:r>
+              <a:rPr lang="en-US" sz="2800" dirty="0">
+                <a:solidFill>
+                  <a:srgbClr val="D02670"/>
+                </a:solidFill>
+                <a:latin typeface="JetBrains Mono NL" panose="02000009000000000000" pitchFamily="49" charset="0"/>
+                <a:ea typeface="JetBrains Mono NL" panose="02000009000000000000" pitchFamily="49" charset="0"/>
+                <a:cs typeface="JetBrains Mono NL" panose="02000009000000000000" pitchFamily="49" charset="0"/>
+              </a:rPr>
+              <a:t>return new </a:t>
+            </a:r>
+            <a:r>
+              <a:rPr lang="en-US" sz="2800" dirty="0" err="1">
+                <a:latin typeface="JetBrains Mono NL" panose="02000009000000000000" pitchFamily="49" charset="0"/>
+                <a:ea typeface="JetBrains Mono NL" panose="02000009000000000000" pitchFamily="49" charset="0"/>
+                <a:cs typeface="JetBrains Mono NL" panose="02000009000000000000" pitchFamily="49" charset="0"/>
+              </a:rPr>
+              <a:t>JobBuilder</a:t>
+            </a:r>
+            <a:r>
+              <a:rPr lang="en-US" sz="2800" dirty="0">
+                <a:latin typeface="JetBrains Mono NL" panose="02000009000000000000" pitchFamily="49" charset="0"/>
+                <a:ea typeface="JetBrains Mono NL" panose="02000009000000000000" pitchFamily="49" charset="0"/>
+                <a:cs typeface="JetBrains Mono NL" panose="02000009000000000000" pitchFamily="49" charset="0"/>
+              </a:rPr>
+              <a:t>(“</a:t>
+            </a:r>
+            <a:r>
+              <a:rPr lang="en-US" sz="2800" dirty="0" err="1">
+                <a:latin typeface="JetBrains Mono NL" panose="02000009000000000000" pitchFamily="49" charset="0"/>
+                <a:ea typeface="JetBrains Mono NL" panose="02000009000000000000" pitchFamily="49" charset="0"/>
+                <a:cs typeface="JetBrains Mono NL" panose="02000009000000000000" pitchFamily="49" charset="0"/>
+              </a:rPr>
+              <a:t>customJob</a:t>
+            </a:r>
+            <a:r>
+              <a:rPr lang="en-US" sz="2800" dirty="0">
+                <a:latin typeface="JetBrains Mono NL" panose="02000009000000000000" pitchFamily="49" charset="0"/>
+                <a:ea typeface="JetBrains Mono NL" panose="02000009000000000000" pitchFamily="49" charset="0"/>
+                <a:cs typeface="JetBrains Mono NL" panose="02000009000000000000" pitchFamily="49" charset="0"/>
+              </a:rPr>
+              <a:t>”, </a:t>
+            </a:r>
+            <a:r>
+              <a:rPr lang="en-US" sz="2800" dirty="0" err="1">
+                <a:latin typeface="JetBrains Mono NL" panose="02000009000000000000" pitchFamily="49" charset="0"/>
+                <a:ea typeface="JetBrains Mono NL" panose="02000009000000000000" pitchFamily="49" charset="0"/>
+                <a:cs typeface="JetBrains Mono NL" panose="02000009000000000000" pitchFamily="49" charset="0"/>
+              </a:rPr>
+              <a:t>jobRepository</a:t>
+            </a:r>
+            <a:r>
+              <a:rPr lang="en-US" sz="2800" dirty="0">
+                <a:latin typeface="JetBrains Mono NL" panose="02000009000000000000" pitchFamily="49" charset="0"/>
+                <a:ea typeface="JetBrains Mono NL" panose="02000009000000000000" pitchFamily="49" charset="0"/>
+                <a:cs typeface="JetBrains Mono NL" panose="02000009000000000000" pitchFamily="49" charset="0"/>
+              </a:rPr>
+              <a:t>)</a:t>
+            </a:r>
+          </a:p>
+          <a:p>
+            <a:r>
+              <a:rPr lang="en-US" sz="2800" dirty="0">
+                <a:latin typeface="JetBrains Mono NL" panose="02000009000000000000" pitchFamily="49" charset="0"/>
+                <a:ea typeface="JetBrains Mono NL" panose="02000009000000000000" pitchFamily="49" charset="0"/>
+                <a:cs typeface="JetBrains Mono NL" panose="02000009000000000000" pitchFamily="49" charset="0"/>
+              </a:rPr>
+              <a:t>    .start(</a:t>
+            </a:r>
+            <a:r>
+              <a:rPr lang="en-US" sz="2800" dirty="0" err="1">
+                <a:latin typeface="JetBrains Mono NL" panose="02000009000000000000" pitchFamily="49" charset="0"/>
+                <a:ea typeface="JetBrains Mono NL" panose="02000009000000000000" pitchFamily="49" charset="0"/>
+                <a:cs typeface="JetBrains Mono NL" panose="02000009000000000000" pitchFamily="49" charset="0"/>
+              </a:rPr>
+              <a:t>customStep</a:t>
+            </a:r>
+            <a:r>
+              <a:rPr lang="en-US" sz="2800" dirty="0">
+                <a:latin typeface="JetBrains Mono NL" panose="02000009000000000000" pitchFamily="49" charset="0"/>
+                <a:ea typeface="JetBrains Mono NL" panose="02000009000000000000" pitchFamily="49" charset="0"/>
+                <a:cs typeface="JetBrains Mono NL" panose="02000009000000000000" pitchFamily="49" charset="0"/>
+              </a:rPr>
+              <a:t>())</a:t>
+            </a:r>
+          </a:p>
+          <a:p>
+            <a:r>
+              <a:rPr lang="en-US" sz="2800" dirty="0">
+                <a:solidFill>
+                  <a:schemeClr val="bg1">
+                    <a:lumMod val="65000"/>
+                  </a:schemeClr>
+                </a:solidFill>
+                <a:latin typeface="JetBrains Mono NL" panose="02000009000000000000" pitchFamily="49" charset="0"/>
+                <a:ea typeface="JetBrains Mono NL" panose="02000009000000000000" pitchFamily="49" charset="0"/>
+                <a:cs typeface="JetBrains Mono NL" panose="02000009000000000000" pitchFamily="49" charset="0"/>
+              </a:rPr>
+              <a:t>    .next(…) // …</a:t>
+            </a:r>
+          </a:p>
+          <a:p>
+            <a:r>
+              <a:rPr lang="en-US" sz="2800" dirty="0">
+                <a:latin typeface="JetBrains Mono NL" panose="02000009000000000000" pitchFamily="49" charset="0"/>
+                <a:ea typeface="JetBrains Mono NL" panose="02000009000000000000" pitchFamily="49" charset="0"/>
+                <a:cs typeface="JetBrains Mono NL" panose="02000009000000000000" pitchFamily="49" charset="0"/>
+              </a:rPr>
+              <a:t>    .build();</a:t>
+            </a:r>
+          </a:p>
+          <a:p>
+            <a:r>
+              <a:rPr lang="en-US" sz="2800" dirty="0">
+                <a:latin typeface="JetBrains Mono NL" panose="02000009000000000000" pitchFamily="49" charset="0"/>
+                <a:ea typeface="JetBrains Mono NL" panose="02000009000000000000" pitchFamily="49" charset="0"/>
+                <a:cs typeface="JetBrains Mono NL" panose="02000009000000000000" pitchFamily="49" charset="0"/>
+              </a:rPr>
+              <a:t>}</a:t>
+            </a:r>
+          </a:p>
+          <a:p>
+            <a:endParaRPr lang="en-US" sz="2800" dirty="0">
+              <a:latin typeface="JetBrains Mono NL" panose="02000009000000000000" pitchFamily="49" charset="0"/>
+              <a:ea typeface="JetBrains Mono NL" panose="02000009000000000000" pitchFamily="49" charset="0"/>
+              <a:cs typeface="JetBrains Mono NL" panose="02000009000000000000" pitchFamily="49" charset="0"/>
+            </a:endParaRPr>
+          </a:p>
+          <a:p>
+            <a:r>
+              <a:rPr lang="en-US" sz="2800" dirty="0">
+                <a:solidFill>
+                  <a:srgbClr val="A8A8A8"/>
+                </a:solidFill>
+                <a:latin typeface="JetBrains Mono NL" panose="02000009000000000000" pitchFamily="49" charset="0"/>
+                <a:ea typeface="JetBrains Mono NL" panose="02000009000000000000" pitchFamily="49" charset="0"/>
+                <a:cs typeface="JetBrains Mono NL" panose="02000009000000000000" pitchFamily="49" charset="0"/>
+              </a:rPr>
+              <a:t>@Bean</a:t>
+            </a:r>
+          </a:p>
+          <a:p>
+            <a:r>
+              <a:rPr lang="en-US" sz="2800" dirty="0">
+                <a:solidFill>
+                  <a:srgbClr val="D02670"/>
+                </a:solidFill>
+                <a:latin typeface="JetBrains Mono NL" panose="02000009000000000000" pitchFamily="49" charset="0"/>
+                <a:ea typeface="JetBrains Mono NL" panose="02000009000000000000" pitchFamily="49" charset="0"/>
+                <a:cs typeface="JetBrains Mono NL" panose="02000009000000000000" pitchFamily="49" charset="0"/>
+              </a:rPr>
+              <a:t>public</a:t>
+            </a:r>
+            <a:r>
+              <a:rPr lang="en-US" sz="2800" dirty="0">
+                <a:latin typeface="JetBrains Mono NL" panose="02000009000000000000" pitchFamily="49" charset="0"/>
+                <a:ea typeface="JetBrains Mono NL" panose="02000009000000000000" pitchFamily="49" charset="0"/>
+                <a:cs typeface="JetBrains Mono NL" panose="02000009000000000000" pitchFamily="49" charset="0"/>
+              </a:rPr>
+              <a:t> Step </a:t>
+            </a:r>
+            <a:r>
+              <a:rPr lang="en-US" sz="2800" dirty="0" err="1">
+                <a:solidFill>
+                  <a:srgbClr val="D02670"/>
+                </a:solidFill>
+                <a:latin typeface="JetBrains Mono NL" panose="02000009000000000000" pitchFamily="49" charset="0"/>
+                <a:ea typeface="JetBrains Mono NL" panose="02000009000000000000" pitchFamily="49" charset="0"/>
+                <a:cs typeface="JetBrains Mono NL" panose="02000009000000000000" pitchFamily="49" charset="0"/>
+              </a:rPr>
+              <a:t>customStep</a:t>
+            </a:r>
+            <a:r>
+              <a:rPr lang="en-US" sz="2800" dirty="0">
+                <a:latin typeface="JetBrains Mono NL" panose="02000009000000000000" pitchFamily="49" charset="0"/>
+                <a:ea typeface="JetBrains Mono NL" panose="02000009000000000000" pitchFamily="49" charset="0"/>
+                <a:cs typeface="JetBrains Mono NL" panose="02000009000000000000" pitchFamily="49" charset="0"/>
+              </a:rPr>
+              <a:t>() {</a:t>
+            </a:r>
+          </a:p>
+          <a:p>
+            <a:r>
+              <a:rPr lang="en-US" sz="2800" dirty="0">
+                <a:latin typeface="JetBrains Mono NL" panose="02000009000000000000" pitchFamily="49" charset="0"/>
+                <a:ea typeface="JetBrains Mono NL" panose="02000009000000000000" pitchFamily="49" charset="0"/>
+                <a:cs typeface="JetBrains Mono NL" panose="02000009000000000000" pitchFamily="49" charset="0"/>
+              </a:rPr>
+              <a:t>  </a:t>
+            </a:r>
+            <a:r>
+              <a:rPr lang="en-US" sz="2800" dirty="0">
+                <a:solidFill>
+                  <a:srgbClr val="D02670"/>
+                </a:solidFill>
+                <a:latin typeface="JetBrains Mono NL" panose="02000009000000000000" pitchFamily="49" charset="0"/>
+                <a:ea typeface="JetBrains Mono NL" panose="02000009000000000000" pitchFamily="49" charset="0"/>
+                <a:cs typeface="JetBrains Mono NL" panose="02000009000000000000" pitchFamily="49" charset="0"/>
+              </a:rPr>
+              <a:t>return new </a:t>
+            </a:r>
+            <a:r>
+              <a:rPr lang="en-US" sz="2800" dirty="0" err="1">
+                <a:latin typeface="JetBrains Mono NL" panose="02000009000000000000" pitchFamily="49" charset="0"/>
+                <a:ea typeface="JetBrains Mono NL" panose="02000009000000000000" pitchFamily="49" charset="0"/>
+                <a:cs typeface="JetBrains Mono NL" panose="02000009000000000000" pitchFamily="49" charset="0"/>
+              </a:rPr>
+              <a:t>StepBuilder</a:t>
+            </a:r>
+            <a:r>
+              <a:rPr lang="en-US" sz="2800" dirty="0">
+                <a:latin typeface="JetBrains Mono NL" panose="02000009000000000000" pitchFamily="49" charset="0"/>
+                <a:ea typeface="JetBrains Mono NL" panose="02000009000000000000" pitchFamily="49" charset="0"/>
+                <a:cs typeface="JetBrains Mono NL" panose="02000009000000000000" pitchFamily="49" charset="0"/>
+              </a:rPr>
+              <a:t>(“</a:t>
+            </a:r>
+            <a:r>
+              <a:rPr lang="en-US" sz="2800" dirty="0" err="1">
+                <a:latin typeface="JetBrains Mono NL" panose="02000009000000000000" pitchFamily="49" charset="0"/>
+                <a:ea typeface="JetBrains Mono NL" panose="02000009000000000000" pitchFamily="49" charset="0"/>
+                <a:cs typeface="JetBrains Mono NL" panose="02000009000000000000" pitchFamily="49" charset="0"/>
+              </a:rPr>
+              <a:t>customStep</a:t>
+            </a:r>
+            <a:r>
+              <a:rPr lang="en-US" sz="2800" dirty="0">
+                <a:latin typeface="JetBrains Mono NL" panose="02000009000000000000" pitchFamily="49" charset="0"/>
+                <a:ea typeface="JetBrains Mono NL" panose="02000009000000000000" pitchFamily="49" charset="0"/>
+                <a:cs typeface="JetBrains Mono NL" panose="02000009000000000000" pitchFamily="49" charset="0"/>
+              </a:rPr>
+              <a:t>”, </a:t>
+            </a:r>
+            <a:r>
+              <a:rPr lang="en-US" sz="2800" dirty="0" err="1">
+                <a:latin typeface="JetBrains Mono NL" panose="02000009000000000000" pitchFamily="49" charset="0"/>
+                <a:ea typeface="JetBrains Mono NL" panose="02000009000000000000" pitchFamily="49" charset="0"/>
+                <a:cs typeface="JetBrains Mono NL" panose="02000009000000000000" pitchFamily="49" charset="0"/>
+              </a:rPr>
+              <a:t>jobRepository</a:t>
+            </a:r>
+            <a:r>
+              <a:rPr lang="en-US" sz="2800" dirty="0">
+                <a:latin typeface="JetBrains Mono NL" panose="02000009000000000000" pitchFamily="49" charset="0"/>
+                <a:ea typeface="JetBrains Mono NL" panose="02000009000000000000" pitchFamily="49" charset="0"/>
+                <a:cs typeface="JetBrains Mono NL" panose="02000009000000000000" pitchFamily="49" charset="0"/>
+              </a:rPr>
+              <a:t>)</a:t>
+            </a:r>
+          </a:p>
+          <a:p>
+            <a:r>
+              <a:rPr lang="en-US" sz="2800" dirty="0">
+                <a:latin typeface="JetBrains Mono NL" panose="02000009000000000000" pitchFamily="49" charset="0"/>
+                <a:ea typeface="JetBrains Mono NL" panose="02000009000000000000" pitchFamily="49" charset="0"/>
+                <a:cs typeface="JetBrains Mono NL" panose="02000009000000000000" pitchFamily="49" charset="0"/>
+              </a:rPr>
+              <a:t>    .</a:t>
+            </a:r>
+            <a:r>
+              <a:rPr lang="en-US" sz="2800" dirty="0" err="1">
+                <a:latin typeface="JetBrains Mono NL" panose="02000009000000000000" pitchFamily="49" charset="0"/>
+                <a:ea typeface="JetBrains Mono NL" panose="02000009000000000000" pitchFamily="49" charset="0"/>
+                <a:cs typeface="JetBrains Mono NL" panose="02000009000000000000" pitchFamily="49" charset="0"/>
+              </a:rPr>
+              <a:t>tasklet</a:t>
+            </a:r>
+            <a:r>
+              <a:rPr lang="en-US" sz="2800" dirty="0">
+                <a:latin typeface="JetBrains Mono NL" panose="02000009000000000000" pitchFamily="49" charset="0"/>
+                <a:ea typeface="JetBrains Mono NL" panose="02000009000000000000" pitchFamily="49" charset="0"/>
+                <a:cs typeface="JetBrains Mono NL" panose="02000009000000000000" pitchFamily="49" charset="0"/>
+              </a:rPr>
+              <a:t>(</a:t>
+            </a:r>
+            <a:r>
+              <a:rPr lang="en-US" sz="2800" dirty="0" err="1">
+                <a:latin typeface="JetBrains Mono NL" panose="02000009000000000000" pitchFamily="49" charset="0"/>
+                <a:ea typeface="JetBrains Mono NL" panose="02000009000000000000" pitchFamily="49" charset="0"/>
+                <a:cs typeface="JetBrains Mono NL" panose="02000009000000000000" pitchFamily="49" charset="0"/>
+              </a:rPr>
+              <a:t>customTasklet</a:t>
+            </a:r>
+            <a:r>
+              <a:rPr lang="en-US" sz="2800" dirty="0">
+                <a:latin typeface="JetBrains Mono NL" panose="02000009000000000000" pitchFamily="49" charset="0"/>
+                <a:ea typeface="JetBrains Mono NL" panose="02000009000000000000" pitchFamily="49" charset="0"/>
+                <a:cs typeface="JetBrains Mono NL" panose="02000009000000000000" pitchFamily="49" charset="0"/>
+              </a:rPr>
+              <a:t>) </a:t>
+            </a:r>
+            <a:r>
+              <a:rPr lang="en-US" sz="2800" dirty="0">
+                <a:solidFill>
+                  <a:schemeClr val="bg1">
+                    <a:lumMod val="75000"/>
+                  </a:schemeClr>
+                </a:solidFill>
+                <a:latin typeface="JetBrains Mono NL" panose="02000009000000000000" pitchFamily="49" charset="0"/>
+                <a:ea typeface="JetBrains Mono NL" panose="02000009000000000000" pitchFamily="49" charset="0"/>
+                <a:cs typeface="JetBrains Mono NL" panose="02000009000000000000" pitchFamily="49" charset="0"/>
+              </a:rPr>
+              <a:t>// </a:t>
+            </a:r>
+            <a:r>
+              <a:rPr lang="en-US" sz="2800" dirty="0" err="1">
+                <a:solidFill>
+                  <a:schemeClr val="bg1">
+                    <a:lumMod val="75000"/>
+                  </a:schemeClr>
+                </a:solidFill>
+                <a:latin typeface="JetBrains Mono NL" panose="02000009000000000000" pitchFamily="49" charset="0"/>
+                <a:ea typeface="JetBrains Mono NL" panose="02000009000000000000" pitchFamily="49" charset="0"/>
+                <a:cs typeface="JetBrains Mono NL" panose="02000009000000000000" pitchFamily="49" charset="0"/>
+              </a:rPr>
+              <a:t>Autowired</a:t>
+            </a:r>
+            <a:endParaRPr lang="en-US" sz="2800" dirty="0">
+              <a:solidFill>
+                <a:schemeClr val="bg1">
+                  <a:lumMod val="75000"/>
+                </a:schemeClr>
+              </a:solidFill>
+              <a:latin typeface="JetBrains Mono NL" panose="02000009000000000000" pitchFamily="49" charset="0"/>
+              <a:ea typeface="JetBrains Mono NL" panose="02000009000000000000" pitchFamily="49" charset="0"/>
+              <a:cs typeface="JetBrains Mono NL" panose="02000009000000000000" pitchFamily="49" charset="0"/>
+            </a:endParaRPr>
+          </a:p>
+          <a:p>
+            <a:r>
+              <a:rPr lang="en-US" sz="2800" dirty="0">
+                <a:latin typeface="JetBrains Mono NL" panose="02000009000000000000" pitchFamily="49" charset="0"/>
+                <a:ea typeface="JetBrains Mono NL" panose="02000009000000000000" pitchFamily="49" charset="0"/>
+                <a:cs typeface="JetBrains Mono NL" panose="02000009000000000000" pitchFamily="49" charset="0"/>
+              </a:rPr>
+              <a:t>    .build();</a:t>
+            </a:r>
+          </a:p>
+          <a:p>
+            <a:r>
+              <a:rPr lang="en-US" sz="2800" dirty="0">
+                <a:latin typeface="JetBrains Mono NL" panose="02000009000000000000" pitchFamily="49" charset="0"/>
+                <a:ea typeface="JetBrains Mono NL" panose="02000009000000000000" pitchFamily="49" charset="0"/>
+                <a:cs typeface="JetBrains Mono NL" panose="02000009000000000000" pitchFamily="49" charset="0"/>
+              </a:rPr>
+              <a:t>}</a:t>
+            </a:r>
+          </a:p>
+        </p:txBody>
+      </p:sp>
+    </p:spTree>
+    <p:extLst>
+      <p:ext uri="{BB962C8B-B14F-4D97-AF65-F5344CB8AC3E}">
+        <p14:creationId xmlns:p14="http://schemas.microsoft.com/office/powerpoint/2010/main" val="1418136201"/>
+      </p:ext>
+    </p:extLst>
+  </p:cSld>
+  <p:clrMapOvr>
+    <a:masterClrMapping/>
+  </p:clrMapOvr>
+  <p:transition spd="med"/>
+</p:sld>
+</file>
+
+<file path=ppt/slides/slide16.xml><?xml version="1.0" encoding="utf-8"?>
+<p:sld xmlns:a="http://schemas.openxmlformats.org/drawingml/2006/main" xmlns:r="http://schemas.openxmlformats.org/officeDocument/2006/relationships" xmlns:p="http://schemas.openxmlformats.org/presentationml/2006/main">
+  <p:cSld>
+    <p:spTree>
+      <p:nvGrpSpPr>
+        <p:cNvPr id="1" name="">
+          <a:extLst>
+            <a:ext uri="{FF2B5EF4-FFF2-40B4-BE49-F238E27FC236}">
+              <a16:creationId xmlns:a16="http://schemas.microsoft.com/office/drawing/2014/main" id="{EC6A836F-F69F-62DD-9209-FB0CB97DEF31}"/>
+            </a:ext>
+          </a:extLst>
+        </p:cNvPr>
+        <p:cNvGrpSpPr/>
+        <p:nvPr/>
+      </p:nvGrpSpPr>
+      <p:grpSpPr>
+        <a:xfrm>
+          <a:off x="0" y="0"/>
+          <a:ext cx="0" cy="0"/>
+          <a:chOff x="0" y="0"/>
+          <a:chExt cx="0" cy="0"/>
+        </a:xfrm>
+      </p:grpSpPr>
+      <p:sp>
+        <p:nvSpPr>
+          <p:cNvPr id="6" name="Title 1">
+            <a:extLst>
+              <a:ext uri="{FF2B5EF4-FFF2-40B4-BE49-F238E27FC236}">
+                <a16:creationId xmlns:a16="http://schemas.microsoft.com/office/drawing/2014/main" id="{B0807BF5-D712-E39C-EA75-47AE551738CD}"/>
+              </a:ext>
+            </a:extLst>
+          </p:cNvPr>
+          <p:cNvSpPr>
+            <a:spLocks noGrp="1"/>
+          </p:cNvSpPr>
+          <p:nvPr>
+            <p:ph type="title"/>
+          </p:nvPr>
+        </p:nvSpPr>
+        <p:spPr>
+          <a:xfrm>
+            <a:off x="576072" y="384048"/>
+            <a:ext cx="17040124" cy="4573587"/>
+          </a:xfrm>
+        </p:spPr>
+        <p:txBody>
+          <a:bodyPr/>
+          <a:lstStyle/>
+          <a:p>
+            <a:r>
+              <a:rPr lang="en-US" sz="7200" dirty="0">
+                <a:solidFill>
+                  <a:srgbClr val="0F62FE"/>
+                </a:solidFill>
+              </a:rPr>
+              <a:t>Implementing a </a:t>
+            </a:r>
+            <a:r>
+              <a:rPr lang="en-US" sz="7200" dirty="0" err="1">
+                <a:solidFill>
+                  <a:srgbClr val="0F62FE"/>
+                </a:solidFill>
+              </a:rPr>
+              <a:t>tasklet</a:t>
+            </a:r>
+            <a:r>
+              <a:rPr lang="en-US" sz="7200" dirty="0">
+                <a:solidFill>
+                  <a:srgbClr val="0F62FE"/>
+                </a:solidFill>
+              </a:rPr>
+              <a:t>-based job #2</a:t>
+            </a:r>
+          </a:p>
+        </p:txBody>
+      </p:sp>
+      <p:sp>
+        <p:nvSpPr>
+          <p:cNvPr id="3" name="Footer Placeholder 4">
+            <a:extLst>
+              <a:ext uri="{FF2B5EF4-FFF2-40B4-BE49-F238E27FC236}">
+                <a16:creationId xmlns:a16="http://schemas.microsoft.com/office/drawing/2014/main" id="{40EED6E2-4022-C61C-443B-589D4F4CE53B}"/>
+              </a:ext>
+            </a:extLst>
+          </p:cNvPr>
+          <p:cNvSpPr txBox="1">
+            <a:spLocks/>
+          </p:cNvSpPr>
+          <p:nvPr/>
+        </p:nvSpPr>
+        <p:spPr>
+          <a:xfrm>
+            <a:off x="20730172" y="12801599"/>
+            <a:ext cx="2950899" cy="690465"/>
+          </a:xfrm>
+          <a:prstGeom prst="rect">
+            <a:avLst/>
+          </a:prstGeom>
+        </p:spPr>
+        <p:txBody>
+          <a:bodyPr anchor="ctr"/>
+          <a:lstStyle>
+            <a:defPPr>
+              <a:defRPr lang="en-US"/>
+            </a:defPPr>
+            <a:lvl1pPr marL="0" algn="l" defTabSz="1829379" rtl="0" eaLnBrk="1" latinLnBrk="0" hangingPunct="1">
+              <a:defRPr sz="3600" kern="1200">
+                <a:solidFill>
+                  <a:schemeClr val="tx1"/>
+                </a:solidFill>
+                <a:latin typeface="+mn-lt"/>
+                <a:ea typeface="+mn-ea"/>
+                <a:cs typeface="+mn-cs"/>
+              </a:defRPr>
+            </a:lvl1pPr>
+            <a:lvl2pPr marL="914688" algn="l" defTabSz="1829379" rtl="0" eaLnBrk="1" latinLnBrk="0" hangingPunct="1">
+              <a:defRPr sz="3600" kern="1200">
+                <a:solidFill>
+                  <a:schemeClr val="tx1"/>
+                </a:solidFill>
+                <a:latin typeface="+mn-lt"/>
+                <a:ea typeface="+mn-ea"/>
+                <a:cs typeface="+mn-cs"/>
+              </a:defRPr>
+            </a:lvl2pPr>
+            <a:lvl3pPr marL="1829379" algn="l" defTabSz="1829379" rtl="0" eaLnBrk="1" latinLnBrk="0" hangingPunct="1">
+              <a:defRPr sz="3600" kern="1200">
+                <a:solidFill>
+                  <a:schemeClr val="tx1"/>
+                </a:solidFill>
+                <a:latin typeface="+mn-lt"/>
+                <a:ea typeface="+mn-ea"/>
+                <a:cs typeface="+mn-cs"/>
+              </a:defRPr>
+            </a:lvl3pPr>
+            <a:lvl4pPr marL="2744068" algn="l" defTabSz="1829379" rtl="0" eaLnBrk="1" latinLnBrk="0" hangingPunct="1">
+              <a:defRPr sz="3600" kern="1200">
+                <a:solidFill>
+                  <a:schemeClr val="tx1"/>
+                </a:solidFill>
+                <a:latin typeface="+mn-lt"/>
+                <a:ea typeface="+mn-ea"/>
+                <a:cs typeface="+mn-cs"/>
+              </a:defRPr>
+            </a:lvl4pPr>
+            <a:lvl5pPr marL="3658759" algn="l" defTabSz="1829379" rtl="0" eaLnBrk="1" latinLnBrk="0" hangingPunct="1">
+              <a:defRPr sz="3600" kern="1200">
+                <a:solidFill>
+                  <a:schemeClr val="tx1"/>
+                </a:solidFill>
+                <a:latin typeface="+mn-lt"/>
+                <a:ea typeface="+mn-ea"/>
+                <a:cs typeface="+mn-cs"/>
+              </a:defRPr>
+            </a:lvl5pPr>
+            <a:lvl6pPr marL="4573447" algn="l" defTabSz="1829379" rtl="0" eaLnBrk="1" latinLnBrk="0" hangingPunct="1">
+              <a:defRPr sz="3600" kern="1200">
+                <a:solidFill>
+                  <a:schemeClr val="tx1"/>
+                </a:solidFill>
+                <a:latin typeface="+mn-lt"/>
+                <a:ea typeface="+mn-ea"/>
+                <a:cs typeface="+mn-cs"/>
+              </a:defRPr>
+            </a:lvl6pPr>
+            <a:lvl7pPr marL="5488138" algn="l" defTabSz="1829379" rtl="0" eaLnBrk="1" latinLnBrk="0" hangingPunct="1">
+              <a:defRPr sz="3600" kern="1200">
+                <a:solidFill>
+                  <a:schemeClr val="tx1"/>
+                </a:solidFill>
+                <a:latin typeface="+mn-lt"/>
+                <a:ea typeface="+mn-ea"/>
+                <a:cs typeface="+mn-cs"/>
+              </a:defRPr>
+            </a:lvl7pPr>
+            <a:lvl8pPr marL="6402827" algn="l" defTabSz="1829379" rtl="0" eaLnBrk="1" latinLnBrk="0" hangingPunct="1">
+              <a:defRPr sz="3600" kern="1200">
+                <a:solidFill>
+                  <a:schemeClr val="tx1"/>
+                </a:solidFill>
+                <a:latin typeface="+mn-lt"/>
+                <a:ea typeface="+mn-ea"/>
+                <a:cs typeface="+mn-cs"/>
+              </a:defRPr>
+            </a:lvl8pPr>
+            <a:lvl9pPr marL="7317518" algn="l" defTabSz="1829379" rtl="0" eaLnBrk="1" latinLnBrk="0" hangingPunct="1">
+              <a:defRPr sz="3600" kern="1200">
+                <a:solidFill>
+                  <a:schemeClr val="tx1"/>
+                </a:solidFill>
+                <a:latin typeface="+mn-lt"/>
+                <a:ea typeface="+mn-ea"/>
+                <a:cs typeface="+mn-cs"/>
+              </a:defRPr>
+            </a:lvl9pPr>
+          </a:lstStyle>
+          <a:p>
+            <a:pPr algn="r"/>
+            <a:r>
+              <a:rPr lang="en-US" sz="1600" dirty="0"/>
+              <a:t>Introduction to Spring Batch</a:t>
+            </a:r>
+          </a:p>
+        </p:txBody>
+      </p:sp>
+      <p:sp>
+        <p:nvSpPr>
+          <p:cNvPr id="9" name="TextBox 8">
+            <a:extLst>
+              <a:ext uri="{FF2B5EF4-FFF2-40B4-BE49-F238E27FC236}">
+                <a16:creationId xmlns:a16="http://schemas.microsoft.com/office/drawing/2014/main" id="{023CF447-4BE8-6CE7-0778-18F896BB6156}"/>
+              </a:ext>
+            </a:extLst>
+          </p:cNvPr>
+          <p:cNvSpPr txBox="1"/>
+          <p:nvPr/>
+        </p:nvSpPr>
+        <p:spPr>
+          <a:xfrm>
+            <a:off x="576071" y="2493593"/>
+            <a:ext cx="23485200" cy="3539430"/>
+          </a:xfrm>
+          <a:prstGeom prst="rect">
+            <a:avLst/>
+          </a:prstGeom>
+          <a:noFill/>
+          <a:ln w="12700">
+            <a:miter lim="400000"/>
+          </a:ln>
+          <a:extLst>
+            <a:ext uri="{C572A759-6A51-4108-AA02-DFA0A04FC94B}">
+              <ma14:wrappingTextBoxFlag xmlns:ma14="http://schemas.microsoft.com/office/mac/drawingml/2011/main" xmlns:a14="http://schemas.microsoft.com/office/drawing/2010/main" xmlns:m="http://schemas.openxmlformats.org/officeDocument/2006/math" xmlns="" val="1"/>
+            </a:ext>
+          </a:extLst>
+        </p:spPr>
+        <p:txBody>
+          <a:bodyPr wrap="square">
+            <a:spAutoFit/>
+          </a:bodyPr>
+          <a:lstStyle/>
+          <a:p>
+            <a:r>
+              <a:rPr lang="en-US" sz="2800" dirty="0">
+                <a:solidFill>
+                  <a:schemeClr val="bg1">
+                    <a:lumMod val="65000"/>
+                  </a:schemeClr>
+                </a:solidFill>
+                <a:latin typeface="JetBrains Mono NL" panose="02000009000000000000" pitchFamily="49" charset="0"/>
+                <a:ea typeface="JetBrains Mono NL" panose="02000009000000000000" pitchFamily="49" charset="0"/>
+                <a:cs typeface="JetBrains Mono NL" panose="02000009000000000000" pitchFamily="49" charset="0"/>
+              </a:rPr>
+              <a:t>@Component</a:t>
+            </a:r>
+          </a:p>
+          <a:p>
+            <a:r>
+              <a:rPr lang="en-US" sz="2800" dirty="0">
+                <a:solidFill>
+                  <a:srgbClr val="D02670"/>
+                </a:solidFill>
+                <a:latin typeface="JetBrains Mono NL" panose="02000009000000000000" pitchFamily="49" charset="0"/>
+                <a:ea typeface="JetBrains Mono NL" panose="02000009000000000000" pitchFamily="49" charset="0"/>
+                <a:cs typeface="JetBrains Mono NL" panose="02000009000000000000" pitchFamily="49" charset="0"/>
+              </a:rPr>
+              <a:t>public class </a:t>
+            </a:r>
+            <a:r>
+              <a:rPr lang="en-US" sz="2800" dirty="0" err="1">
+                <a:latin typeface="JetBrains Mono NL" panose="02000009000000000000" pitchFamily="49" charset="0"/>
+                <a:ea typeface="JetBrains Mono NL" panose="02000009000000000000" pitchFamily="49" charset="0"/>
+                <a:cs typeface="JetBrains Mono NL" panose="02000009000000000000" pitchFamily="49" charset="0"/>
+              </a:rPr>
+              <a:t>CustomTasklet</a:t>
+            </a:r>
+            <a:r>
+              <a:rPr lang="en-US" sz="2800" dirty="0">
+                <a:latin typeface="JetBrains Mono NL" panose="02000009000000000000" pitchFamily="49" charset="0"/>
+                <a:ea typeface="JetBrains Mono NL" panose="02000009000000000000" pitchFamily="49" charset="0"/>
+                <a:cs typeface="JetBrains Mono NL" panose="02000009000000000000" pitchFamily="49" charset="0"/>
+              </a:rPr>
+              <a:t> </a:t>
+            </a:r>
+            <a:r>
+              <a:rPr lang="en-US" sz="2800" dirty="0">
+                <a:solidFill>
+                  <a:srgbClr val="D02670"/>
+                </a:solidFill>
+                <a:latin typeface="JetBrains Mono NL" panose="02000009000000000000" pitchFamily="49" charset="0"/>
+                <a:ea typeface="JetBrains Mono NL" panose="02000009000000000000" pitchFamily="49" charset="0"/>
+                <a:cs typeface="JetBrains Mono NL" panose="02000009000000000000" pitchFamily="49" charset="0"/>
+              </a:rPr>
+              <a:t>implements</a:t>
+            </a:r>
+            <a:r>
+              <a:rPr lang="en-US" sz="2800" dirty="0">
+                <a:latin typeface="JetBrains Mono NL" panose="02000009000000000000" pitchFamily="49" charset="0"/>
+                <a:ea typeface="JetBrains Mono NL" panose="02000009000000000000" pitchFamily="49" charset="0"/>
+                <a:cs typeface="JetBrains Mono NL" panose="02000009000000000000" pitchFamily="49" charset="0"/>
+              </a:rPr>
+              <a:t> </a:t>
+            </a:r>
+            <a:r>
+              <a:rPr lang="en-US" sz="2800" dirty="0" err="1">
+                <a:latin typeface="JetBrains Mono NL" panose="02000009000000000000" pitchFamily="49" charset="0"/>
+                <a:ea typeface="JetBrains Mono NL" panose="02000009000000000000" pitchFamily="49" charset="0"/>
+                <a:cs typeface="JetBrains Mono NL" panose="02000009000000000000" pitchFamily="49" charset="0"/>
+              </a:rPr>
+              <a:t>Tasklet</a:t>
+            </a:r>
+            <a:r>
+              <a:rPr lang="en-US" sz="2800" dirty="0">
+                <a:latin typeface="JetBrains Mono NL" panose="02000009000000000000" pitchFamily="49" charset="0"/>
+                <a:ea typeface="JetBrains Mono NL" panose="02000009000000000000" pitchFamily="49" charset="0"/>
+                <a:cs typeface="JetBrains Mono NL" panose="02000009000000000000" pitchFamily="49" charset="0"/>
+              </a:rPr>
+              <a:t> </a:t>
+            </a:r>
+            <a:r>
+              <a:rPr lang="en-US" sz="2800" dirty="0">
+                <a:solidFill>
+                  <a:srgbClr val="D02670"/>
+                </a:solidFill>
+                <a:latin typeface="JetBrains Mono NL" panose="02000009000000000000" pitchFamily="49" charset="0"/>
+                <a:ea typeface="JetBrains Mono NL" panose="02000009000000000000" pitchFamily="49" charset="0"/>
+                <a:cs typeface="JetBrains Mono NL" panose="02000009000000000000" pitchFamily="49" charset="0"/>
+              </a:rPr>
+              <a:t>{</a:t>
+            </a:r>
+          </a:p>
+          <a:p>
+            <a:r>
+              <a:rPr lang="en-US" sz="2800" dirty="0">
+                <a:latin typeface="JetBrains Mono NL" panose="02000009000000000000" pitchFamily="49" charset="0"/>
+                <a:ea typeface="JetBrains Mono NL" panose="02000009000000000000" pitchFamily="49" charset="0"/>
+                <a:cs typeface="JetBrains Mono NL" panose="02000009000000000000" pitchFamily="49" charset="0"/>
+              </a:rPr>
+              <a:t>    @Override</a:t>
+            </a:r>
+          </a:p>
+          <a:p>
+            <a:r>
+              <a:rPr lang="en-US" sz="2800" dirty="0">
+                <a:latin typeface="JetBrains Mono NL" panose="02000009000000000000" pitchFamily="49" charset="0"/>
+                <a:ea typeface="JetBrains Mono NL" panose="02000009000000000000" pitchFamily="49" charset="0"/>
+                <a:cs typeface="JetBrains Mono NL" panose="02000009000000000000" pitchFamily="49" charset="0"/>
+              </a:rPr>
+              <a:t>    </a:t>
+            </a:r>
+            <a:r>
+              <a:rPr lang="en-US" sz="2800" dirty="0">
+                <a:solidFill>
+                  <a:srgbClr val="D02670"/>
+                </a:solidFill>
+                <a:latin typeface="JetBrains Mono NL" panose="02000009000000000000" pitchFamily="49" charset="0"/>
+                <a:ea typeface="JetBrains Mono NL" panose="02000009000000000000" pitchFamily="49" charset="0"/>
+                <a:cs typeface="JetBrains Mono NL" panose="02000009000000000000" pitchFamily="49" charset="0"/>
+              </a:rPr>
+              <a:t>public</a:t>
+            </a:r>
+            <a:r>
+              <a:rPr lang="en-US" sz="2800" dirty="0">
+                <a:latin typeface="JetBrains Mono NL" panose="02000009000000000000" pitchFamily="49" charset="0"/>
+                <a:ea typeface="JetBrains Mono NL" panose="02000009000000000000" pitchFamily="49" charset="0"/>
+                <a:cs typeface="JetBrains Mono NL" panose="02000009000000000000" pitchFamily="49" charset="0"/>
+              </a:rPr>
+              <a:t> </a:t>
+            </a:r>
+            <a:r>
+              <a:rPr lang="en-US" sz="2800" dirty="0" err="1">
+                <a:latin typeface="JetBrains Mono NL" panose="02000009000000000000" pitchFamily="49" charset="0"/>
+                <a:ea typeface="JetBrains Mono NL" panose="02000009000000000000" pitchFamily="49" charset="0"/>
+                <a:cs typeface="JetBrains Mono NL" panose="02000009000000000000" pitchFamily="49" charset="0"/>
+              </a:rPr>
+              <a:t>RepeatStatus</a:t>
+            </a:r>
+            <a:r>
+              <a:rPr lang="en-US" sz="2800" dirty="0">
+                <a:latin typeface="JetBrains Mono NL" panose="02000009000000000000" pitchFamily="49" charset="0"/>
+                <a:ea typeface="JetBrains Mono NL" panose="02000009000000000000" pitchFamily="49" charset="0"/>
+                <a:cs typeface="JetBrains Mono NL" panose="02000009000000000000" pitchFamily="49" charset="0"/>
+              </a:rPr>
+              <a:t> execute(</a:t>
+            </a:r>
+            <a:r>
+              <a:rPr lang="en-US" sz="2800" dirty="0" err="1">
+                <a:latin typeface="JetBrains Mono NL" panose="02000009000000000000" pitchFamily="49" charset="0"/>
+                <a:ea typeface="JetBrains Mono NL" panose="02000009000000000000" pitchFamily="49" charset="0"/>
+                <a:cs typeface="JetBrains Mono NL" panose="02000009000000000000" pitchFamily="49" charset="0"/>
+              </a:rPr>
+              <a:t>StepContribution</a:t>
+            </a:r>
+            <a:r>
+              <a:rPr lang="en-US" sz="2800" dirty="0">
+                <a:latin typeface="JetBrains Mono NL" panose="02000009000000000000" pitchFamily="49" charset="0"/>
+                <a:ea typeface="JetBrains Mono NL" panose="02000009000000000000" pitchFamily="49" charset="0"/>
+                <a:cs typeface="JetBrains Mono NL" panose="02000009000000000000" pitchFamily="49" charset="0"/>
+              </a:rPr>
+              <a:t> contribution, </a:t>
+            </a:r>
+            <a:r>
+              <a:rPr lang="en-US" sz="2800" dirty="0" err="1">
+                <a:latin typeface="JetBrains Mono NL" panose="02000009000000000000" pitchFamily="49" charset="0"/>
+                <a:ea typeface="JetBrains Mono NL" panose="02000009000000000000" pitchFamily="49" charset="0"/>
+                <a:cs typeface="JetBrains Mono NL" panose="02000009000000000000" pitchFamily="49" charset="0"/>
+              </a:rPr>
+              <a:t>ChunkContext</a:t>
+            </a:r>
+            <a:r>
+              <a:rPr lang="en-US" sz="2800" dirty="0">
+                <a:latin typeface="JetBrains Mono NL" panose="02000009000000000000" pitchFamily="49" charset="0"/>
+                <a:ea typeface="JetBrains Mono NL" panose="02000009000000000000" pitchFamily="49" charset="0"/>
+                <a:cs typeface="JetBrains Mono NL" panose="02000009000000000000" pitchFamily="49" charset="0"/>
+              </a:rPr>
+              <a:t> </a:t>
+            </a:r>
+            <a:r>
+              <a:rPr lang="en-US" sz="2800" dirty="0" err="1">
+                <a:latin typeface="JetBrains Mono NL" panose="02000009000000000000" pitchFamily="49" charset="0"/>
+                <a:ea typeface="JetBrains Mono NL" panose="02000009000000000000" pitchFamily="49" charset="0"/>
+                <a:cs typeface="JetBrains Mono NL" panose="02000009000000000000" pitchFamily="49" charset="0"/>
+              </a:rPr>
+              <a:t>chunkContext</a:t>
+            </a:r>
+            <a:r>
+              <a:rPr lang="en-US" sz="2800" dirty="0">
+                <a:latin typeface="JetBrains Mono NL" panose="02000009000000000000" pitchFamily="49" charset="0"/>
+                <a:ea typeface="JetBrains Mono NL" panose="02000009000000000000" pitchFamily="49" charset="0"/>
+                <a:cs typeface="JetBrains Mono NL" panose="02000009000000000000" pitchFamily="49" charset="0"/>
+              </a:rPr>
+              <a:t>) </a:t>
+            </a:r>
+            <a:r>
+              <a:rPr lang="en-US" sz="2800" dirty="0">
+                <a:solidFill>
+                  <a:srgbClr val="D02670"/>
+                </a:solidFill>
+                <a:latin typeface="JetBrains Mono NL" panose="02000009000000000000" pitchFamily="49" charset="0"/>
+                <a:ea typeface="JetBrains Mono NL" panose="02000009000000000000" pitchFamily="49" charset="0"/>
+                <a:cs typeface="JetBrains Mono NL" panose="02000009000000000000" pitchFamily="49" charset="0"/>
+              </a:rPr>
+              <a:t>throws</a:t>
+            </a:r>
+            <a:r>
+              <a:rPr lang="en-US" sz="2800" dirty="0">
+                <a:latin typeface="JetBrains Mono NL" panose="02000009000000000000" pitchFamily="49" charset="0"/>
+                <a:ea typeface="JetBrains Mono NL" panose="02000009000000000000" pitchFamily="49" charset="0"/>
+                <a:cs typeface="JetBrains Mono NL" panose="02000009000000000000" pitchFamily="49" charset="0"/>
+              </a:rPr>
+              <a:t> Exception </a:t>
+            </a:r>
+            <a:r>
+              <a:rPr lang="en-US" sz="2800" dirty="0">
+                <a:solidFill>
+                  <a:srgbClr val="D02670"/>
+                </a:solidFill>
+                <a:latin typeface="JetBrains Mono NL" panose="02000009000000000000" pitchFamily="49" charset="0"/>
+                <a:ea typeface="JetBrains Mono NL" panose="02000009000000000000" pitchFamily="49" charset="0"/>
+                <a:cs typeface="JetBrains Mono NL" panose="02000009000000000000" pitchFamily="49" charset="0"/>
+              </a:rPr>
+              <a:t>{</a:t>
+            </a:r>
+          </a:p>
+          <a:p>
+            <a:r>
+              <a:rPr lang="en-US" sz="2800" dirty="0">
+                <a:latin typeface="JetBrains Mono NL" panose="02000009000000000000" pitchFamily="49" charset="0"/>
+                <a:ea typeface="JetBrains Mono NL" panose="02000009000000000000" pitchFamily="49" charset="0"/>
+                <a:cs typeface="JetBrains Mono NL" panose="02000009000000000000" pitchFamily="49" charset="0"/>
+              </a:rPr>
+              <a:t>        </a:t>
+            </a:r>
+            <a:r>
+              <a:rPr lang="en-US" sz="2800" dirty="0">
+                <a:solidFill>
+                  <a:schemeClr val="bg1">
+                    <a:lumMod val="75000"/>
+                  </a:schemeClr>
+                </a:solidFill>
+                <a:latin typeface="JetBrains Mono NL" panose="02000009000000000000" pitchFamily="49" charset="0"/>
+                <a:ea typeface="JetBrains Mono NL" panose="02000009000000000000" pitchFamily="49" charset="0"/>
+                <a:cs typeface="JetBrains Mono NL" panose="02000009000000000000" pitchFamily="49" charset="0"/>
+              </a:rPr>
+              <a:t>// Do something here…</a:t>
+            </a:r>
+          </a:p>
+          <a:p>
+            <a:r>
+              <a:rPr lang="en-US" sz="2800" dirty="0">
+                <a:latin typeface="JetBrains Mono NL" panose="02000009000000000000" pitchFamily="49" charset="0"/>
+                <a:ea typeface="JetBrains Mono NL" panose="02000009000000000000" pitchFamily="49" charset="0"/>
+                <a:cs typeface="JetBrains Mono NL" panose="02000009000000000000" pitchFamily="49" charset="0"/>
+              </a:rPr>
+              <a:t>        </a:t>
+            </a:r>
+            <a:r>
+              <a:rPr lang="en-US" sz="2800" dirty="0">
+                <a:solidFill>
+                  <a:srgbClr val="D02670"/>
+                </a:solidFill>
+                <a:latin typeface="JetBrains Mono NL" panose="02000009000000000000" pitchFamily="49" charset="0"/>
+                <a:ea typeface="JetBrains Mono NL" panose="02000009000000000000" pitchFamily="49" charset="0"/>
+                <a:cs typeface="JetBrains Mono NL" panose="02000009000000000000" pitchFamily="49" charset="0"/>
+              </a:rPr>
+              <a:t>return</a:t>
+            </a:r>
+            <a:r>
+              <a:rPr lang="en-US" sz="2800" dirty="0">
+                <a:latin typeface="JetBrains Mono NL" panose="02000009000000000000" pitchFamily="49" charset="0"/>
+                <a:ea typeface="JetBrains Mono NL" panose="02000009000000000000" pitchFamily="49" charset="0"/>
+                <a:cs typeface="JetBrains Mono NL" panose="02000009000000000000" pitchFamily="49" charset="0"/>
+              </a:rPr>
+              <a:t> </a:t>
+            </a:r>
+            <a:r>
+              <a:rPr lang="en-US" sz="2800" dirty="0" err="1">
+                <a:latin typeface="JetBrains Mono NL" panose="02000009000000000000" pitchFamily="49" charset="0"/>
+                <a:ea typeface="JetBrains Mono NL" panose="02000009000000000000" pitchFamily="49" charset="0"/>
+                <a:cs typeface="JetBrains Mono NL" panose="02000009000000000000" pitchFamily="49" charset="0"/>
+              </a:rPr>
+              <a:t>RepeatStatus.FINISHED</a:t>
+            </a:r>
+            <a:r>
+              <a:rPr lang="en-US" sz="2800" dirty="0">
+                <a:latin typeface="JetBrains Mono NL" panose="02000009000000000000" pitchFamily="49" charset="0"/>
+                <a:ea typeface="JetBrains Mono NL" panose="02000009000000000000" pitchFamily="49" charset="0"/>
+                <a:cs typeface="JetBrains Mono NL" panose="02000009000000000000" pitchFamily="49" charset="0"/>
+              </a:rPr>
+              <a:t>;</a:t>
+            </a:r>
+          </a:p>
+          <a:p>
+            <a:r>
+              <a:rPr lang="en-US" sz="2800" dirty="0">
+                <a:latin typeface="JetBrains Mono NL" panose="02000009000000000000" pitchFamily="49" charset="0"/>
+                <a:ea typeface="JetBrains Mono NL" panose="02000009000000000000" pitchFamily="49" charset="0"/>
+                <a:cs typeface="JetBrains Mono NL" panose="02000009000000000000" pitchFamily="49" charset="0"/>
+              </a:rPr>
+              <a:t>    </a:t>
+            </a:r>
+            <a:r>
+              <a:rPr lang="en-US" sz="2800" dirty="0">
+                <a:solidFill>
+                  <a:srgbClr val="D02670"/>
+                </a:solidFill>
+                <a:latin typeface="JetBrains Mono NL" panose="02000009000000000000" pitchFamily="49" charset="0"/>
+                <a:ea typeface="JetBrains Mono NL" panose="02000009000000000000" pitchFamily="49" charset="0"/>
+                <a:cs typeface="JetBrains Mono NL" panose="02000009000000000000" pitchFamily="49" charset="0"/>
+              </a:rPr>
+              <a:t>}</a:t>
+            </a:r>
+          </a:p>
+          <a:p>
+            <a:r>
+              <a:rPr lang="en-US" sz="2800" dirty="0">
+                <a:solidFill>
+                  <a:srgbClr val="D02670"/>
+                </a:solidFill>
+                <a:latin typeface="JetBrains Mono NL" panose="02000009000000000000" pitchFamily="49" charset="0"/>
+                <a:ea typeface="JetBrains Mono NL" panose="02000009000000000000" pitchFamily="49" charset="0"/>
+                <a:cs typeface="JetBrains Mono NL" panose="02000009000000000000" pitchFamily="49" charset="0"/>
+              </a:rPr>
+              <a:t>}</a:t>
+            </a:r>
+          </a:p>
+        </p:txBody>
+      </p:sp>
+    </p:spTree>
+    <p:extLst>
+      <p:ext uri="{BB962C8B-B14F-4D97-AF65-F5344CB8AC3E}">
+        <p14:creationId xmlns:p14="http://schemas.microsoft.com/office/powerpoint/2010/main" val="1469043819"/>
+      </p:ext>
+    </p:extLst>
+  </p:cSld>
+  <p:clrMapOvr>
+    <a:masterClrMapping/>
+  </p:clrMapOvr>
+  <p:transition spd="med"/>
+</p:sld>
+</file>
+
+<file path=ppt/slides/slide17.xml><?xml version="1.0" encoding="utf-8"?>
 <p:sld xmlns:a="http://schemas.openxmlformats.org/drawingml/2006/main" xmlns:r="http://schemas.openxmlformats.org/officeDocument/2006/relationships" xmlns:p="http://schemas.openxmlformats.org/presentationml/2006/main">
   <p:cSld>
     <p:spTree>
@@ -31578,8 +33551,8 @@
         </p:nvSpPr>
         <p:spPr>
           <a:xfrm>
-            <a:off x="576071" y="2493593"/>
-            <a:ext cx="21780075" cy="3108543"/>
+            <a:off x="2191305" y="4017593"/>
+            <a:ext cx="16742154" cy="523220"/>
           </a:xfrm>
           <a:prstGeom prst="rect">
             <a:avLst/>
@@ -31602,270 +33575,262 @@
           <a:p>
             <a:r>
               <a:rPr lang="en-US" sz="2800" dirty="0">
-                <a:solidFill>
-                  <a:srgbClr val="A8A8A8"/>
-                </a:solidFill>
                 <a:latin typeface="JetBrains Mono NL" panose="02000009000000000000" pitchFamily="49" charset="0"/>
                 <a:ea typeface="JetBrains Mono NL" panose="02000009000000000000" pitchFamily="49" charset="0"/>
                 <a:cs typeface="JetBrains Mono NL" panose="02000009000000000000" pitchFamily="49" charset="0"/>
               </a:rPr>
-              <a:t>@Bean</a:t>
-            </a:r>
-          </a:p>
-          <a:p>
+              <a:t>java -jar </a:t>
+            </a:r>
             <a:r>
               <a:rPr lang="en-US" sz="2800" dirty="0">
                 <a:solidFill>
-                  <a:srgbClr val="D02670"/>
+                  <a:srgbClr val="0F62FE"/>
                 </a:solidFill>
                 <a:latin typeface="JetBrains Mono NL" panose="02000009000000000000" pitchFamily="49" charset="0"/>
                 <a:ea typeface="JetBrains Mono NL" panose="02000009000000000000" pitchFamily="49" charset="0"/>
                 <a:cs typeface="JetBrains Mono NL" panose="02000009000000000000" pitchFamily="49" charset="0"/>
               </a:rPr>
-              <a:t>public</a:t>
-            </a:r>
-            <a:r>
-              <a:rPr lang="en-US" sz="2800" dirty="0">
+              <a:t>target/&lt;</a:t>
+            </a:r>
+            <a:r>
+              <a:rPr lang="en-US" sz="2800" dirty="0" err="1">
+                <a:solidFill>
+                  <a:srgbClr val="0F62FE"/>
+                </a:solidFill>
                 <a:latin typeface="JetBrains Mono NL" panose="02000009000000000000" pitchFamily="49" charset="0"/>
                 <a:ea typeface="JetBrains Mono NL" panose="02000009000000000000" pitchFamily="49" charset="0"/>
                 <a:cs typeface="JetBrains Mono NL" panose="02000009000000000000" pitchFamily="49" charset="0"/>
               </a:rPr>
-              <a:t> </a:t>
-            </a:r>
-            <a:r>
-              <a:rPr lang="en-US" sz="2800" dirty="0" err="1">
+              <a:t>outputJarFile</a:t>
+            </a:r>
+            <a:r>
+              <a:rPr lang="en-US" sz="2800" dirty="0">
+                <a:solidFill>
+                  <a:srgbClr val="0F62FE"/>
+                </a:solidFill>
                 <a:latin typeface="JetBrains Mono NL" panose="02000009000000000000" pitchFamily="49" charset="0"/>
                 <a:ea typeface="JetBrains Mono NL" panose="02000009000000000000" pitchFamily="49" charset="0"/>
                 <a:cs typeface="JetBrains Mono NL" panose="02000009000000000000" pitchFamily="49" charset="0"/>
               </a:rPr>
-              <a:t>JobLauncher</a:t>
-            </a:r>
-            <a:r>
-              <a:rPr lang="en-US" sz="2800" dirty="0">
+              <a:t>&gt; &lt;</a:t>
+            </a:r>
+            <a:r>
+              <a:rPr lang="en-US" sz="2800" dirty="0" err="1">
+                <a:solidFill>
+                  <a:srgbClr val="0F62FE"/>
+                </a:solidFill>
                 <a:latin typeface="JetBrains Mono NL" panose="02000009000000000000" pitchFamily="49" charset="0"/>
                 <a:ea typeface="JetBrains Mono NL" panose="02000009000000000000" pitchFamily="49" charset="0"/>
                 <a:cs typeface="JetBrains Mono NL" panose="02000009000000000000" pitchFamily="49" charset="0"/>
               </a:rPr>
-              <a:t> </a:t>
-            </a:r>
-            <a:r>
-              <a:rPr lang="en-US" sz="2800" dirty="0" err="1">
-                <a:solidFill>
-                  <a:srgbClr val="D02670"/>
+              <a:t>jobName</a:t>
+            </a:r>
+            <a:r>
+              <a:rPr lang="en-US" sz="2800" dirty="0">
+                <a:solidFill>
+                  <a:srgbClr val="0F62FE"/>
                 </a:solidFill>
                 <a:latin typeface="JetBrains Mono NL" panose="02000009000000000000" pitchFamily="49" charset="0"/>
                 <a:ea typeface="JetBrains Mono NL" panose="02000009000000000000" pitchFamily="49" charset="0"/>
                 <a:cs typeface="JetBrains Mono NL" panose="02000009000000000000" pitchFamily="49" charset="0"/>
               </a:rPr>
-              <a:t>jobLauncher</a:t>
-            </a:r>
-            <a:r>
-              <a:rPr lang="en-US" sz="2800" dirty="0">
-                <a:latin typeface="JetBrains Mono NL" panose="02000009000000000000" pitchFamily="49" charset="0"/>
-                <a:ea typeface="JetBrains Mono NL" panose="02000009000000000000" pitchFamily="49" charset="0"/>
-                <a:cs typeface="JetBrains Mono NL" panose="02000009000000000000" pitchFamily="49" charset="0"/>
+              <a:t>&gt; &lt;jobParameter1&gt; &lt;jobParameter2&gt; …</a:t>
+            </a:r>
+          </a:p>
+        </p:txBody>
+      </p:sp>
+      <p:sp>
+        <p:nvSpPr>
+          <p:cNvPr id="3" name="TextBox 2">
+            <a:extLst>
+              <a:ext uri="{FF2B5EF4-FFF2-40B4-BE49-F238E27FC236}">
+                <a16:creationId xmlns:a16="http://schemas.microsoft.com/office/drawing/2014/main" id="{160F5FD9-5E1E-9F6A-8AD5-604EBEEDDCC1}"/>
+              </a:ext>
+            </a:extLst>
+          </p:cNvPr>
+          <p:cNvSpPr txBox="1"/>
+          <p:nvPr/>
+        </p:nvSpPr>
+        <p:spPr>
+          <a:xfrm>
+            <a:off x="576072" y="3095716"/>
+            <a:ext cx="19200069" cy="769441"/>
+          </a:xfrm>
+          <a:prstGeom prst="rect">
+            <a:avLst/>
+          </a:prstGeom>
+          <a:noFill/>
+          <a:ln w="12700">
+            <a:miter lim="400000"/>
+          </a:ln>
+          <a:extLst>
+            <a:ext uri="{C572A759-6A51-4108-AA02-DFA0A04FC94B}">
+              <ma14:wrappingTextBoxFlag xmlns="" xmlns:m="http://schemas.openxmlformats.org/officeDocument/2006/math" xmlns:a14="http://schemas.microsoft.com/office/drawing/2010/main" xmlns:ma14="http://schemas.microsoft.com/office/mac/drawingml/2011/main" val="1"/>
+            </a:ext>
+          </a:extLst>
+        </p:spPr>
+        <p:txBody>
+          <a:bodyPr wrap="square">
+            <a:spAutoFit/>
+          </a:bodyPr>
+          <a:lstStyle/>
+          <a:p>
+            <a:r>
+              <a:rPr lang="en-US" sz="4400" dirty="0"/>
+              <a:t>… using command-line arguments:</a:t>
+            </a:r>
+          </a:p>
+        </p:txBody>
+      </p:sp>
+      <p:sp>
+        <p:nvSpPr>
+          <p:cNvPr id="4" name="TextBox 3">
+            <a:extLst>
+              <a:ext uri="{FF2B5EF4-FFF2-40B4-BE49-F238E27FC236}">
+                <a16:creationId xmlns:a16="http://schemas.microsoft.com/office/drawing/2014/main" id="{D3F072BD-5BFC-FAFF-78D3-3EC58AEEA4B1}"/>
+              </a:ext>
+            </a:extLst>
+          </p:cNvPr>
+          <p:cNvSpPr txBox="1"/>
+          <p:nvPr/>
+        </p:nvSpPr>
+        <p:spPr>
+          <a:xfrm>
+            <a:off x="576072" y="5023131"/>
+            <a:ext cx="11276856" cy="769441"/>
+          </a:xfrm>
+          <a:prstGeom prst="rect">
+            <a:avLst/>
+          </a:prstGeom>
+          <a:noFill/>
+          <a:ln w="12700">
+            <a:miter lim="400000"/>
+          </a:ln>
+          <a:extLst>
+            <a:ext uri="{C572A759-6A51-4108-AA02-DFA0A04FC94B}">
+              <ma14:wrappingTextBoxFlag xmlns="" xmlns:m="http://schemas.openxmlformats.org/officeDocument/2006/math" xmlns:a14="http://schemas.microsoft.com/office/drawing/2010/main" xmlns:ma14="http://schemas.microsoft.com/office/mac/drawingml/2011/main" val="1"/>
+            </a:ext>
+          </a:extLst>
+        </p:spPr>
+        <p:txBody>
+          <a:bodyPr wrap="square">
+            <a:spAutoFit/>
+          </a:bodyPr>
+          <a:lstStyle/>
+          <a:p>
+            <a:r>
+              <a:rPr lang="en-US" sz="4400" dirty="0"/>
+              <a:t>… using a web interface</a:t>
+            </a:r>
+          </a:p>
+        </p:txBody>
+      </p:sp>
+      <p:sp>
+        <p:nvSpPr>
+          <p:cNvPr id="6" name="TextBox 5">
+            <a:extLst>
+              <a:ext uri="{FF2B5EF4-FFF2-40B4-BE49-F238E27FC236}">
+                <a16:creationId xmlns:a16="http://schemas.microsoft.com/office/drawing/2014/main" id="{DA2E7FB7-48EA-5489-CAAE-505E953FFE6F}"/>
+              </a:ext>
+            </a:extLst>
+          </p:cNvPr>
+          <p:cNvSpPr txBox="1"/>
+          <p:nvPr/>
+        </p:nvSpPr>
+        <p:spPr>
+          <a:xfrm>
+            <a:off x="9388377" y="3285461"/>
+            <a:ext cx="8845835" cy="461665"/>
+          </a:xfrm>
+          <a:prstGeom prst="rect">
+            <a:avLst/>
+          </a:prstGeom>
+          <a:noFill/>
+          <a:ln w="12700">
+            <a:miter lim="400000"/>
+          </a:ln>
+          <a:extLst>
+            <a:ext uri="{C572A759-6A51-4108-AA02-DFA0A04FC94B}">
+              <ma14:wrappingTextBoxFlag xmlns="" xmlns:m="http://schemas.openxmlformats.org/officeDocument/2006/math" xmlns:a14="http://schemas.microsoft.com/office/drawing/2010/main" xmlns:ma14="http://schemas.microsoft.com/office/mac/drawingml/2011/main" val="1"/>
+            </a:ext>
+          </a:extLst>
+        </p:spPr>
+        <p:txBody>
+          <a:bodyPr wrap="square">
+            <a:spAutoFit/>
+          </a:bodyPr>
+          <a:lstStyle/>
+          <a:p>
+            <a:r>
+              <a:rPr lang="en-US" sz="2400" dirty="0"/>
+              <a:t>(needs a custom implementation of the </a:t>
+            </a:r>
+            <a:r>
+              <a:rPr lang="en-US" sz="2400" dirty="0" err="1">
+                <a:solidFill>
+                  <a:srgbClr val="0F62FE"/>
+                </a:solidFill>
               </a:rPr>
-              <a:t>() throws Exception {</a:t>
-            </a:r>
-          </a:p>
-          <a:p>
-            <a:r>
-              <a:rPr lang="en-US" sz="2800" dirty="0">
-                <a:latin typeface="JetBrains Mono NL" panose="02000009000000000000" pitchFamily="49" charset="0"/>
-                <a:ea typeface="JetBrains Mono NL" panose="02000009000000000000" pitchFamily="49" charset="0"/>
-                <a:cs typeface="JetBrains Mono NL" panose="02000009000000000000" pitchFamily="49" charset="0"/>
+              <a:t>CommandLineRunner</a:t>
+            </a:r>
+            <a:r>
+              <a:rPr lang="en-US" sz="2400" dirty="0"/>
+              <a:t>)</a:t>
+            </a:r>
+          </a:p>
+        </p:txBody>
+      </p:sp>
+      <p:sp>
+        <p:nvSpPr>
+          <p:cNvPr id="7" name="TextBox 6">
+            <a:extLst>
+              <a:ext uri="{FF2B5EF4-FFF2-40B4-BE49-F238E27FC236}">
+                <a16:creationId xmlns:a16="http://schemas.microsoft.com/office/drawing/2014/main" id="{93B7D136-4A93-E020-B507-0AFED07013CC}"/>
+              </a:ext>
+            </a:extLst>
+          </p:cNvPr>
+          <p:cNvSpPr txBox="1"/>
+          <p:nvPr/>
+        </p:nvSpPr>
+        <p:spPr>
+          <a:xfrm>
+            <a:off x="6528636" y="5212876"/>
+            <a:ext cx="8845835" cy="461665"/>
+          </a:xfrm>
+          <a:prstGeom prst="rect">
+            <a:avLst/>
+          </a:prstGeom>
+          <a:noFill/>
+          <a:ln w="12700">
+            <a:miter lim="400000"/>
+          </a:ln>
+          <a:extLst>
+            <a:ext uri="{C572A759-6A51-4108-AA02-DFA0A04FC94B}">
+              <ma14:wrappingTextBoxFlag xmlns="" xmlns:m="http://schemas.openxmlformats.org/officeDocument/2006/math" xmlns:a14="http://schemas.microsoft.com/office/drawing/2010/main" xmlns:ma14="http://schemas.microsoft.com/office/mac/drawingml/2011/main" val="1"/>
+            </a:ext>
+          </a:extLst>
+        </p:spPr>
+        <p:txBody>
+          <a:bodyPr wrap="square">
+            <a:spAutoFit/>
+          </a:bodyPr>
+          <a:lstStyle/>
+          <a:p>
+            <a:r>
+              <a:rPr lang="en-US" sz="2400" dirty="0"/>
+              <a:t>(through </a:t>
+            </a:r>
+            <a:r>
+              <a:rPr lang="en-US" sz="2400" dirty="0">
+                <a:solidFill>
+                  <a:srgbClr val="0F62FE"/>
+                </a:solidFill>
               </a:rPr>
-              <a:t>  </a:t>
-            </a:r>
-            <a:r>
-              <a:rPr lang="en-US" sz="2800" dirty="0" err="1">
-                <a:latin typeface="JetBrains Mono NL" panose="02000009000000000000" pitchFamily="49" charset="0"/>
-                <a:ea typeface="JetBrains Mono NL" panose="02000009000000000000" pitchFamily="49" charset="0"/>
-                <a:cs typeface="JetBrains Mono NL" panose="02000009000000000000" pitchFamily="49" charset="0"/>
-              </a:rPr>
-              <a:t>TaskExecutorJobLauncher</a:t>
-            </a:r>
-            <a:r>
-              <a:rPr lang="en-US" sz="2800" dirty="0">
-                <a:latin typeface="JetBrains Mono NL" panose="02000009000000000000" pitchFamily="49" charset="0"/>
-                <a:ea typeface="JetBrains Mono NL" panose="02000009000000000000" pitchFamily="49" charset="0"/>
-                <a:cs typeface="JetBrains Mono NL" panose="02000009000000000000" pitchFamily="49" charset="0"/>
-              </a:rPr>
-              <a:t> </a:t>
-            </a:r>
-            <a:r>
-              <a:rPr lang="en-US" sz="2800" dirty="0" err="1">
-                <a:latin typeface="JetBrains Mono NL" panose="02000009000000000000" pitchFamily="49" charset="0"/>
-                <a:ea typeface="JetBrains Mono NL" panose="02000009000000000000" pitchFamily="49" charset="0"/>
-                <a:cs typeface="JetBrains Mono NL" panose="02000009000000000000" pitchFamily="49" charset="0"/>
-              </a:rPr>
-              <a:t>jobLauncher</a:t>
-            </a:r>
-            <a:r>
-              <a:rPr lang="en-US" sz="2800" dirty="0">
-                <a:latin typeface="JetBrains Mono NL" panose="02000009000000000000" pitchFamily="49" charset="0"/>
-                <a:ea typeface="JetBrains Mono NL" panose="02000009000000000000" pitchFamily="49" charset="0"/>
-                <a:cs typeface="JetBrains Mono NL" panose="02000009000000000000" pitchFamily="49" charset="0"/>
-              </a:rPr>
-              <a:t> = </a:t>
-            </a:r>
-            <a:r>
-              <a:rPr lang="en-US" sz="2800" dirty="0">
-                <a:solidFill>
-                  <a:srgbClr val="D02670"/>
-                </a:solidFill>
-                <a:latin typeface="JetBrains Mono NL" panose="02000009000000000000" pitchFamily="49" charset="0"/>
-                <a:ea typeface="JetBrains Mono NL" panose="02000009000000000000" pitchFamily="49" charset="0"/>
-                <a:cs typeface="JetBrains Mono NL" panose="02000009000000000000" pitchFamily="49" charset="0"/>
-              </a:rPr>
-              <a:t>new</a:t>
-            </a:r>
-            <a:r>
-              <a:rPr lang="en-US" sz="2800" dirty="0">
-                <a:latin typeface="JetBrains Mono NL" panose="02000009000000000000" pitchFamily="49" charset="0"/>
-                <a:ea typeface="JetBrains Mono NL" panose="02000009000000000000" pitchFamily="49" charset="0"/>
-                <a:cs typeface="JetBrains Mono NL" panose="02000009000000000000" pitchFamily="49" charset="0"/>
-              </a:rPr>
-              <a:t> </a:t>
-            </a:r>
-            <a:r>
-              <a:rPr lang="en-US" sz="2800" dirty="0" err="1">
-                <a:latin typeface="JetBrains Mono NL" panose="02000009000000000000" pitchFamily="49" charset="0"/>
-                <a:ea typeface="JetBrains Mono NL" panose="02000009000000000000" pitchFamily="49" charset="0"/>
-                <a:cs typeface="JetBrains Mono NL" panose="02000009000000000000" pitchFamily="49" charset="0"/>
-              </a:rPr>
-              <a:t>TaskExecutorJobLauncher</a:t>
-            </a:r>
-            <a:r>
-              <a:rPr lang="en-US" sz="2800" dirty="0">
-                <a:latin typeface="JetBrains Mono NL" panose="02000009000000000000" pitchFamily="49" charset="0"/>
-                <a:ea typeface="JetBrains Mono NL" panose="02000009000000000000" pitchFamily="49" charset="0"/>
-                <a:cs typeface="JetBrains Mono NL" panose="02000009000000000000" pitchFamily="49" charset="0"/>
-              </a:rPr>
-              <a:t>();  </a:t>
-            </a:r>
-          </a:p>
-          <a:p>
-            <a:r>
-              <a:rPr lang="en-US" sz="2800" dirty="0">
-                <a:latin typeface="JetBrains Mono NL" panose="02000009000000000000" pitchFamily="49" charset="0"/>
-                <a:ea typeface="JetBrains Mono NL" panose="02000009000000000000" pitchFamily="49" charset="0"/>
-                <a:cs typeface="JetBrains Mono NL" panose="02000009000000000000" pitchFamily="49" charset="0"/>
-              </a:rPr>
-              <a:t>  </a:t>
-            </a:r>
-            <a:r>
-              <a:rPr lang="en-US" sz="2800" dirty="0" err="1">
-                <a:latin typeface="JetBrains Mono NL" panose="02000009000000000000" pitchFamily="49" charset="0"/>
-                <a:ea typeface="JetBrains Mono NL" panose="02000009000000000000" pitchFamily="49" charset="0"/>
-                <a:cs typeface="JetBrains Mono NL" panose="02000009000000000000" pitchFamily="49" charset="0"/>
-              </a:rPr>
-              <a:t>jobLauncher.setJobRepository</a:t>
-            </a:r>
-            <a:r>
-              <a:rPr lang="en-US" sz="2800" dirty="0">
-                <a:latin typeface="JetBrains Mono NL" panose="02000009000000000000" pitchFamily="49" charset="0"/>
-                <a:ea typeface="JetBrains Mono NL" panose="02000009000000000000" pitchFamily="49" charset="0"/>
-                <a:cs typeface="JetBrains Mono NL" panose="02000009000000000000" pitchFamily="49" charset="0"/>
-              </a:rPr>
-              <a:t>(</a:t>
-            </a:r>
-            <a:r>
-              <a:rPr lang="en-US" sz="2800" dirty="0" err="1">
-                <a:latin typeface="JetBrains Mono NL" panose="02000009000000000000" pitchFamily="49" charset="0"/>
-                <a:ea typeface="JetBrains Mono NL" panose="02000009000000000000" pitchFamily="49" charset="0"/>
-                <a:cs typeface="JetBrains Mono NL" panose="02000009000000000000" pitchFamily="49" charset="0"/>
-              </a:rPr>
-              <a:t>jobRepository</a:t>
-            </a:r>
-            <a:r>
-              <a:rPr lang="en-US" sz="2800" dirty="0">
-                <a:latin typeface="JetBrains Mono NL" panose="02000009000000000000" pitchFamily="49" charset="0"/>
-                <a:ea typeface="JetBrains Mono NL" panose="02000009000000000000" pitchFamily="49" charset="0"/>
-                <a:cs typeface="JetBrains Mono NL" panose="02000009000000000000" pitchFamily="49" charset="0"/>
-              </a:rPr>
-              <a:t>);</a:t>
-            </a:r>
-          </a:p>
-          <a:p>
-            <a:r>
-              <a:rPr lang="en-US" sz="2800" dirty="0">
-                <a:latin typeface="JetBrains Mono NL" panose="02000009000000000000" pitchFamily="49" charset="0"/>
-                <a:ea typeface="JetBrains Mono NL" panose="02000009000000000000" pitchFamily="49" charset="0"/>
-                <a:cs typeface="JetBrains Mono NL" panose="02000009000000000000" pitchFamily="49" charset="0"/>
-              </a:rPr>
-              <a:t>  </a:t>
-            </a:r>
-            <a:r>
-              <a:rPr lang="en-US" sz="2800" dirty="0" err="1">
-                <a:latin typeface="JetBrains Mono NL" panose="02000009000000000000" pitchFamily="49" charset="0"/>
-                <a:ea typeface="JetBrains Mono NL" panose="02000009000000000000" pitchFamily="49" charset="0"/>
-                <a:cs typeface="JetBrains Mono NL" panose="02000009000000000000" pitchFamily="49" charset="0"/>
-              </a:rPr>
-              <a:t>jobLauncher.afterPropertiesSet</a:t>
-            </a:r>
-            <a:r>
-              <a:rPr lang="en-US" sz="2800" dirty="0">
-                <a:latin typeface="JetBrains Mono NL" panose="02000009000000000000" pitchFamily="49" charset="0"/>
-                <a:ea typeface="JetBrains Mono NL" panose="02000009000000000000" pitchFamily="49" charset="0"/>
-                <a:cs typeface="JetBrains Mono NL" panose="02000009000000000000" pitchFamily="49" charset="0"/>
-              </a:rPr>
-              <a:t>();  </a:t>
-            </a:r>
-          </a:p>
-          <a:p>
-            <a:r>
-              <a:rPr lang="en-US" sz="2800" dirty="0">
-                <a:latin typeface="JetBrains Mono NL" panose="02000009000000000000" pitchFamily="49" charset="0"/>
-                <a:ea typeface="JetBrains Mono NL" panose="02000009000000000000" pitchFamily="49" charset="0"/>
-                <a:cs typeface="JetBrains Mono NL" panose="02000009000000000000" pitchFamily="49" charset="0"/>
-              </a:rPr>
-              <a:t>  </a:t>
-            </a:r>
-            <a:r>
-              <a:rPr lang="en-US" sz="2800" dirty="0">
-                <a:solidFill>
-                  <a:srgbClr val="D02670"/>
-                </a:solidFill>
-                <a:latin typeface="JetBrains Mono NL" panose="02000009000000000000" pitchFamily="49" charset="0"/>
-                <a:ea typeface="JetBrains Mono NL" panose="02000009000000000000" pitchFamily="49" charset="0"/>
-                <a:cs typeface="JetBrains Mono NL" panose="02000009000000000000" pitchFamily="49" charset="0"/>
-              </a:rPr>
-              <a:t>return</a:t>
-            </a:r>
-            <a:r>
-              <a:rPr lang="en-US" sz="2800" dirty="0">
-                <a:latin typeface="JetBrains Mono NL" panose="02000009000000000000" pitchFamily="49" charset="0"/>
-                <a:ea typeface="JetBrains Mono NL" panose="02000009000000000000" pitchFamily="49" charset="0"/>
-                <a:cs typeface="JetBrains Mono NL" panose="02000009000000000000" pitchFamily="49" charset="0"/>
-              </a:rPr>
-              <a:t> </a:t>
-            </a:r>
-            <a:r>
-              <a:rPr lang="en-US" sz="2800" dirty="0" err="1">
-                <a:latin typeface="JetBrains Mono NL" panose="02000009000000000000" pitchFamily="49" charset="0"/>
-                <a:ea typeface="JetBrains Mono NL" panose="02000009000000000000" pitchFamily="49" charset="0"/>
-                <a:cs typeface="JetBrains Mono NL" panose="02000009000000000000" pitchFamily="49" charset="0"/>
-              </a:rPr>
-              <a:t>jobLauncher</a:t>
-            </a:r>
-            <a:r>
-              <a:rPr lang="en-US" sz="2800" dirty="0">
-                <a:latin typeface="JetBrains Mono NL" panose="02000009000000000000" pitchFamily="49" charset="0"/>
-                <a:ea typeface="JetBrains Mono NL" panose="02000009000000000000" pitchFamily="49" charset="0"/>
-                <a:cs typeface="JetBrains Mono NL" panose="02000009000000000000" pitchFamily="49" charset="0"/>
-              </a:rPr>
-              <a:t>;</a:t>
-            </a:r>
-          </a:p>
-          <a:p>
-            <a:r>
-              <a:rPr lang="en-US" sz="2800" dirty="0">
-                <a:latin typeface="JetBrains Mono NL" panose="02000009000000000000" pitchFamily="49" charset="0"/>
-                <a:ea typeface="JetBrains Mono NL" panose="02000009000000000000" pitchFamily="49" charset="0"/>
-                <a:cs typeface="JetBrains Mono NL" panose="02000009000000000000" pitchFamily="49" charset="0"/>
-              </a:rPr>
-              <a:t>}</a:t>
+              <a:t>Spring Web</a:t>
+            </a:r>
+            <a:r>
+              <a:rPr lang="en-US" sz="2400" dirty="0"/>
+              <a:t>)</a:t>
             </a:r>
           </a:p>
         </p:txBody>
@@ -31884,7 +33849,7 @@
 </p:sld>
 </file>
 
-<file path=ppt/slides/slide15.xml><?xml version="1.0" encoding="utf-8"?>
+<file path=ppt/slides/slide18.xml><?xml version="1.0" encoding="utf-8"?>
 <p:sld xmlns:a="http://schemas.openxmlformats.org/drawingml/2006/main" xmlns:r="http://schemas.openxmlformats.org/officeDocument/2006/relationships" xmlns:p="http://schemas.openxmlformats.org/presentationml/2006/main">
   <p:cSld>
     <p:spTree>
@@ -32068,10 +34033,10 @@
       </p:sp>
       <p:sp>
         <p:nvSpPr>
-          <p:cNvPr id="18" name="TextBox 17">
-            <a:extLst>
-              <a:ext uri="{FF2B5EF4-FFF2-40B4-BE49-F238E27FC236}">
-                <a16:creationId xmlns:a16="http://schemas.microsoft.com/office/drawing/2014/main" id="{42525F21-41BA-0F48-533F-A50CB5F16D98}"/>
+          <p:cNvPr id="3" name="TextBox 2">
+            <a:extLst>
+              <a:ext uri="{FF2B5EF4-FFF2-40B4-BE49-F238E27FC236}">
+                <a16:creationId xmlns:a16="http://schemas.microsoft.com/office/drawing/2014/main" id="{03FF2EA0-814F-9FDC-80D9-A25719CD2F61}"/>
               </a:ext>
             </a:extLst>
           </p:cNvPr>
@@ -32080,8 +34045,8 @@
         </p:nvSpPr>
         <p:spPr>
           <a:xfrm>
-            <a:off x="576071" y="2493593"/>
-            <a:ext cx="21780075" cy="5262979"/>
+            <a:off x="576072" y="3095716"/>
+            <a:ext cx="19727340" cy="769441"/>
           </a:xfrm>
           <a:prstGeom prst="rect">
             <a:avLst/>
@@ -32103,15 +34068,63 @@
           <a:lstStyle/>
           <a:p>
             <a:r>
-              <a:rPr lang="en-US" sz="2800" dirty="0">
-                <a:solidFill>
-                  <a:srgbClr val="DA1E28"/>
-                </a:solidFill>
+              <a:rPr lang="en-US" sz="4400" dirty="0"/>
+              <a:t>… are accessible from </a:t>
+            </a:r>
+            <a:r>
+              <a:rPr lang="en-US" sz="4400" dirty="0" err="1"/>
+              <a:t>Tasklet</a:t>
+            </a:r>
+            <a:r>
+              <a:rPr lang="en-US" sz="4400" dirty="0"/>
+              <a:t>:</a:t>
+            </a:r>
+          </a:p>
+        </p:txBody>
+      </p:sp>
+      <p:sp>
+        <p:nvSpPr>
+          <p:cNvPr id="4" name="TextBox 3">
+            <a:extLst>
+              <a:ext uri="{FF2B5EF4-FFF2-40B4-BE49-F238E27FC236}">
+                <a16:creationId xmlns:a16="http://schemas.microsoft.com/office/drawing/2014/main" id="{5F1FCA6D-7757-0357-2014-4CFB50800F98}"/>
+              </a:ext>
+            </a:extLst>
+          </p:cNvPr>
+          <p:cNvSpPr txBox="1"/>
+          <p:nvPr/>
+        </p:nvSpPr>
+        <p:spPr>
+          <a:xfrm>
+            <a:off x="2191305" y="4017593"/>
+            <a:ext cx="16742154" cy="523220"/>
+          </a:xfrm>
+          <a:prstGeom prst="rect">
+            <a:avLst/>
+          </a:prstGeom>
+          <a:noFill/>
+          <a:ln w="12700">
+            <a:miter lim="400000"/>
+          </a:ln>
+          <a:extLst>
+            <a:ext uri="{C572A759-6A51-4108-AA02-DFA0A04FC94B}">
+              <ma14:wrappingTextBoxFlag xmlns:ma14="http://schemas.microsoft.com/office/mac/drawingml/2011/main" xmlns:a14="http://schemas.microsoft.com/office/drawing/2010/main" xmlns:m="http://schemas.openxmlformats.org/officeDocument/2006/math" xmlns="" val="1"/>
+            </a:ext>
+          </a:extLst>
+        </p:spPr>
+        <p:txBody>
+          <a:bodyPr wrap="square">
+            <a:spAutoFit/>
+          </a:bodyPr>
+          <a:lstStyle/>
+          <a:p>
+            <a:r>
+              <a:rPr lang="en-US" sz="2800" dirty="0" err="1">
                 <a:latin typeface="JetBrains Mono NL" panose="02000009000000000000" pitchFamily="49" charset="0"/>
                 <a:ea typeface="JetBrains Mono NL" panose="02000009000000000000" pitchFamily="49" charset="0"/>
                 <a:cs typeface="JetBrains Mono NL" panose="02000009000000000000" pitchFamily="49" charset="0"/>
               </a:rPr>
-              <a:t>&lt;job </a:t>
+              <a:t>contribution.getStepExecution</a:t>
             </a:r>
             <a:r>
               <a:rPr lang="en-US" sz="2800" dirty="0">
@@ -32119,83 +34132,139 @@
                 <a:ea typeface="JetBrains Mono NL" panose="02000009000000000000" pitchFamily="49" charset="0"/>
                 <a:cs typeface="JetBrains Mono NL" panose="02000009000000000000" pitchFamily="49" charset="0"/>
               </a:rPr>
-              <a:t>id</a:t>
-            </a:r>
-            <a:r>
-              <a:rPr lang="en-US" sz="2800" dirty="0">
-                <a:solidFill>
-                  <a:srgbClr val="DA1E28"/>
-                </a:solidFill>
+              <a:t>().</a:t>
+            </a:r>
+            <a:r>
+              <a:rPr lang="en-US" sz="2800" dirty="0" err="1">
                 <a:latin typeface="JetBrains Mono NL" panose="02000009000000000000" pitchFamily="49" charset="0"/>
                 <a:ea typeface="JetBrains Mono NL" panose="02000009000000000000" pitchFamily="49" charset="0"/>
                 <a:cs typeface="JetBrains Mono NL" panose="02000009000000000000" pitchFamily="49" charset="0"/>
               </a:rPr>
-              <a:t>=</a:t>
-            </a:r>
-            <a:r>
-              <a:rPr lang="en-US" sz="2800" dirty="0">
-                <a:solidFill>
-                  <a:srgbClr val="24A148"/>
-                </a:solidFill>
-                <a:latin typeface="JetBrains Mono NL" panose="02000009000000000000" pitchFamily="49" charset="0"/>
-                <a:ea typeface="JetBrains Mono NL" panose="02000009000000000000" pitchFamily="49" charset="0"/>
-                <a:cs typeface="JetBrains Mono NL" panose="02000009000000000000" pitchFamily="49" charset="0"/>
-              </a:rPr>
-              <a:t>“</a:t>
-            </a:r>
-            <a:r>
-              <a:rPr lang="en-US" sz="2800" dirty="0" err="1">
-                <a:solidFill>
-                  <a:srgbClr val="24A148"/>
-                </a:solidFill>
-                <a:latin typeface="JetBrains Mono NL" panose="02000009000000000000" pitchFamily="49" charset="0"/>
-                <a:ea typeface="JetBrains Mono NL" panose="02000009000000000000" pitchFamily="49" charset="0"/>
-                <a:cs typeface="JetBrains Mono NL" panose="02000009000000000000" pitchFamily="49" charset="0"/>
-              </a:rPr>
-              <a:t>persist_orders</a:t>
-            </a:r>
-            <a:r>
-              <a:rPr lang="en-US" sz="2800" dirty="0">
-                <a:solidFill>
-                  <a:srgbClr val="24A148"/>
-                </a:solidFill>
-                <a:latin typeface="JetBrains Mono NL" panose="02000009000000000000" pitchFamily="49" charset="0"/>
-                <a:ea typeface="JetBrains Mono NL" panose="02000009000000000000" pitchFamily="49" charset="0"/>
-                <a:cs typeface="JetBrains Mono NL" panose="02000009000000000000" pitchFamily="49" charset="0"/>
-              </a:rPr>
-              <a:t>"</a:t>
-            </a:r>
-            <a:r>
-              <a:rPr lang="en-US" sz="2800" dirty="0">
-                <a:solidFill>
-                  <a:srgbClr val="DA1E28"/>
-                </a:solidFill>
-                <a:latin typeface="JetBrains Mono NL" panose="02000009000000000000" pitchFamily="49" charset="0"/>
-                <a:ea typeface="JetBrains Mono NL" panose="02000009000000000000" pitchFamily="49" charset="0"/>
-                <a:cs typeface="JetBrains Mono NL" panose="02000009000000000000" pitchFamily="49" charset="0"/>
-              </a:rPr>
-              <a:t>&gt;</a:t>
-            </a:r>
-          </a:p>
-          <a:p>
+              <a:t>getJobParameters</a:t>
+            </a:r>
             <a:r>
               <a:rPr lang="en-US" sz="2800" dirty="0">
                 <a:latin typeface="JetBrains Mono NL" panose="02000009000000000000" pitchFamily="49" charset="0"/>
                 <a:ea typeface="JetBrains Mono NL" panose="02000009000000000000" pitchFamily="49" charset="0"/>
                 <a:cs typeface="JetBrains Mono NL" panose="02000009000000000000" pitchFamily="49" charset="0"/>
               </a:rPr>
-              <a:t>     </a:t>
-            </a:r>
+              <a:t>();</a:t>
+            </a:r>
+            <a:endParaRPr lang="en-US" sz="2800" dirty="0">
+              <a:solidFill>
+                <a:srgbClr val="0F62FE"/>
+              </a:solidFill>
+              <a:latin typeface="JetBrains Mono NL" panose="02000009000000000000" pitchFamily="49" charset="0"/>
+              <a:ea typeface="JetBrains Mono NL" panose="02000009000000000000" pitchFamily="49" charset="0"/>
+              <a:cs typeface="JetBrains Mono NL" panose="02000009000000000000" pitchFamily="49" charset="0"/>
+            </a:endParaRPr>
+          </a:p>
+        </p:txBody>
+      </p:sp>
+      <p:sp>
+        <p:nvSpPr>
+          <p:cNvPr id="6" name="TextBox 5">
+            <a:extLst>
+              <a:ext uri="{FF2B5EF4-FFF2-40B4-BE49-F238E27FC236}">
+                <a16:creationId xmlns:a16="http://schemas.microsoft.com/office/drawing/2014/main" id="{F4015256-0E8D-92E6-FBC9-4BAAF5497B98}"/>
+              </a:ext>
+            </a:extLst>
+          </p:cNvPr>
+          <p:cNvSpPr txBox="1"/>
+          <p:nvPr/>
+        </p:nvSpPr>
+        <p:spPr>
+          <a:xfrm>
+            <a:off x="576072" y="5122045"/>
+            <a:ext cx="19727340" cy="769441"/>
+          </a:xfrm>
+          <a:prstGeom prst="rect">
+            <a:avLst/>
+          </a:prstGeom>
+          <a:noFill/>
+          <a:ln w="12700">
+            <a:miter lim="400000"/>
+          </a:ln>
+          <a:extLst>
+            <a:ext uri="{C572A759-6A51-4108-AA02-DFA0A04FC94B}">
+              <ma14:wrappingTextBoxFlag xmlns="" xmlns:m="http://schemas.openxmlformats.org/officeDocument/2006/math" xmlns:a14="http://schemas.microsoft.com/office/drawing/2010/main" xmlns:ma14="http://schemas.microsoft.com/office/mac/drawingml/2011/main" val="1"/>
+            </a:ext>
+          </a:extLst>
+        </p:spPr>
+        <p:txBody>
+          <a:bodyPr wrap="square">
+            <a:spAutoFit/>
+          </a:bodyPr>
+          <a:lstStyle/>
+          <a:p>
+            <a:r>
+              <a:rPr lang="en-US" sz="4400" dirty="0"/>
+              <a:t>… but their values can also be injected into writers/readers/processors:</a:t>
+            </a:r>
+          </a:p>
+        </p:txBody>
+      </p:sp>
+      <p:sp>
+        <p:nvSpPr>
+          <p:cNvPr id="7" name="TextBox 6">
+            <a:extLst>
+              <a:ext uri="{FF2B5EF4-FFF2-40B4-BE49-F238E27FC236}">
+                <a16:creationId xmlns:a16="http://schemas.microsoft.com/office/drawing/2014/main" id="{C13DDDAA-032B-462A-9C7F-7356B8D3E301}"/>
+              </a:ext>
+            </a:extLst>
+          </p:cNvPr>
+          <p:cNvSpPr txBox="1"/>
+          <p:nvPr/>
+        </p:nvSpPr>
+        <p:spPr>
+          <a:xfrm>
+            <a:off x="576072" y="6053605"/>
+            <a:ext cx="23574846" cy="1815882"/>
+          </a:xfrm>
+          <a:prstGeom prst="rect">
+            <a:avLst/>
+          </a:prstGeom>
+          <a:noFill/>
+          <a:ln w="12700">
+            <a:miter lim="400000"/>
+          </a:ln>
+          <a:extLst>
+            <a:ext uri="{C572A759-6A51-4108-AA02-DFA0A04FC94B}">
+              <ma14:wrappingTextBoxFlag xmlns:ma14="http://schemas.microsoft.com/office/mac/drawingml/2011/main" xmlns:a14="http://schemas.microsoft.com/office/drawing/2010/main" xmlns:m="http://schemas.openxmlformats.org/officeDocument/2006/math" xmlns="" val="1"/>
+            </a:ext>
+          </a:extLst>
+        </p:spPr>
+        <p:txBody>
+          <a:bodyPr wrap="square">
+            <a:spAutoFit/>
+          </a:bodyPr>
+          <a:lstStyle/>
+          <a:p>
             <a:r>
               <a:rPr lang="en-US" sz="2800" dirty="0">
                 <a:solidFill>
-                  <a:srgbClr val="DA1E28"/>
+                  <a:schemeClr val="bg1">
+                    <a:lumMod val="65000"/>
+                  </a:schemeClr>
                 </a:solidFill>
                 <a:latin typeface="JetBrains Mono NL" panose="02000009000000000000" pitchFamily="49" charset="0"/>
                 <a:ea typeface="JetBrains Mono NL" panose="02000009000000000000" pitchFamily="49" charset="0"/>
                 <a:cs typeface="JetBrains Mono NL" panose="02000009000000000000" pitchFamily="49" charset="0"/>
               </a:rPr>
-              <a:t>&lt;step </a:t>
+              <a:t>@Bean</a:t>
+            </a:r>
+          </a:p>
+          <a:p>
+            <a:r>
+              <a:rPr lang="en-US" sz="2800" dirty="0">
+                <a:solidFill>
+                  <a:srgbClr val="D02670"/>
+                </a:solidFill>
+                <a:latin typeface="JetBrains Mono NL" panose="02000009000000000000" pitchFamily="49" charset="0"/>
+                <a:ea typeface="JetBrains Mono NL" panose="02000009000000000000" pitchFamily="49" charset="0"/>
+                <a:cs typeface="JetBrains Mono NL" panose="02000009000000000000" pitchFamily="49" charset="0"/>
+              </a:rPr>
+              <a:t>public</a:t>
             </a:r>
             <a:r>
               <a:rPr lang="en-US" sz="2800" dirty="0">
@@ -32203,40 +34272,15 @@
                 <a:ea typeface="JetBrains Mono NL" panose="02000009000000000000" pitchFamily="49" charset="0"/>
                 <a:cs typeface="JetBrains Mono NL" panose="02000009000000000000" pitchFamily="49" charset="0"/>
               </a:rPr>
-              <a:t>id=</a:t>
-            </a:r>
-            <a:r>
-              <a:rPr lang="en-US" sz="2800" dirty="0">
-                <a:solidFill>
-                  <a:srgbClr val="24A148"/>
-                </a:solidFill>
+              <a:t> </a:t>
+            </a:r>
+            <a:r>
+              <a:rPr lang="en-US" sz="2800" dirty="0" err="1">
                 <a:latin typeface="JetBrains Mono NL" panose="02000009000000000000" pitchFamily="49" charset="0"/>
                 <a:ea typeface="JetBrains Mono NL" panose="02000009000000000000" pitchFamily="49" charset="0"/>
                 <a:cs typeface="JetBrains Mono NL" panose="02000009000000000000" pitchFamily="49" charset="0"/>
               </a:rPr>
-              <a:t>“</a:t>
-            </a:r>
-            <a:r>
-              <a:rPr lang="en-US" sz="2800" dirty="0" err="1">
-                <a:solidFill>
-                  <a:srgbClr val="24A148"/>
-                </a:solidFill>
-                <a:latin typeface="JetBrains Mono NL" panose="02000009000000000000" pitchFamily="49" charset="0"/>
-                <a:ea typeface="JetBrains Mono NL" panose="02000009000000000000" pitchFamily="49" charset="0"/>
-                <a:cs typeface="JetBrains Mono NL" panose="02000009000000000000" pitchFamily="49" charset="0"/>
-              </a:rPr>
-              <a:t>update_existing_products</a:t>
-            </a:r>
-            <a:r>
-              <a:rPr lang="en-US" sz="2800" dirty="0">
-                <a:solidFill>
-                  <a:srgbClr val="24A148"/>
-                </a:solidFill>
-                <a:latin typeface="JetBrains Mono NL" panose="02000009000000000000" pitchFamily="49" charset="0"/>
-                <a:ea typeface="JetBrains Mono NL" panose="02000009000000000000" pitchFamily="49" charset="0"/>
-                <a:cs typeface="JetBrains Mono NL" panose="02000009000000000000" pitchFamily="49" charset="0"/>
-              </a:rPr>
-              <a:t>" </a:t>
+              <a:t>FlatFileItemReader</a:t>
             </a:r>
             <a:r>
               <a:rPr lang="en-US" sz="2800" dirty="0">
@@ -32244,86 +34288,15 @@
                 <a:ea typeface="JetBrains Mono NL" panose="02000009000000000000" pitchFamily="49" charset="0"/>
                 <a:cs typeface="JetBrains Mono NL" panose="02000009000000000000" pitchFamily="49" charset="0"/>
               </a:rPr>
-              <a:t>next=</a:t>
-            </a:r>
-            <a:r>
-              <a:rPr lang="en-US" sz="2800" dirty="0">
-                <a:solidFill>
-                  <a:srgbClr val="24A148"/>
-                </a:solidFill>
+              <a:t>&lt;Order&gt; </a:t>
+            </a:r>
+            <a:r>
+              <a:rPr lang="en-US" sz="2800" dirty="0" err="1">
                 <a:latin typeface="JetBrains Mono NL" panose="02000009000000000000" pitchFamily="49" charset="0"/>
                 <a:ea typeface="JetBrains Mono NL" panose="02000009000000000000" pitchFamily="49" charset="0"/>
                 <a:cs typeface="JetBrains Mono NL" panose="02000009000000000000" pitchFamily="49" charset="0"/>
               </a:rPr>
-              <a:t>“</a:t>
-            </a:r>
-            <a:r>
-              <a:rPr lang="en-US" sz="2800" dirty="0" err="1">
-                <a:solidFill>
-                  <a:srgbClr val="24A148"/>
-                </a:solidFill>
-                <a:latin typeface="JetBrains Mono NL" panose="02000009000000000000" pitchFamily="49" charset="0"/>
-                <a:ea typeface="JetBrains Mono NL" panose="02000009000000000000" pitchFamily="49" charset="0"/>
-                <a:cs typeface="JetBrains Mono NL" panose="02000009000000000000" pitchFamily="49" charset="0"/>
-              </a:rPr>
-              <a:t>insert_new_products</a:t>
-            </a:r>
-            <a:r>
-              <a:rPr lang="en-US" sz="2800" dirty="0">
-                <a:solidFill>
-                  <a:srgbClr val="24A148"/>
-                </a:solidFill>
-                <a:latin typeface="JetBrains Mono NL" panose="02000009000000000000" pitchFamily="49" charset="0"/>
-                <a:ea typeface="JetBrains Mono NL" panose="02000009000000000000" pitchFamily="49" charset="0"/>
-                <a:cs typeface="JetBrains Mono NL" panose="02000009000000000000" pitchFamily="49" charset="0"/>
-              </a:rPr>
-              <a:t>“</a:t>
-            </a:r>
-            <a:r>
-              <a:rPr lang="en-US" sz="2800" dirty="0">
-                <a:solidFill>
-                  <a:srgbClr val="DA1E28"/>
-                </a:solidFill>
-                <a:latin typeface="JetBrains Mono NL" panose="02000009000000000000" pitchFamily="49" charset="0"/>
-                <a:ea typeface="JetBrains Mono NL" panose="02000009000000000000" pitchFamily="49" charset="0"/>
-                <a:cs typeface="JetBrains Mono NL" panose="02000009000000000000" pitchFamily="49" charset="0"/>
-              </a:rPr>
-              <a:t>&gt;</a:t>
-            </a:r>
-          </a:p>
-          <a:p>
-            <a:r>
-              <a:rPr lang="en-US" sz="2800" dirty="0">
-                <a:solidFill>
-                  <a:srgbClr val="DA1E28"/>
-                </a:solidFill>
-                <a:latin typeface="JetBrains Mono NL" panose="02000009000000000000" pitchFamily="49" charset="0"/>
-                <a:ea typeface="JetBrains Mono NL" panose="02000009000000000000" pitchFamily="49" charset="0"/>
-                <a:cs typeface="JetBrains Mono NL" panose="02000009000000000000" pitchFamily="49" charset="0"/>
-              </a:rPr>
-              <a:t>	 &lt;</a:t>
-            </a:r>
-            <a:r>
-              <a:rPr lang="en-US" sz="2800" dirty="0" err="1">
-                <a:solidFill>
-                  <a:srgbClr val="DA1E28"/>
-                </a:solidFill>
-                <a:latin typeface="JetBrains Mono NL" panose="02000009000000000000" pitchFamily="49" charset="0"/>
-                <a:ea typeface="JetBrains Mono NL" panose="02000009000000000000" pitchFamily="49" charset="0"/>
-                <a:cs typeface="JetBrains Mono NL" panose="02000009000000000000" pitchFamily="49" charset="0"/>
-              </a:rPr>
-              <a:t>tasklet</a:t>
-            </a:r>
-            <a:r>
-              <a:rPr lang="en-US" sz="2800" dirty="0">
-                <a:solidFill>
-                  <a:srgbClr val="DA1E28"/>
-                </a:solidFill>
-                <a:latin typeface="JetBrains Mono NL" panose="02000009000000000000" pitchFamily="49" charset="0"/>
-                <a:ea typeface="JetBrains Mono NL" panose="02000009000000000000" pitchFamily="49" charset="0"/>
-                <a:cs typeface="JetBrains Mono NL" panose="02000009000000000000" pitchFamily="49" charset="0"/>
-              </a:rPr>
-              <a:t> </a:t>
+              <a:t>itemReader</a:t>
             </a:r>
             <a:r>
               <a:rPr lang="en-US" sz="2800" dirty="0">
@@ -32331,64 +34304,18 @@
                 <a:ea typeface="JetBrains Mono NL" panose="02000009000000000000" pitchFamily="49" charset="0"/>
                 <a:cs typeface="JetBrains Mono NL" panose="02000009000000000000" pitchFamily="49" charset="0"/>
               </a:rPr>
-              <a:t>transaction-manager=</a:t>
+              <a:t>(</a:t>
             </a:r>
             <a:r>
               <a:rPr lang="en-US" sz="2800" dirty="0">
                 <a:solidFill>
-                  <a:srgbClr val="24A148"/>
+                  <a:srgbClr val="009D9A"/>
                 </a:solidFill>
                 <a:latin typeface="JetBrains Mono NL" panose="02000009000000000000" pitchFamily="49" charset="0"/>
                 <a:ea typeface="JetBrains Mono NL" panose="02000009000000000000" pitchFamily="49" charset="0"/>
                 <a:cs typeface="JetBrains Mono NL" panose="02000009000000000000" pitchFamily="49" charset="0"/>
               </a:rPr>
-              <a:t>"</a:t>
-            </a:r>
-            <a:r>
-              <a:rPr lang="en-US" sz="2800" dirty="0" err="1">
-                <a:solidFill>
-                  <a:srgbClr val="24A148"/>
-                </a:solidFill>
-                <a:latin typeface="JetBrains Mono NL" panose="02000009000000000000" pitchFamily="49" charset="0"/>
-                <a:ea typeface="JetBrains Mono NL" panose="02000009000000000000" pitchFamily="49" charset="0"/>
-                <a:cs typeface="JetBrains Mono NL" panose="02000009000000000000" pitchFamily="49" charset="0"/>
-              </a:rPr>
-              <a:t>transactionManager</a:t>
-            </a:r>
-            <a:r>
-              <a:rPr lang="en-US" sz="2800" dirty="0">
-                <a:solidFill>
-                  <a:srgbClr val="24A148"/>
-                </a:solidFill>
-                <a:latin typeface="JetBrains Mono NL" panose="02000009000000000000" pitchFamily="49" charset="0"/>
-                <a:ea typeface="JetBrains Mono NL" panose="02000009000000000000" pitchFamily="49" charset="0"/>
-                <a:cs typeface="JetBrains Mono NL" panose="02000009000000000000" pitchFamily="49" charset="0"/>
-              </a:rPr>
-              <a:t>"</a:t>
-            </a:r>
-            <a:r>
-              <a:rPr lang="en-US" sz="2800" dirty="0">
-                <a:solidFill>
-                  <a:srgbClr val="DA1E28"/>
-                </a:solidFill>
-                <a:latin typeface="JetBrains Mono NL" panose="02000009000000000000" pitchFamily="49" charset="0"/>
-                <a:ea typeface="JetBrains Mono NL" panose="02000009000000000000" pitchFamily="49" charset="0"/>
-                <a:cs typeface="JetBrains Mono NL" panose="02000009000000000000" pitchFamily="49" charset="0"/>
-              </a:rPr>
-              <a:t>&gt;</a:t>
-            </a:r>
-          </a:p>
-          <a:p>
-            <a:r>
-              <a:rPr lang="en-US" sz="2800" dirty="0">
-                <a:solidFill>
-                  <a:srgbClr val="DA1E28"/>
-                </a:solidFill>
-                <a:latin typeface="JetBrains Mono NL" panose="02000009000000000000" pitchFamily="49" charset="0"/>
-                <a:ea typeface="JetBrains Mono NL" panose="02000009000000000000" pitchFamily="49" charset="0"/>
-                <a:cs typeface="JetBrains Mono NL" panose="02000009000000000000" pitchFamily="49" charset="0"/>
-              </a:rPr>
-              <a:t>              &lt;chunk </a:t>
+              <a:t>@Value("#{jobParameters}") </a:t>
             </a:r>
             <a:r>
               <a:rPr lang="en-US" sz="2800" dirty="0">
@@ -32396,40 +34323,15 @@
                 <a:ea typeface="JetBrains Mono NL" panose="02000009000000000000" pitchFamily="49" charset="0"/>
                 <a:cs typeface="JetBrains Mono NL" panose="02000009000000000000" pitchFamily="49" charset="0"/>
               </a:rPr>
-              <a:t>reader=</a:t>
-            </a:r>
-            <a:r>
-              <a:rPr lang="en-US" sz="2800" dirty="0">
-                <a:solidFill>
-                  <a:srgbClr val="24A148"/>
-                </a:solidFill>
+              <a:t>Map&lt;String, Object&gt; </a:t>
+            </a:r>
+            <a:r>
+              <a:rPr lang="en-US" sz="2800" dirty="0" err="1">
                 <a:latin typeface="JetBrains Mono NL" panose="02000009000000000000" pitchFamily="49" charset="0"/>
                 <a:ea typeface="JetBrains Mono NL" panose="02000009000000000000" pitchFamily="49" charset="0"/>
                 <a:cs typeface="JetBrains Mono NL" panose="02000009000000000000" pitchFamily="49" charset="0"/>
               </a:rPr>
-              <a:t>“</a:t>
-            </a:r>
-            <a:r>
-              <a:rPr lang="en-US" sz="2800" dirty="0" err="1">
-                <a:solidFill>
-                  <a:srgbClr val="24A148"/>
-                </a:solidFill>
-                <a:latin typeface="JetBrains Mono NL" panose="02000009000000000000" pitchFamily="49" charset="0"/>
-                <a:ea typeface="JetBrains Mono NL" panose="02000009000000000000" pitchFamily="49" charset="0"/>
-                <a:cs typeface="JetBrains Mono NL" panose="02000009000000000000" pitchFamily="49" charset="0"/>
-              </a:rPr>
-              <a:t>existingProductsItemReader</a:t>
-            </a:r>
-            <a:r>
-              <a:rPr lang="en-US" sz="2800" dirty="0">
-                <a:solidFill>
-                  <a:srgbClr val="24A148"/>
-                </a:solidFill>
-                <a:latin typeface="JetBrains Mono NL" panose="02000009000000000000" pitchFamily="49" charset="0"/>
-                <a:ea typeface="JetBrains Mono NL" panose="02000009000000000000" pitchFamily="49" charset="0"/>
-                <a:cs typeface="JetBrains Mono NL" panose="02000009000000000000" pitchFamily="49" charset="0"/>
-              </a:rPr>
-              <a:t>" </a:t>
+              <a:t>jobParameters</a:t>
             </a:r>
             <a:r>
               <a:rPr lang="en-US" sz="2800" dirty="0">
@@ -32437,99 +34339,18 @@
                 <a:ea typeface="JetBrains Mono NL" panose="02000009000000000000" pitchFamily="49" charset="0"/>
                 <a:cs typeface="JetBrains Mono NL" panose="02000009000000000000" pitchFamily="49" charset="0"/>
               </a:rPr>
-              <a:t>writer=</a:t>
+              <a:t>) </a:t>
             </a:r>
             <a:r>
               <a:rPr lang="en-US" sz="2800" dirty="0">
                 <a:solidFill>
-                  <a:srgbClr val="24A148"/>
+                  <a:srgbClr val="D02670"/>
                 </a:solidFill>
                 <a:latin typeface="JetBrains Mono NL" panose="02000009000000000000" pitchFamily="49" charset="0"/>
                 <a:ea typeface="JetBrains Mono NL" panose="02000009000000000000" pitchFamily="49" charset="0"/>
                 <a:cs typeface="JetBrains Mono NL" panose="02000009000000000000" pitchFamily="49" charset="0"/>
               </a:rPr>
-              <a:t>“</a:t>
-            </a:r>
-            <a:r>
-              <a:rPr lang="en-US" sz="2800" dirty="0" err="1">
-                <a:solidFill>
-                  <a:srgbClr val="24A148"/>
-                </a:solidFill>
-                <a:latin typeface="JetBrains Mono NL" panose="02000009000000000000" pitchFamily="49" charset="0"/>
-                <a:ea typeface="JetBrains Mono NL" panose="02000009000000000000" pitchFamily="49" charset="0"/>
-                <a:cs typeface="JetBrains Mono NL" panose="02000009000000000000" pitchFamily="49" charset="0"/>
-              </a:rPr>
-              <a:t>existingProductsItemWriter</a:t>
-            </a:r>
-            <a:r>
-              <a:rPr lang="en-US" sz="2800" dirty="0">
-                <a:solidFill>
-                  <a:srgbClr val="24A148"/>
-                </a:solidFill>
-                <a:latin typeface="JetBrains Mono NL" panose="02000009000000000000" pitchFamily="49" charset="0"/>
-                <a:ea typeface="JetBrains Mono NL" panose="02000009000000000000" pitchFamily="49" charset="0"/>
-                <a:cs typeface="JetBrains Mono NL" panose="02000009000000000000" pitchFamily="49" charset="0"/>
-              </a:rPr>
-              <a:t>"</a:t>
-            </a:r>
-            <a:r>
-              <a:rPr lang="en-US" sz="2800" dirty="0">
-                <a:solidFill>
-                  <a:srgbClr val="DA1E28"/>
-                </a:solidFill>
-                <a:latin typeface="JetBrains Mono NL" panose="02000009000000000000" pitchFamily="49" charset="0"/>
-                <a:ea typeface="JetBrains Mono NL" panose="02000009000000000000" pitchFamily="49" charset="0"/>
-                <a:cs typeface="JetBrains Mono NL" panose="02000009000000000000" pitchFamily="49" charset="0"/>
-              </a:rPr>
-              <a:t>/&gt;</a:t>
-            </a:r>
-          </a:p>
-          <a:p>
-            <a:r>
-              <a:rPr lang="en-US" sz="2800" dirty="0">
-                <a:solidFill>
-                  <a:srgbClr val="DA1E28"/>
-                </a:solidFill>
-                <a:latin typeface="JetBrains Mono NL" panose="02000009000000000000" pitchFamily="49" charset="0"/>
-                <a:ea typeface="JetBrains Mono NL" panose="02000009000000000000" pitchFamily="49" charset="0"/>
-                <a:cs typeface="JetBrains Mono NL" panose="02000009000000000000" pitchFamily="49" charset="0"/>
-              </a:rPr>
-              <a:t>          &lt;/</a:t>
-            </a:r>
-            <a:r>
-              <a:rPr lang="en-US" sz="2800" dirty="0" err="1">
-                <a:solidFill>
-                  <a:srgbClr val="DA1E28"/>
-                </a:solidFill>
-                <a:latin typeface="JetBrains Mono NL" panose="02000009000000000000" pitchFamily="49" charset="0"/>
-                <a:ea typeface="JetBrains Mono NL" panose="02000009000000000000" pitchFamily="49" charset="0"/>
-                <a:cs typeface="JetBrains Mono NL" panose="02000009000000000000" pitchFamily="49" charset="0"/>
-              </a:rPr>
-              <a:t>tasklet</a:t>
-            </a:r>
-            <a:r>
-              <a:rPr lang="en-US" sz="2800" dirty="0">
-                <a:solidFill>
-                  <a:srgbClr val="DA1E28"/>
-                </a:solidFill>
-                <a:latin typeface="JetBrains Mono NL" panose="02000009000000000000" pitchFamily="49" charset="0"/>
-                <a:ea typeface="JetBrains Mono NL" panose="02000009000000000000" pitchFamily="49" charset="0"/>
-                <a:cs typeface="JetBrains Mono NL" panose="02000009000000000000" pitchFamily="49" charset="0"/>
-              </a:rPr>
-              <a:t>&gt;</a:t>
-            </a:r>
-          </a:p>
-          <a:p>
-            <a:r>
-              <a:rPr lang="en-US" sz="2800" dirty="0">
-                <a:solidFill>
-                  <a:srgbClr val="DA1E28"/>
-                </a:solidFill>
-                <a:latin typeface="JetBrains Mono NL" panose="02000009000000000000" pitchFamily="49" charset="0"/>
-                <a:ea typeface="JetBrains Mono NL" panose="02000009000000000000" pitchFamily="49" charset="0"/>
-                <a:cs typeface="JetBrains Mono NL" panose="02000009000000000000" pitchFamily="49" charset="0"/>
-              </a:rPr>
-              <a:t>     &lt;/step&gt;</a:t>
+              <a:t>{</a:t>
             </a:r>
           </a:p>
           <a:p>
@@ -32539,365 +34360,33 @@
                 <a:ea typeface="JetBrains Mono NL" panose="02000009000000000000" pitchFamily="49" charset="0"/>
                 <a:cs typeface="JetBrains Mono NL" panose="02000009000000000000" pitchFamily="49" charset="0"/>
               </a:rPr>
-              <a:t>     </a:t>
+              <a:t>	</a:t>
             </a:r>
             <a:r>
               <a:rPr lang="en-US" sz="2800" dirty="0">
                 <a:solidFill>
-                  <a:srgbClr val="DA1E28"/>
+                  <a:schemeClr val="bg1">
+                    <a:lumMod val="75000"/>
+                  </a:schemeClr>
                 </a:solidFill>
                 <a:latin typeface="JetBrains Mono NL" panose="02000009000000000000" pitchFamily="49" charset="0"/>
                 <a:ea typeface="JetBrains Mono NL" panose="02000009000000000000" pitchFamily="49" charset="0"/>
                 <a:cs typeface="JetBrains Mono NL" panose="02000009000000000000" pitchFamily="49" charset="0"/>
               </a:rPr>
-              <a:t>&lt;step </a:t>
-            </a:r>
+              <a:t>// …</a:t>
+            </a:r>
+          </a:p>
+          <a:p>
             <a:r>
               <a:rPr lang="en-US" sz="2800" dirty="0">
+                <a:solidFill>
+                  <a:srgbClr val="D02670"/>
+                </a:solidFill>
                 <a:latin typeface="JetBrains Mono NL" panose="02000009000000000000" pitchFamily="49" charset="0"/>
                 <a:ea typeface="JetBrains Mono NL" panose="02000009000000000000" pitchFamily="49" charset="0"/>
                 <a:cs typeface="JetBrains Mono NL" panose="02000009000000000000" pitchFamily="49" charset="0"/>
               </a:rPr>
-              <a:t>id=</a:t>
-            </a:r>
-            <a:r>
-              <a:rPr lang="en-US" sz="2800" dirty="0">
-                <a:solidFill>
-                  <a:srgbClr val="24A148"/>
-                </a:solidFill>
-                <a:latin typeface="JetBrains Mono NL" panose="02000009000000000000" pitchFamily="49" charset="0"/>
-                <a:ea typeface="JetBrains Mono NL" panose="02000009000000000000" pitchFamily="49" charset="0"/>
-                <a:cs typeface="JetBrains Mono NL" panose="02000009000000000000" pitchFamily="49" charset="0"/>
-              </a:rPr>
-              <a:t>“</a:t>
-            </a:r>
-            <a:r>
-              <a:rPr lang="en-US" sz="2800" dirty="0" err="1">
-                <a:solidFill>
-                  <a:srgbClr val="24A148"/>
-                </a:solidFill>
-                <a:latin typeface="JetBrains Mono NL" panose="02000009000000000000" pitchFamily="49" charset="0"/>
-                <a:ea typeface="JetBrains Mono NL" panose="02000009000000000000" pitchFamily="49" charset="0"/>
-                <a:cs typeface="JetBrains Mono NL" panose="02000009000000000000" pitchFamily="49" charset="0"/>
-              </a:rPr>
-              <a:t>insert_new_products</a:t>
-            </a:r>
-            <a:r>
-              <a:rPr lang="en-US" sz="2800" dirty="0">
-                <a:solidFill>
-                  <a:srgbClr val="24A148"/>
-                </a:solidFill>
-                <a:latin typeface="JetBrains Mono NL" panose="02000009000000000000" pitchFamily="49" charset="0"/>
-                <a:ea typeface="JetBrains Mono NL" panose="02000009000000000000" pitchFamily="49" charset="0"/>
-                <a:cs typeface="JetBrains Mono NL" panose="02000009000000000000" pitchFamily="49" charset="0"/>
-              </a:rPr>
-              <a:t>" </a:t>
-            </a:r>
-            <a:r>
-              <a:rPr lang="en-US" sz="2800" dirty="0">
-                <a:latin typeface="JetBrains Mono NL" panose="02000009000000000000" pitchFamily="49" charset="0"/>
-                <a:ea typeface="JetBrains Mono NL" panose="02000009000000000000" pitchFamily="49" charset="0"/>
-                <a:cs typeface="JetBrains Mono NL" panose="02000009000000000000" pitchFamily="49" charset="0"/>
-              </a:rPr>
-              <a:t>next=</a:t>
-            </a:r>
-            <a:r>
-              <a:rPr lang="en-US" sz="2800" dirty="0">
-                <a:solidFill>
-                  <a:srgbClr val="24A148"/>
-                </a:solidFill>
-                <a:latin typeface="JetBrains Mono NL" panose="02000009000000000000" pitchFamily="49" charset="0"/>
-                <a:ea typeface="JetBrains Mono NL" panose="02000009000000000000" pitchFamily="49" charset="0"/>
-                <a:cs typeface="JetBrains Mono NL" panose="02000009000000000000" pitchFamily="49" charset="0"/>
-              </a:rPr>
-              <a:t>“</a:t>
-            </a:r>
-            <a:r>
-              <a:rPr lang="en-US" sz="2800" dirty="0" err="1">
-                <a:solidFill>
-                  <a:srgbClr val="24A148"/>
-                </a:solidFill>
-                <a:latin typeface="JetBrains Mono NL" panose="02000009000000000000" pitchFamily="49" charset="0"/>
-                <a:ea typeface="JetBrains Mono NL" panose="02000009000000000000" pitchFamily="49" charset="0"/>
-                <a:cs typeface="JetBrains Mono NL" panose="02000009000000000000" pitchFamily="49" charset="0"/>
-              </a:rPr>
-              <a:t>insert_new_products</a:t>
-            </a:r>
-            <a:r>
-              <a:rPr lang="en-US" sz="2800" dirty="0">
-                <a:solidFill>
-                  <a:srgbClr val="24A148"/>
-                </a:solidFill>
-                <a:latin typeface="JetBrains Mono NL" panose="02000009000000000000" pitchFamily="49" charset="0"/>
-                <a:ea typeface="JetBrains Mono NL" panose="02000009000000000000" pitchFamily="49" charset="0"/>
-                <a:cs typeface="JetBrains Mono NL" panose="02000009000000000000" pitchFamily="49" charset="0"/>
-              </a:rPr>
-              <a:t>“</a:t>
-            </a:r>
-            <a:r>
-              <a:rPr lang="en-US" sz="2800" dirty="0">
-                <a:solidFill>
-                  <a:srgbClr val="DA1E28"/>
-                </a:solidFill>
-                <a:latin typeface="JetBrains Mono NL" panose="02000009000000000000" pitchFamily="49" charset="0"/>
-                <a:ea typeface="JetBrains Mono NL" panose="02000009000000000000" pitchFamily="49" charset="0"/>
-                <a:cs typeface="JetBrains Mono NL" panose="02000009000000000000" pitchFamily="49" charset="0"/>
-              </a:rPr>
-              <a:t>&gt;</a:t>
-            </a:r>
-          </a:p>
-          <a:p>
-            <a:r>
-              <a:rPr lang="en-US" sz="2800" dirty="0">
-                <a:solidFill>
-                  <a:srgbClr val="DA1E28"/>
-                </a:solidFill>
-                <a:latin typeface="JetBrains Mono NL" panose="02000009000000000000" pitchFamily="49" charset="0"/>
-                <a:ea typeface="JetBrains Mono NL" panose="02000009000000000000" pitchFamily="49" charset="0"/>
-                <a:cs typeface="JetBrains Mono NL" panose="02000009000000000000" pitchFamily="49" charset="0"/>
-              </a:rPr>
-              <a:t>	 &lt;</a:t>
-            </a:r>
-            <a:r>
-              <a:rPr lang="en-US" sz="2800" dirty="0" err="1">
-                <a:solidFill>
-                  <a:srgbClr val="DA1E28"/>
-                </a:solidFill>
-                <a:latin typeface="JetBrains Mono NL" panose="02000009000000000000" pitchFamily="49" charset="0"/>
-                <a:ea typeface="JetBrains Mono NL" panose="02000009000000000000" pitchFamily="49" charset="0"/>
-                <a:cs typeface="JetBrains Mono NL" panose="02000009000000000000" pitchFamily="49" charset="0"/>
-              </a:rPr>
-              <a:t>tasklet</a:t>
-            </a:r>
-            <a:r>
-              <a:rPr lang="en-US" sz="2800" dirty="0">
-                <a:solidFill>
-                  <a:srgbClr val="DA1E28"/>
-                </a:solidFill>
-                <a:latin typeface="JetBrains Mono NL" panose="02000009000000000000" pitchFamily="49" charset="0"/>
-                <a:ea typeface="JetBrains Mono NL" panose="02000009000000000000" pitchFamily="49" charset="0"/>
-                <a:cs typeface="JetBrains Mono NL" panose="02000009000000000000" pitchFamily="49" charset="0"/>
-              </a:rPr>
-              <a:t> </a:t>
-            </a:r>
-            <a:r>
-              <a:rPr lang="en-US" sz="2800" dirty="0">
-                <a:latin typeface="JetBrains Mono NL" panose="02000009000000000000" pitchFamily="49" charset="0"/>
-                <a:ea typeface="JetBrains Mono NL" panose="02000009000000000000" pitchFamily="49" charset="0"/>
-                <a:cs typeface="JetBrains Mono NL" panose="02000009000000000000" pitchFamily="49" charset="0"/>
-              </a:rPr>
-              <a:t>transaction-manager=</a:t>
-            </a:r>
-            <a:r>
-              <a:rPr lang="en-US" sz="2800" dirty="0">
-                <a:solidFill>
-                  <a:srgbClr val="24A148"/>
-                </a:solidFill>
-                <a:latin typeface="JetBrains Mono NL" panose="02000009000000000000" pitchFamily="49" charset="0"/>
-                <a:ea typeface="JetBrains Mono NL" panose="02000009000000000000" pitchFamily="49" charset="0"/>
-                <a:cs typeface="JetBrains Mono NL" panose="02000009000000000000" pitchFamily="49" charset="0"/>
-              </a:rPr>
-              <a:t>"</a:t>
-            </a:r>
-            <a:r>
-              <a:rPr lang="en-US" sz="2800" dirty="0" err="1">
-                <a:solidFill>
-                  <a:srgbClr val="24A148"/>
-                </a:solidFill>
-                <a:latin typeface="JetBrains Mono NL" panose="02000009000000000000" pitchFamily="49" charset="0"/>
-                <a:ea typeface="JetBrains Mono NL" panose="02000009000000000000" pitchFamily="49" charset="0"/>
-                <a:cs typeface="JetBrains Mono NL" panose="02000009000000000000" pitchFamily="49" charset="0"/>
-              </a:rPr>
-              <a:t>transactionManager</a:t>
-            </a:r>
-            <a:r>
-              <a:rPr lang="en-US" sz="2800" dirty="0">
-                <a:solidFill>
-                  <a:srgbClr val="24A148"/>
-                </a:solidFill>
-                <a:latin typeface="JetBrains Mono NL" panose="02000009000000000000" pitchFamily="49" charset="0"/>
-                <a:ea typeface="JetBrains Mono NL" panose="02000009000000000000" pitchFamily="49" charset="0"/>
-                <a:cs typeface="JetBrains Mono NL" panose="02000009000000000000" pitchFamily="49" charset="0"/>
-              </a:rPr>
-              <a:t>"</a:t>
-            </a:r>
-            <a:r>
-              <a:rPr lang="en-US" sz="2800" dirty="0">
-                <a:solidFill>
-                  <a:srgbClr val="DA1E28"/>
-                </a:solidFill>
-                <a:latin typeface="JetBrains Mono NL" panose="02000009000000000000" pitchFamily="49" charset="0"/>
-                <a:ea typeface="JetBrains Mono NL" panose="02000009000000000000" pitchFamily="49" charset="0"/>
-                <a:cs typeface="JetBrains Mono NL" panose="02000009000000000000" pitchFamily="49" charset="0"/>
-              </a:rPr>
-              <a:t>&gt;</a:t>
-            </a:r>
-          </a:p>
-          <a:p>
-            <a:r>
-              <a:rPr lang="en-US" sz="2800" dirty="0">
-                <a:solidFill>
-                  <a:srgbClr val="DA1E28"/>
-                </a:solidFill>
-                <a:latin typeface="JetBrains Mono NL" panose="02000009000000000000" pitchFamily="49" charset="0"/>
-                <a:ea typeface="JetBrains Mono NL" panose="02000009000000000000" pitchFamily="49" charset="0"/>
-                <a:cs typeface="JetBrains Mono NL" panose="02000009000000000000" pitchFamily="49" charset="0"/>
-              </a:rPr>
-              <a:t>              &lt;chunk </a:t>
-            </a:r>
-            <a:r>
-              <a:rPr lang="en-US" sz="2800" dirty="0">
-                <a:latin typeface="JetBrains Mono NL" panose="02000009000000000000" pitchFamily="49" charset="0"/>
-                <a:ea typeface="JetBrains Mono NL" panose="02000009000000000000" pitchFamily="49" charset="0"/>
-                <a:cs typeface="JetBrains Mono NL" panose="02000009000000000000" pitchFamily="49" charset="0"/>
-              </a:rPr>
-              <a:t>reader=</a:t>
-            </a:r>
-            <a:r>
-              <a:rPr lang="en-US" sz="2800" dirty="0">
-                <a:solidFill>
-                  <a:srgbClr val="24A148"/>
-                </a:solidFill>
-                <a:latin typeface="JetBrains Mono NL" panose="02000009000000000000" pitchFamily="49" charset="0"/>
-                <a:ea typeface="JetBrains Mono NL" panose="02000009000000000000" pitchFamily="49" charset="0"/>
-                <a:cs typeface="JetBrains Mono NL" panose="02000009000000000000" pitchFamily="49" charset="0"/>
-              </a:rPr>
-              <a:t>“</a:t>
-            </a:r>
-            <a:r>
-              <a:rPr lang="en-US" sz="2800" dirty="0" err="1">
-                <a:solidFill>
-                  <a:srgbClr val="24A148"/>
-                </a:solidFill>
-                <a:latin typeface="JetBrains Mono NL" panose="02000009000000000000" pitchFamily="49" charset="0"/>
-                <a:ea typeface="JetBrains Mono NL" panose="02000009000000000000" pitchFamily="49" charset="0"/>
-                <a:cs typeface="JetBrains Mono NL" panose="02000009000000000000" pitchFamily="49" charset="0"/>
-              </a:rPr>
-              <a:t>newProductsItemReader</a:t>
-            </a:r>
-            <a:r>
-              <a:rPr lang="en-US" sz="2800" dirty="0">
-                <a:solidFill>
-                  <a:srgbClr val="24A148"/>
-                </a:solidFill>
-                <a:latin typeface="JetBrains Mono NL" panose="02000009000000000000" pitchFamily="49" charset="0"/>
-                <a:ea typeface="JetBrains Mono NL" panose="02000009000000000000" pitchFamily="49" charset="0"/>
-                <a:cs typeface="JetBrains Mono NL" panose="02000009000000000000" pitchFamily="49" charset="0"/>
-              </a:rPr>
-              <a:t>" </a:t>
-            </a:r>
-            <a:r>
-              <a:rPr lang="en-US" sz="2800" dirty="0">
-                <a:latin typeface="JetBrains Mono NL" panose="02000009000000000000" pitchFamily="49" charset="0"/>
-                <a:ea typeface="JetBrains Mono NL" panose="02000009000000000000" pitchFamily="49" charset="0"/>
-                <a:cs typeface="JetBrains Mono NL" panose="02000009000000000000" pitchFamily="49" charset="0"/>
-              </a:rPr>
-              <a:t>writer=</a:t>
-            </a:r>
-            <a:r>
-              <a:rPr lang="en-US" sz="2800" dirty="0">
-                <a:solidFill>
-                  <a:srgbClr val="24A148"/>
-                </a:solidFill>
-                <a:latin typeface="JetBrains Mono NL" panose="02000009000000000000" pitchFamily="49" charset="0"/>
-                <a:ea typeface="JetBrains Mono NL" panose="02000009000000000000" pitchFamily="49" charset="0"/>
-                <a:cs typeface="JetBrains Mono NL" panose="02000009000000000000" pitchFamily="49" charset="0"/>
-              </a:rPr>
-              <a:t>“</a:t>
-            </a:r>
-            <a:r>
-              <a:rPr lang="en-US" sz="2800" dirty="0" err="1">
-                <a:solidFill>
-                  <a:srgbClr val="24A148"/>
-                </a:solidFill>
-                <a:latin typeface="JetBrains Mono NL" panose="02000009000000000000" pitchFamily="49" charset="0"/>
-                <a:ea typeface="JetBrains Mono NL" panose="02000009000000000000" pitchFamily="49" charset="0"/>
-                <a:cs typeface="JetBrains Mono NL" panose="02000009000000000000" pitchFamily="49" charset="0"/>
-              </a:rPr>
-              <a:t>newProductsItemWriter</a:t>
-            </a:r>
-            <a:r>
-              <a:rPr lang="en-US" sz="2800" dirty="0">
-                <a:solidFill>
-                  <a:srgbClr val="24A148"/>
-                </a:solidFill>
-                <a:latin typeface="JetBrains Mono NL" panose="02000009000000000000" pitchFamily="49" charset="0"/>
-                <a:ea typeface="JetBrains Mono NL" panose="02000009000000000000" pitchFamily="49" charset="0"/>
-                <a:cs typeface="JetBrains Mono NL" panose="02000009000000000000" pitchFamily="49" charset="0"/>
-              </a:rPr>
-              <a:t>"</a:t>
-            </a:r>
-            <a:r>
-              <a:rPr lang="en-US" sz="2800" dirty="0">
-                <a:solidFill>
-                  <a:srgbClr val="DA1E28"/>
-                </a:solidFill>
-                <a:latin typeface="JetBrains Mono NL" panose="02000009000000000000" pitchFamily="49" charset="0"/>
-                <a:ea typeface="JetBrains Mono NL" panose="02000009000000000000" pitchFamily="49" charset="0"/>
-                <a:cs typeface="JetBrains Mono NL" panose="02000009000000000000" pitchFamily="49" charset="0"/>
-              </a:rPr>
-              <a:t>/&gt;</a:t>
-            </a:r>
-          </a:p>
-          <a:p>
-            <a:r>
-              <a:rPr lang="en-US" sz="2800" dirty="0">
-                <a:solidFill>
-                  <a:srgbClr val="DA1E28"/>
-                </a:solidFill>
-                <a:latin typeface="JetBrains Mono NL" panose="02000009000000000000" pitchFamily="49" charset="0"/>
-                <a:ea typeface="JetBrains Mono NL" panose="02000009000000000000" pitchFamily="49" charset="0"/>
-                <a:cs typeface="JetBrains Mono NL" panose="02000009000000000000" pitchFamily="49" charset="0"/>
-              </a:rPr>
-              <a:t>          &lt;/</a:t>
-            </a:r>
-            <a:r>
-              <a:rPr lang="en-US" sz="2800" dirty="0" err="1">
-                <a:solidFill>
-                  <a:srgbClr val="DA1E28"/>
-                </a:solidFill>
-                <a:latin typeface="JetBrains Mono NL" panose="02000009000000000000" pitchFamily="49" charset="0"/>
-                <a:ea typeface="JetBrains Mono NL" panose="02000009000000000000" pitchFamily="49" charset="0"/>
-                <a:cs typeface="JetBrains Mono NL" panose="02000009000000000000" pitchFamily="49" charset="0"/>
-              </a:rPr>
-              <a:t>tasklet</a:t>
-            </a:r>
-            <a:r>
-              <a:rPr lang="en-US" sz="2800" dirty="0">
-                <a:solidFill>
-                  <a:srgbClr val="DA1E28"/>
-                </a:solidFill>
-                <a:latin typeface="JetBrains Mono NL" panose="02000009000000000000" pitchFamily="49" charset="0"/>
-                <a:ea typeface="JetBrains Mono NL" panose="02000009000000000000" pitchFamily="49" charset="0"/>
-                <a:cs typeface="JetBrains Mono NL" panose="02000009000000000000" pitchFamily="49" charset="0"/>
-              </a:rPr>
-              <a:t>&gt;</a:t>
-            </a:r>
-          </a:p>
-          <a:p>
-            <a:r>
-              <a:rPr lang="en-US" sz="2800" dirty="0">
-                <a:solidFill>
-                  <a:srgbClr val="DA1E28"/>
-                </a:solidFill>
-                <a:latin typeface="JetBrains Mono NL" panose="02000009000000000000" pitchFamily="49" charset="0"/>
-                <a:ea typeface="JetBrains Mono NL" panose="02000009000000000000" pitchFamily="49" charset="0"/>
-                <a:cs typeface="JetBrains Mono NL" panose="02000009000000000000" pitchFamily="49" charset="0"/>
-              </a:rPr>
-              <a:t>     &lt;/step&gt;</a:t>
-            </a:r>
-          </a:p>
-          <a:p>
-            <a:r>
-              <a:rPr lang="en-US" sz="2800" dirty="0">
-                <a:solidFill>
-                  <a:srgbClr val="DA1E28"/>
-                </a:solidFill>
-                <a:latin typeface="JetBrains Mono NL" panose="02000009000000000000" pitchFamily="49" charset="0"/>
-                <a:ea typeface="JetBrains Mono NL" panose="02000009000000000000" pitchFamily="49" charset="0"/>
-                <a:cs typeface="JetBrains Mono NL" panose="02000009000000000000" pitchFamily="49" charset="0"/>
-              </a:rPr>
-              <a:t>&lt;/job&gt;</a:t>
+              <a:t>}</a:t>
             </a:r>
           </a:p>
         </p:txBody>
@@ -32906,6 +34395,261 @@
     <p:extLst>
       <p:ext uri="{BB962C8B-B14F-4D97-AF65-F5344CB8AC3E}">
         <p14:creationId xmlns:p14="http://schemas.microsoft.com/office/powerpoint/2010/main" val="4146366464"/>
+      </p:ext>
+    </p:extLst>
+  </p:cSld>
+  <p:clrMapOvr>
+    <a:masterClrMapping/>
+  </p:clrMapOvr>
+  <p:transition spd="med"/>
+</p:sld>
+</file>
+
+<file path=ppt/slides/slide19.xml><?xml version="1.0" encoding="utf-8"?>
+<p:sld xmlns:a="http://schemas.openxmlformats.org/drawingml/2006/main" xmlns:r="http://schemas.openxmlformats.org/officeDocument/2006/relationships" xmlns:p="http://schemas.openxmlformats.org/presentationml/2006/main">
+  <p:cSld>
+    <p:spTree>
+      <p:nvGrpSpPr>
+        <p:cNvPr id="1" name="">
+          <a:extLst>
+            <a:ext uri="{FF2B5EF4-FFF2-40B4-BE49-F238E27FC236}">
+              <a16:creationId xmlns:a16="http://schemas.microsoft.com/office/drawing/2014/main" id="{DA7E709F-C9BB-5BD9-E12E-079180A22B17}"/>
+            </a:ext>
+          </a:extLst>
+        </p:cNvPr>
+        <p:cNvGrpSpPr/>
+        <p:nvPr/>
+      </p:nvGrpSpPr>
+      <p:grpSpPr>
+        <a:xfrm>
+          <a:off x="0" y="0"/>
+          <a:ext cx="0" cy="0"/>
+          <a:chOff x="0" y="0"/>
+          <a:chExt cx="0" cy="0"/>
+        </a:xfrm>
+      </p:grpSpPr>
+      <p:sp>
+        <p:nvSpPr>
+          <p:cNvPr id="2" name="Title 1">
+            <a:extLst>
+              <a:ext uri="{FF2B5EF4-FFF2-40B4-BE49-F238E27FC236}">
+                <a16:creationId xmlns:a16="http://schemas.microsoft.com/office/drawing/2014/main" id="{3B8A1380-97ED-AC7D-B6DD-42FA0745028A}"/>
+              </a:ext>
+            </a:extLst>
+          </p:cNvPr>
+          <p:cNvSpPr>
+            <a:spLocks noGrp="1"/>
+          </p:cNvSpPr>
+          <p:nvPr>
+            <p:ph type="title"/>
+          </p:nvPr>
+        </p:nvSpPr>
+        <p:spPr>
+          <a:xfrm>
+            <a:off x="1490894" y="5893577"/>
+            <a:ext cx="21405387" cy="1928846"/>
+          </a:xfrm>
+        </p:spPr>
+        <p:txBody>
+          <a:bodyPr/>
+          <a:lstStyle/>
+          <a:p>
+            <a:pPr algn="ctr"/>
+            <a:r>
+              <a:rPr lang="en-US" sz="12000" dirty="0">
+                <a:solidFill>
+                  <a:srgbClr val="0F62FE"/>
+                </a:solidFill>
+              </a:rPr>
+              <a:t>Thank you </a:t>
+            </a:r>
+            <a:r>
+              <a:rPr lang="en-US" sz="12000" dirty="0">
+                <a:solidFill>
+                  <a:schemeClr val="tx1"/>
+                </a:solidFill>
+                <a:sym typeface="Wingdings" panose="05000000000000000000" pitchFamily="2" charset="2"/>
+              </a:rPr>
+              <a:t>for your attention!</a:t>
+            </a:r>
+            <a:endParaRPr lang="en-US" sz="12000" dirty="0">
+              <a:solidFill>
+                <a:schemeClr val="tx1"/>
+              </a:solidFill>
+            </a:endParaRPr>
+          </a:p>
+        </p:txBody>
+      </p:sp>
+      <p:sp>
+        <p:nvSpPr>
+          <p:cNvPr id="9" name="Slide Number Placeholder">
+            <a:extLst>
+              <a:ext uri="{FF2B5EF4-FFF2-40B4-BE49-F238E27FC236}">
+                <a16:creationId xmlns:a16="http://schemas.microsoft.com/office/drawing/2014/main" id="{CDE771C4-8FF4-C5BE-0AD3-A4EFB333D36F}"/>
+              </a:ext>
+            </a:extLst>
+          </p:cNvPr>
+          <p:cNvSpPr>
+            <a:spLocks noGrp="1"/>
+          </p:cNvSpPr>
+          <p:nvPr>
+            <p:ph type="sldNum" sz="quarter" idx="4"/>
+          </p:nvPr>
+        </p:nvSpPr>
+        <p:spPr/>
+        <p:txBody>
+          <a:bodyPr/>
+          <a:lstStyle>
+            <a:lvl1pPr>
+              <a:defRPr>
+                <a:solidFill>
+                  <a:schemeClr val="tx1"/>
+                </a:solidFill>
+              </a:defRPr>
+            </a:lvl1pPr>
+          </a:lstStyle>
+          <a:p>
+            <a:fld id="{59395FB3-9C97-154F-86B2-7E381B951268}" type="slidenum">
+              <a:rPr lang="en-US" smtClean="0"/>
+              <a:pPr/>
+              <a:t>19</a:t>
+            </a:fld>
+            <a:endParaRPr lang="en-US" dirty="0"/>
+          </a:p>
+        </p:txBody>
+      </p:sp>
+      <p:sp>
+        <p:nvSpPr>
+          <p:cNvPr id="7" name="Footer Placeholder 4">
+            <a:extLst>
+              <a:ext uri="{FF2B5EF4-FFF2-40B4-BE49-F238E27FC236}">
+                <a16:creationId xmlns:a16="http://schemas.microsoft.com/office/drawing/2014/main" id="{6D158F27-7C15-6837-654D-8237CC745375}"/>
+              </a:ext>
+            </a:extLst>
+          </p:cNvPr>
+          <p:cNvSpPr txBox="1">
+            <a:spLocks/>
+          </p:cNvSpPr>
+          <p:nvPr/>
+        </p:nvSpPr>
+        <p:spPr>
+          <a:xfrm>
+            <a:off x="576072" y="12801599"/>
+            <a:ext cx="3734671" cy="690465"/>
+          </a:xfrm>
+          <a:prstGeom prst="rect">
+            <a:avLst/>
+          </a:prstGeom>
+        </p:spPr>
+        <p:txBody>
+          <a:bodyPr anchor="ctr"/>
+          <a:lstStyle>
+            <a:defPPr>
+              <a:defRPr lang="en-US"/>
+            </a:defPPr>
+            <a:lvl1pPr marL="0" algn="l" defTabSz="1829379" rtl="0" eaLnBrk="1" latinLnBrk="0" hangingPunct="1">
+              <a:defRPr sz="3600" kern="1200">
+                <a:solidFill>
+                  <a:schemeClr val="tx1"/>
+                </a:solidFill>
+                <a:latin typeface="+mn-lt"/>
+                <a:ea typeface="+mn-ea"/>
+                <a:cs typeface="+mn-cs"/>
+              </a:defRPr>
+            </a:lvl1pPr>
+            <a:lvl2pPr marL="914688" algn="l" defTabSz="1829379" rtl="0" eaLnBrk="1" latinLnBrk="0" hangingPunct="1">
+              <a:defRPr sz="3600" kern="1200">
+                <a:solidFill>
+                  <a:schemeClr val="tx1"/>
+                </a:solidFill>
+                <a:latin typeface="+mn-lt"/>
+                <a:ea typeface="+mn-ea"/>
+                <a:cs typeface="+mn-cs"/>
+              </a:defRPr>
+            </a:lvl2pPr>
+            <a:lvl3pPr marL="1829379" algn="l" defTabSz="1829379" rtl="0" eaLnBrk="1" latinLnBrk="0" hangingPunct="1">
+              <a:defRPr sz="3600" kern="1200">
+                <a:solidFill>
+                  <a:schemeClr val="tx1"/>
+                </a:solidFill>
+                <a:latin typeface="+mn-lt"/>
+                <a:ea typeface="+mn-ea"/>
+                <a:cs typeface="+mn-cs"/>
+              </a:defRPr>
+            </a:lvl3pPr>
+            <a:lvl4pPr marL="2744068" algn="l" defTabSz="1829379" rtl="0" eaLnBrk="1" latinLnBrk="0" hangingPunct="1">
+              <a:defRPr sz="3600" kern="1200">
+                <a:solidFill>
+                  <a:schemeClr val="tx1"/>
+                </a:solidFill>
+                <a:latin typeface="+mn-lt"/>
+                <a:ea typeface="+mn-ea"/>
+                <a:cs typeface="+mn-cs"/>
+              </a:defRPr>
+            </a:lvl4pPr>
+            <a:lvl5pPr marL="3658759" algn="l" defTabSz="1829379" rtl="0" eaLnBrk="1" latinLnBrk="0" hangingPunct="1">
+              <a:defRPr sz="3600" kern="1200">
+                <a:solidFill>
+                  <a:schemeClr val="tx1"/>
+                </a:solidFill>
+                <a:latin typeface="+mn-lt"/>
+                <a:ea typeface="+mn-ea"/>
+                <a:cs typeface="+mn-cs"/>
+              </a:defRPr>
+            </a:lvl5pPr>
+            <a:lvl6pPr marL="4573447" algn="l" defTabSz="1829379" rtl="0" eaLnBrk="1" latinLnBrk="0" hangingPunct="1">
+              <a:defRPr sz="3600" kern="1200">
+                <a:solidFill>
+                  <a:schemeClr val="tx1"/>
+                </a:solidFill>
+                <a:latin typeface="+mn-lt"/>
+                <a:ea typeface="+mn-ea"/>
+                <a:cs typeface="+mn-cs"/>
+              </a:defRPr>
+            </a:lvl6pPr>
+            <a:lvl7pPr marL="5488138" algn="l" defTabSz="1829379" rtl="0" eaLnBrk="1" latinLnBrk="0" hangingPunct="1">
+              <a:defRPr sz="3600" kern="1200">
+                <a:solidFill>
+                  <a:schemeClr val="tx1"/>
+                </a:solidFill>
+                <a:latin typeface="+mn-lt"/>
+                <a:ea typeface="+mn-ea"/>
+                <a:cs typeface="+mn-cs"/>
+              </a:defRPr>
+            </a:lvl7pPr>
+            <a:lvl8pPr marL="6402827" algn="l" defTabSz="1829379" rtl="0" eaLnBrk="1" latinLnBrk="0" hangingPunct="1">
+              <a:defRPr sz="3600" kern="1200">
+                <a:solidFill>
+                  <a:schemeClr val="tx1"/>
+                </a:solidFill>
+                <a:latin typeface="+mn-lt"/>
+                <a:ea typeface="+mn-ea"/>
+                <a:cs typeface="+mn-cs"/>
+              </a:defRPr>
+            </a:lvl8pPr>
+            <a:lvl9pPr marL="7317518" algn="l" defTabSz="1829379" rtl="0" eaLnBrk="1" latinLnBrk="0" hangingPunct="1">
+              <a:defRPr sz="3600" kern="1200">
+                <a:solidFill>
+                  <a:schemeClr val="tx1"/>
+                </a:solidFill>
+                <a:latin typeface="+mn-lt"/>
+                <a:ea typeface="+mn-ea"/>
+                <a:cs typeface="+mn-cs"/>
+              </a:defRPr>
+            </a:lvl9pPr>
+          </a:lstStyle>
+          <a:p>
+            <a:r>
+              <a:rPr lang="en-US" sz="1600" dirty="0"/>
+              <a:t>Introduction to Spring Batch</a:t>
+            </a:r>
+          </a:p>
+        </p:txBody>
+      </p:sp>
+    </p:spTree>
+    <p:extLst>
+      <p:ext uri="{BB962C8B-B14F-4D97-AF65-F5344CB8AC3E}">
+        <p14:creationId xmlns:p14="http://schemas.microsoft.com/office/powerpoint/2010/main" val="878887375"/>
       </p:ext>
     </p:extLst>
   </p:cSld>
@@ -33104,25 +34848,6 @@
               <a:rPr lang="en-US" dirty="0"/>
               <a:t>	</a:t>
             </a:r>
-            <a:r>
-              <a:rPr lang="ro-RO" dirty="0"/>
-              <a:t>Jobs and steps</a:t>
-            </a:r>
-          </a:p>
-          <a:p>
-            <a:r>
-              <a:rPr lang="en-US" dirty="0"/>
-              <a:t>	</a:t>
-            </a:r>
-            <a:r>
-              <a:rPr lang="ro-RO" dirty="0"/>
-              <a:t>How are jobs executed?</a:t>
-            </a:r>
-            <a:endParaRPr lang="ro-RO" dirty="0">
-              <a:latin typeface="IBM Plex Sans Medm" panose="020B0503050203000203" pitchFamily="34" charset="0"/>
-            </a:endParaRPr>
-          </a:p>
-          <a:p>
             <a:endParaRPr lang="en-US" dirty="0">
               <a:latin typeface="IBM Plex Sans Medm" panose="020B0503050203000203" pitchFamily="34" charset="0"/>
             </a:endParaRPr>
@@ -33173,12 +34898,10 @@
               <a:rPr lang="ro-RO" dirty="0"/>
               <a:t>Using tasklets</a:t>
             </a:r>
-          </a:p>
-          <a:p>
-            <a:pPr marL="742950" indent="-742950">
-              <a:buAutoNum type="arabicPlain" startAt="7"/>
-            </a:pPr>
-            <a:endParaRPr lang="ro-RO" dirty="0"/>
+            <a:endParaRPr lang="en-US" dirty="0"/>
+          </a:p>
+          <a:p>
+            <a:endParaRPr lang="en-US" dirty="0"/>
           </a:p>
           <a:p>
             <a:r>
@@ -33188,7 +34911,54 @@
                 </a:solidFill>
                 <a:latin typeface="IBM Plex Sans" panose="020B0503050203000203" pitchFamily="34" charset="0"/>
               </a:rPr>
-              <a:t>4	</a:t>
+              <a:t>4	Running</a:t>
+            </a:r>
+            <a:r>
+              <a:rPr lang="ro-RO" dirty="0">
+                <a:solidFill>
+                  <a:srgbClr val="0F62FE"/>
+                </a:solidFill>
+                <a:latin typeface="IBM Plex Sans" panose="020B0503050203000203" pitchFamily="34" charset="0"/>
+              </a:rPr>
+              <a:t> a job</a:t>
+            </a:r>
+            <a:endParaRPr lang="en-US" dirty="0">
+              <a:solidFill>
+                <a:srgbClr val="0F62FE"/>
+              </a:solidFill>
+              <a:latin typeface="IBM Plex Sans" panose="020B0503050203000203" pitchFamily="34" charset="0"/>
+            </a:endParaRPr>
+          </a:p>
+          <a:p>
+            <a:r>
+              <a:rPr lang="en-US" dirty="0"/>
+              <a:t>	Command-line arguments</a:t>
+            </a:r>
+          </a:p>
+          <a:p>
+            <a:r>
+              <a:rPr lang="en-US" dirty="0"/>
+              <a:t>	Web interface</a:t>
+            </a:r>
+          </a:p>
+          <a:p>
+            <a:r>
+              <a:rPr lang="en-US" dirty="0"/>
+              <a:t>	Job Parameters</a:t>
+            </a:r>
+          </a:p>
+          <a:p>
+            <a:endParaRPr lang="ro-RO" dirty="0"/>
+          </a:p>
+          <a:p>
+            <a:r>
+              <a:rPr lang="en-US" dirty="0">
+                <a:solidFill>
+                  <a:srgbClr val="0F62FE"/>
+                </a:solidFill>
+                <a:latin typeface="IBM Plex Sans" panose="020B0503050203000203" pitchFamily="34" charset="0"/>
+              </a:rPr>
+              <a:t>5	</a:t>
             </a:r>
             <a:r>
               <a:rPr lang="ro-RO" dirty="0">
